--- a/meetings/Exiv2-v0.24.1.pptx
+++ b/meetings/Exiv2-v0.24.1.pptx
@@ -6757,7 +6757,7 @@
           <a:p>
             <a:r>
               <a:rPr lang="en-US" dirty="0" smtClean="0"/>
-              <a:t>Objectives</a:t>
+              <a:t>Meeting Objective</a:t>
             </a:r>
             <a:endParaRPr lang="en-US" dirty="0"/>
           </a:p>
@@ -6805,12 +6805,17 @@
           <a:p>
             <a:r>
               <a:rPr lang="en-US" dirty="0" smtClean="0"/>
-              <a:t>No other meeting </a:t>
-            </a:r>
-            <a:r>
-              <a:rPr lang="en-US" dirty="0" smtClean="0"/>
-              <a:t>goal</a:t>
-            </a:r>
+              <a:t>*** No </a:t>
+            </a:r>
+            <a:r>
+              <a:rPr lang="en-US" dirty="0" smtClean="0"/>
+              <a:t>other meeting </a:t>
+            </a:r>
+            <a:r>
+              <a:rPr lang="en-US" dirty="0" smtClean="0"/>
+              <a:t>objective ***</a:t>
+            </a:r>
+            <a:endParaRPr lang="en-US" dirty="0" smtClean="0"/>
           </a:p>
           <a:p>
             <a:r>
@@ -7908,7 +7913,19 @@
             </a:br>
             <a:r>
               <a:rPr lang="en-US" dirty="0" smtClean="0"/>
-              <a:t>4	Team Member Team Members</a:t>
+              <a:t>4	</a:t>
+            </a:r>
+            <a:r>
+              <a:rPr lang="en-US" dirty="0" smtClean="0"/>
+              <a:t>Assignments to </a:t>
+            </a:r>
+            <a:r>
+              <a:rPr lang="en-US" dirty="0" smtClean="0"/>
+              <a:t>Team </a:t>
+            </a:r>
+            <a:r>
+              <a:rPr lang="en-US" dirty="0" smtClean="0"/>
+              <a:t>Members</a:t>
             </a:r>
             <a:r>
               <a:rPr lang="en-US" dirty="0"/>
@@ -9021,12 +9038,12 @@
               <a:t>More platforms supported (</a:t>
             </a:r>
             <a:r>
-              <a:rPr lang="en-US" dirty="0" err="1" smtClean="0"/>
-              <a:t>Andoid</a:t>
-            </a:r>
-            <a:r>
-              <a:rPr lang="en-US" dirty="0" smtClean="0"/>
-              <a:t> and </a:t>
+              <a:rPr lang="en-US" dirty="0" smtClean="0"/>
+              <a:t>Android </a:t>
+            </a:r>
+            <a:r>
+              <a:rPr lang="en-US" dirty="0" smtClean="0"/>
+              <a:t>and </a:t>
             </a:r>
             <a:r>
               <a:rPr lang="en-US" dirty="0" err="1" smtClean="0"/>

--- a/meetings/Exiv2-v0.24.1.pptx
+++ b/meetings/Exiv2-v0.24.1.pptx
@@ -874,7 +874,7 @@
           <a:p>
             <a:fld id="{50684158-AEF9-F541-B7F7-457AA9371B9F}" type="datetime8">
               <a:rPr lang="en-GB" smtClean="0"/>
-              <a:t>22-Apr-2015 10:56</a:t>
+              <a:t>22-Apr-2015 12:47</a:t>
             </a:fld>
             <a:endParaRPr lang="en-US"/>
           </a:p>
@@ -969,7 +969,7 @@
           <a:p>
             <a:fld id="{D4610EBB-D907-9449-8FEA-ED325EF61155}" type="datetime8">
               <a:rPr lang="en-GB" smtClean="0"/>
-              <a:t>22-Apr-2015 10:56</a:t>
+              <a:t>22-Apr-2015 12:47</a:t>
             </a:fld>
             <a:endParaRPr lang="en-US"/>
           </a:p>
@@ -1276,7 +1276,7 @@
           <a:p>
             <a:fld id="{453BA56C-E552-7340-BC54-08A9EBD5FC05}" type="datetime8">
               <a:rPr lang="en-GB" smtClean="0"/>
-              <a:t>22-Apr-2015 10:56</a:t>
+              <a:t>22-Apr-2015 12:47</a:t>
             </a:fld>
             <a:endParaRPr lang="en-US"/>
           </a:p>
@@ -1501,7 +1501,7 @@
           <a:p>
             <a:fld id="{4664B96B-42AD-F043-9EFC-F851190D4880}" type="datetime8">
               <a:rPr lang="en-GB" smtClean="0"/>
-              <a:t>22-Apr-2015 10:56</a:t>
+              <a:t>22-Apr-2015 12:47</a:t>
             </a:fld>
             <a:endParaRPr lang="en-US"/>
           </a:p>
@@ -1893,7 +1893,7 @@
           <a:p>
             <a:fld id="{8C4F81CC-6030-0D41-BD2B-2D55CBDB487B}" type="datetime8">
               <a:rPr lang="en-GB" smtClean="0"/>
-              <a:t>22-Apr-2015 10:56</a:t>
+              <a:t>22-Apr-2015 12:47</a:t>
             </a:fld>
             <a:endParaRPr lang="en-US"/>
           </a:p>
@@ -2205,7 +2205,7 @@
           <a:p>
             <a:fld id="{62099B12-AD97-F440-892A-1F99F7E663F8}" type="datetime8">
               <a:rPr lang="en-GB" smtClean="0"/>
-              <a:t>22-Apr-2015 10:56</a:t>
+              <a:t>22-Apr-2015 12:47</a:t>
             </a:fld>
             <a:endParaRPr lang="en-US"/>
           </a:p>
@@ -2407,7 +2407,7 @@
           <a:p>
             <a:fld id="{D2D478E8-B690-5B4A-8E03-205B27722A3E}" type="datetime8">
               <a:rPr lang="en-GB" smtClean="0"/>
-              <a:t>22-Apr-2015 10:56</a:t>
+              <a:t>22-Apr-2015 12:47</a:t>
             </a:fld>
             <a:endParaRPr lang="en-US"/>
           </a:p>
@@ -2614,7 +2614,7 @@
           <a:p>
             <a:fld id="{AD301DA1-92EC-4F4E-BF75-5D6EF2BECBCB}" type="datetime8">
               <a:rPr lang="en-GB" smtClean="0"/>
-              <a:t>22-Apr-2015 10:56</a:t>
+              <a:t>22-Apr-2015 12:47</a:t>
             </a:fld>
             <a:endParaRPr lang="en-US"/>
           </a:p>
@@ -2811,7 +2811,7 @@
           <a:p>
             <a:fld id="{C66E1988-3043-8F43-92FE-A5FA8C8F7BB7}" type="datetime8">
               <a:rPr lang="en-GB" smtClean="0"/>
-              <a:t>22-Apr-2015 10:56</a:t>
+              <a:t>22-Apr-2015 12:47</a:t>
             </a:fld>
             <a:endParaRPr lang="en-US"/>
           </a:p>
@@ -3087,7 +3087,7 @@
           <a:p>
             <a:fld id="{D29759E7-790C-D747-8166-EE5474C1982E}" type="datetime8">
               <a:rPr lang="en-GB" smtClean="0"/>
-              <a:t>22-Apr-2015 10:56</a:t>
+              <a:t>22-Apr-2015 12:47</a:t>
             </a:fld>
             <a:endParaRPr lang="en-US"/>
           </a:p>
@@ -3402,7 +3402,7 @@
           <a:p>
             <a:fld id="{FD7D5E06-F004-B741-A968-950EA387287B}" type="datetime8">
               <a:rPr lang="en-GB" smtClean="0"/>
-              <a:t>22-Apr-2015 10:56</a:t>
+              <a:t>22-Apr-2015 12:47</a:t>
             </a:fld>
             <a:endParaRPr lang="en-US"/>
           </a:p>
@@ -3872,7 +3872,7 @@
           <a:p>
             <a:fld id="{284F2FE9-C7F0-744B-94B3-7FB6C0C7A7AC}" type="datetime8">
               <a:rPr lang="en-GB" smtClean="0"/>
-              <a:t>22-Apr-2015 10:56</a:t>
+              <a:t>22-Apr-2015 12:47</a:t>
             </a:fld>
             <a:endParaRPr lang="en-US"/>
           </a:p>
@@ -4240,7 +4240,7 @@
           <a:p>
             <a:fld id="{84AE1E6E-75DA-F74A-9CB0-4A08E364BCC5}" type="datetime8">
               <a:rPr lang="en-GB" smtClean="0"/>
-              <a:t>22-Apr-2015 10:56</a:t>
+              <a:t>22-Apr-2015 12:47</a:t>
             </a:fld>
             <a:endParaRPr lang="en-US"/>
           </a:p>
@@ -4555,7 +4555,7 @@
           <a:p>
             <a:fld id="{470A43BE-DCB4-E441-84BC-9206BE09A6E9}" type="datetime8">
               <a:rPr lang="en-GB" smtClean="0"/>
-              <a:t>22-Apr-2015 10:56</a:t>
+              <a:t>22-Apr-2015 12:47</a:t>
             </a:fld>
             <a:endParaRPr lang="en-US"/>
           </a:p>
@@ -4870,7 +4870,7 @@
           <a:p>
             <a:fld id="{26B4B2EE-C089-0344-9BCB-E686BC5B579B}" type="datetime8">
               <a:rPr lang="en-GB" smtClean="0"/>
-              <a:t>22-Apr-2015 10:56</a:t>
+              <a:t>22-Apr-2015 12:47</a:t>
             </a:fld>
             <a:endParaRPr lang="en-US"/>
           </a:p>
@@ -5359,7 +5359,7 @@
           <a:p>
             <a:fld id="{13992AC6-5E03-F449-829F-139F3F0797E9}" type="datetime8">
               <a:rPr lang="en-GB" smtClean="0"/>
-              <a:t>22-Apr-2015 10:56</a:t>
+              <a:t>22-Apr-2015 12:47</a:t>
             </a:fld>
             <a:endParaRPr lang="en-US"/>
           </a:p>
@@ -5626,7 +5626,7 @@
           <a:p>
             <a:fld id="{F9F5659A-14A4-684C-8DFF-B535F8211020}" type="datetime8">
               <a:rPr lang="en-GB" smtClean="0"/>
-              <a:t>22-Apr-2015 10:56</a:t>
+              <a:t>22-Apr-2015 12:47</a:t>
             </a:fld>
             <a:endParaRPr lang="en-US"/>
           </a:p>
@@ -6042,19 +6042,7 @@
           <a:p>
             <a:r>
               <a:rPr lang="en-US" dirty="0" smtClean="0"/>
-              <a:t>KDE</a:t>
-            </a:r>
-            <a:r>
-              <a:rPr lang="en-US" dirty="0" smtClean="0"/>
-              <a:t> </a:t>
-            </a:r>
-            <a:r>
-              <a:rPr lang="en-US" dirty="0" smtClean="0"/>
-              <a:t>Security </a:t>
-            </a:r>
-            <a:r>
-              <a:rPr lang="en-US" dirty="0" smtClean="0"/>
-              <a:t>Issue</a:t>
+              <a:t>KDE Security Issue</a:t>
             </a:r>
             <a:endParaRPr lang="en-US" dirty="0"/>
           </a:p>
@@ -6082,7 +6070,7 @@
         </p:blipFill>
         <p:spPr>
           <a:xfrm>
-            <a:off x="6734049" y="420061"/>
+            <a:off x="327957" y="420061"/>
             <a:ext cx="2032000" cy="1231900"/>
           </a:xfrm>
           <a:prstGeom prst="rect">
@@ -6162,15 +6150,7 @@
           <a:p>
             <a:r>
               <a:rPr lang="en-US" dirty="0" smtClean="0"/>
-              <a:t>Exiv2 is a great open source</a:t>
-            </a:r>
-            <a:r>
-              <a:rPr lang="en-US" dirty="0" smtClean="0"/>
-              <a:t> </a:t>
-            </a:r>
-            <a:r>
-              <a:rPr lang="en-US" dirty="0" smtClean="0"/>
-              <a:t>project</a:t>
+              <a:t>Exiv2 is a great open source project</a:t>
             </a:r>
             <a:br>
               <a:rPr lang="en-US" dirty="0" smtClean="0"/>
@@ -6190,49 +6170,21 @@
           <a:p>
             <a:r>
               <a:rPr lang="en-US" dirty="0" smtClean="0"/>
-              <a:t>Most </a:t>
-            </a:r>
-            <a:r>
-              <a:rPr lang="en-US" dirty="0" smtClean="0"/>
-              <a:t>C++ code and test harness is </a:t>
-            </a:r>
-            <a:r>
-              <a:rPr lang="en-US" dirty="0" smtClean="0"/>
-              <a:t>excellent </a:t>
-            </a:r>
-            <a:r>
-              <a:rPr lang="en-US" dirty="0" smtClean="0"/>
-              <a:t>thanks to:</a:t>
-            </a:r>
-            <a:r>
-              <a:rPr lang="en-US" dirty="0" smtClean="0"/>
-              <a:t/>
+              <a:t>Most C++ code and test harness is excellent thanks to:</a:t>
             </a:r>
             <a:br>
               <a:rPr lang="en-US" dirty="0" smtClean="0"/>
             </a:br>
             <a:r>
               <a:rPr lang="en-US" dirty="0" smtClean="0"/>
-              <a:t>-	</a:t>
-            </a:r>
-            <a:r>
-              <a:rPr lang="en-US" dirty="0" smtClean="0"/>
-              <a:t>Andreas		Brad</a:t>
-            </a:r>
-            <a:r>
-              <a:rPr lang="en-US" dirty="0" smtClean="0"/>
-              <a:t/>
+              <a:t>-	Andreas		Brad</a:t>
             </a:r>
             <a:br>
               <a:rPr lang="en-US" dirty="0" smtClean="0"/>
             </a:br>
             <a:r>
               <a:rPr lang="en-US" dirty="0" smtClean="0"/>
-              <a:t>-	</a:t>
-            </a:r>
-            <a:r>
-              <a:rPr lang="en-US" dirty="0" smtClean="0"/>
-              <a:t>Gilles		Volker</a:t>
+              <a:t>-	Gilles		Volker</a:t>
             </a:r>
           </a:p>
           <a:p>
@@ -6255,7 +6207,6 @@
               <a:rPr lang="en-US" dirty="0" smtClean="0"/>
               <a:t>		Thomas B (v0.26)</a:t>
             </a:r>
-            <a:endParaRPr lang="en-US" dirty="0" smtClean="0"/>
           </a:p>
           <a:p>
             <a:r>
@@ -6267,13 +6218,8 @@
             </a:br>
             <a:r>
               <a:rPr lang="en-US" dirty="0" smtClean="0"/>
-              <a:t>-	</a:t>
-            </a:r>
-            <a:r>
-              <a:rPr lang="en-US" dirty="0" smtClean="0"/>
-              <a:t>Robin		Alan</a:t>
-            </a:r>
-            <a:endParaRPr lang="en-US" dirty="0" smtClean="0"/>
+              <a:t>-	Robin		Alan</a:t>
+            </a:r>
           </a:p>
           <a:p>
             <a:r>
@@ -6338,7 +6284,7 @@
           <a:p>
             <a:fld id="{A24E8C0C-F230-ED46-AB54-3A6B4B9814E6}" type="datetime8">
               <a:rPr lang="en-GB" smtClean="0"/>
-              <a:t>22-Apr-2015 10:56</a:t>
+              <a:t>22-Apr-2015 12:47</a:t>
             </a:fld>
             <a:endParaRPr lang="en-US"/>
           </a:p>
@@ -6488,11 +6434,7 @@
           <a:p>
             <a:r>
               <a:rPr lang="en-US" dirty="0" smtClean="0"/>
-              <a:t>v0.25 code complete December </a:t>
-            </a:r>
-            <a:r>
-              <a:rPr lang="en-US" dirty="0" smtClean="0"/>
-              <a:t>2014</a:t>
+              <a:t>v0.25 code complete December 2014</a:t>
             </a:r>
             <a:br>
               <a:rPr lang="en-US" dirty="0" smtClean="0"/>
@@ -6508,24 +6450,12 @@
               <a:rPr lang="en-US" dirty="0" smtClean="0"/>
               <a:t>Many maker-note updates</a:t>
             </a:r>
-            <a:r>
-              <a:rPr lang="en-US" dirty="0" smtClean="0"/>
-              <a:t/>
-            </a:r>
             <a:br>
               <a:rPr lang="en-US" dirty="0" smtClean="0"/>
             </a:br>
             <a:r>
               <a:rPr lang="en-US" dirty="0" smtClean="0"/>
-              <a:t>Option to build </a:t>
-            </a:r>
-            <a:r>
-              <a:rPr lang="en-US" dirty="0" smtClean="0"/>
-              <a:t>GSoC2013 cloud ready code (</a:t>
-            </a:r>
-            <a:r>
-              <a:rPr lang="en-US" dirty="0" smtClean="0"/>
-              <a:t>http </a:t>
+              <a:t>Option to build GSoC2013 cloud ready code (http </a:t>
             </a:r>
             <a:r>
               <a:rPr lang="en-US" dirty="0" err="1" smtClean="0"/>
@@ -6535,10 +6465,6 @@
               <a:rPr lang="en-US" dirty="0" smtClean="0"/>
               <a:t>)</a:t>
             </a:r>
-            <a:r>
-              <a:rPr lang="en-US" dirty="0" smtClean="0"/>
-              <a:t/>
-            </a:r>
             <a:br>
               <a:rPr lang="en-US" dirty="0" smtClean="0"/>
             </a:br>
@@ -6599,10 +6525,6 @@
             <a:r>
               <a:rPr lang="en-US" dirty="0" smtClean="0"/>
               <a:t>Accessory ‘overflow’ file</a:t>
-            </a:r>
-            <a:r>
-              <a:rPr lang="en-US" dirty="0" smtClean="0"/>
-              <a:t/>
             </a:r>
             <a:br>
               <a:rPr lang="en-US" dirty="0" smtClean="0"/>
@@ -6658,7 +6580,7 @@
           <a:p>
             <a:fld id="{E6B5324F-4486-2849-B445-126A99F33717}" type="datetime8">
               <a:rPr lang="en-GB" smtClean="0"/>
-              <a:t>22-Apr-2015 10:56</a:t>
+              <a:t>22-Apr-2015 12:47</a:t>
             </a:fld>
             <a:endParaRPr lang="en-US"/>
           </a:p>
@@ -6782,47 +6704,20 @@
           <a:p>
             <a:r>
               <a:rPr lang="en-US" dirty="0" smtClean="0"/>
-              <a:t>To </a:t>
-            </a:r>
-            <a:r>
-              <a:rPr lang="en-US" dirty="0" smtClean="0"/>
-              <a:t>decide how to </a:t>
-            </a:r>
-            <a:r>
-              <a:rPr lang="en-US" dirty="0" smtClean="0"/>
-              <a:t>address </a:t>
-            </a:r>
-            <a:r>
-              <a:rPr lang="en-US" dirty="0" smtClean="0"/>
-              <a:t>KDE’s Security </a:t>
-            </a:r>
-            <a:r>
-              <a:rPr lang="en-US" dirty="0" smtClean="0"/>
-              <a:t>Issue</a:t>
-            </a:r>
-            <a:endParaRPr lang="en-US" dirty="0" smtClean="0"/>
-          </a:p>
-          <a:p>
-            <a:r>
-              <a:rPr lang="en-US" dirty="0" smtClean="0"/>
-              <a:t>*** No </a:t>
-            </a:r>
-            <a:r>
-              <a:rPr lang="en-US" dirty="0" smtClean="0"/>
-              <a:t>other meeting </a:t>
-            </a:r>
-            <a:r>
-              <a:rPr lang="en-US" dirty="0" smtClean="0"/>
-              <a:t>objective ***</a:t>
-            </a:r>
-            <a:endParaRPr lang="en-US" dirty="0" smtClean="0"/>
+              <a:t>To decide how to address KDE’s Security Issue</a:t>
+            </a:r>
+          </a:p>
+          <a:p>
+            <a:r>
+              <a:rPr lang="en-US" dirty="0" smtClean="0"/>
+              <a:t>*** No other meeting objective ***</a:t>
+            </a:r>
           </a:p>
           <a:p>
             <a:r>
               <a:rPr lang="en-US" dirty="0" smtClean="0"/>
               <a:t>Duration: 1 hour maximum</a:t>
             </a:r>
-            <a:endParaRPr lang="en-US" dirty="0" smtClean="0"/>
           </a:p>
           <a:p>
             <a:r>
@@ -6913,7 +6808,7 @@
           <a:p>
             <a:fld id="{12B447A4-3CD3-0243-900F-09A087B85CA8}" type="datetime8">
               <a:rPr lang="en-GB" smtClean="0"/>
-              <a:t>22-Apr-2015 10:56</a:t>
+              <a:t>22-Apr-2015 12:47</a:t>
             </a:fld>
             <a:endParaRPr lang="en-US"/>
           </a:p>
@@ -7022,10 +6917,6 @@
               <a:rPr lang="en-US" dirty="0" smtClean="0"/>
               <a:t>	</a:t>
             </a:r>
-            <a:r>
-              <a:rPr lang="en-US" dirty="0" smtClean="0"/>
-              <a:t/>
-            </a:r>
             <a:br>
               <a:rPr lang="en-US" dirty="0" smtClean="0"/>
             </a:br>
@@ -7372,11 +7263,7 @@
             </a:r>
             <a:r>
               <a:rPr lang="en-US" sz="1200" dirty="0" smtClean="0"/>
-              <a:t>           </a:t>
-            </a:r>
-            <a:r>
-              <a:rPr lang="en-US" sz="1200" dirty="0" smtClean="0"/>
-              <a:t>	</a:t>
+              <a:t>           	</a:t>
             </a:r>
             <a:r>
               <a:rPr lang="en-US" sz="1200" dirty="0" err="1" smtClean="0"/>
@@ -7757,7 +7644,7 @@
           <a:p>
             <a:fld id="{12824A3B-A608-3947-81FA-B42F5DA9341C}" type="datetime8">
               <a:rPr lang="en-GB" smtClean="0"/>
-              <a:t>22-Apr-2015 10:56</a:t>
+              <a:t>22-Apr-2015 12:47</a:t>
             </a:fld>
             <a:endParaRPr lang="en-US"/>
           </a:p>
@@ -7913,19 +7800,7 @@
             </a:br>
             <a:r>
               <a:rPr lang="en-US" dirty="0" smtClean="0"/>
-              <a:t>4	</a:t>
-            </a:r>
-            <a:r>
-              <a:rPr lang="en-US" dirty="0" smtClean="0"/>
-              <a:t>Assignments to </a:t>
-            </a:r>
-            <a:r>
-              <a:rPr lang="en-US" dirty="0" smtClean="0"/>
-              <a:t>Team </a:t>
-            </a:r>
-            <a:r>
-              <a:rPr lang="en-US" dirty="0" smtClean="0"/>
-              <a:t>Members</a:t>
+              <a:t>4	Assignments to Team Members</a:t>
             </a:r>
             <a:r>
               <a:rPr lang="en-US" dirty="0"/>
@@ -8001,7 +7876,7 @@
           <a:p>
             <a:fld id="{5379D298-6F44-4A45-8706-E97D04C346BD}" type="datetime8">
               <a:rPr lang="en-GB" smtClean="0"/>
-              <a:t>22-Apr-2015 10:56</a:t>
+              <a:t>22-Apr-2015 12:47</a:t>
             </a:fld>
             <a:endParaRPr lang="en-US"/>
           </a:p>
@@ -8123,15 +7998,7 @@
           <a:p>
             <a:r>
               <a:rPr lang="en-US" dirty="0" smtClean="0"/>
-              <a:t>We must isolate the video code as </a:t>
-            </a:r>
-            <a:r>
-              <a:rPr lang="en-US" dirty="0" smtClean="0"/>
-              <a:t>a build option</a:t>
-            </a:r>
-            <a:r>
-              <a:rPr lang="en-US" dirty="0" smtClean="0"/>
-              <a:t/>
+              <a:t>We must isolate the video code as a build option</a:t>
             </a:r>
             <a:br>
               <a:rPr lang="en-US" dirty="0" smtClean="0"/>
@@ -8142,7 +8009,23 @@
             </a:r>
             <a:r>
               <a:rPr lang="en-US" dirty="0" smtClean="0"/>
-              <a:t>we done with </a:t>
+              <a:t>already</a:t>
+            </a:r>
+            <a:r>
+              <a:rPr lang="en-US" dirty="0" smtClean="0"/>
+              <a:t> </a:t>
+            </a:r>
+            <a:r>
+              <a:rPr lang="en-US" dirty="0" smtClean="0"/>
+              <a:t>done </a:t>
+            </a:r>
+            <a:r>
+              <a:rPr lang="en-US" dirty="0" smtClean="0"/>
+              <a:t>for</a:t>
+            </a:r>
+            <a:r>
+              <a:rPr lang="en-US" dirty="0" smtClean="0"/>
+              <a:t> </a:t>
             </a:r>
             <a:r>
               <a:rPr lang="en-US" dirty="0" err="1" smtClean="0"/>
@@ -8150,34 +8033,44 @@
             </a:r>
             <a:r>
               <a:rPr lang="en-US" dirty="0" smtClean="0"/>
-              <a:t> for v0.25)</a:t>
-            </a:r>
-          </a:p>
-          <a:p>
-            <a:r>
-              <a:rPr lang="en-US" dirty="0" smtClean="0"/>
-              <a:t>The video code requires to be “hardened” to deal with suspect files</a:t>
-            </a:r>
-          </a:p>
-          <a:p>
-            <a:r>
-              <a:rPr lang="en-US" dirty="0" smtClean="0"/>
-              <a:t>The video code requires simplification</a:t>
+              <a:t> </a:t>
+            </a:r>
+            <a:r>
+              <a:rPr lang="en-US" dirty="0" smtClean="0"/>
+              <a:t>in</a:t>
+            </a:r>
+            <a:r>
+              <a:rPr lang="en-US" dirty="0" smtClean="0"/>
+              <a:t> </a:t>
+            </a:r>
+            <a:r>
+              <a:rPr lang="en-US" dirty="0" smtClean="0"/>
+              <a:t>v0.25)</a:t>
+            </a:r>
+          </a:p>
+          <a:p>
+            <a:r>
+              <a:rPr lang="en-US" dirty="0" smtClean="0"/>
+              <a:t>The </a:t>
+            </a:r>
+            <a:r>
+              <a:rPr lang="en-US" dirty="0" smtClean="0"/>
+              <a:t>video code requires </a:t>
+            </a:r>
+            <a:r>
+              <a:rPr lang="en-US" dirty="0" smtClean="0"/>
+              <a:t>simplification:</a:t>
+            </a:r>
+            <a:r>
+              <a:rPr lang="en-US" dirty="0" smtClean="0"/>
+              <a:t/>
             </a:r>
             <a:br>
               <a:rPr lang="en-US" dirty="0" smtClean="0"/>
             </a:br>
             <a:r>
               <a:rPr lang="en-US" dirty="0" smtClean="0"/>
-              <a:t>- refactoring into </a:t>
-            </a:r>
-            <a:r>
-              <a:rPr lang="en-US" dirty="0" smtClean="0"/>
-              <a:t>functions</a:t>
-            </a:r>
-            <a:r>
-              <a:rPr lang="en-US" dirty="0" smtClean="0"/>
-              <a:t/>
+              <a:t>- refactoring into functions</a:t>
             </a:r>
             <a:br>
               <a:rPr lang="en-US" dirty="0" smtClean="0"/>
@@ -8218,13 +8111,23 @@
             </a:r>
             <a:r>
               <a:rPr lang="en-US" dirty="0" smtClean="0"/>
-              <a:t>(5Gbyte video </a:t>
-            </a:r>
-            <a:r>
-              <a:rPr lang="en-US" dirty="0" smtClean="0"/>
-              <a:t>files over http)</a:t>
-            </a:r>
-            <a:endParaRPr lang="en-US" dirty="0" smtClean="0"/>
+              <a:t>(5Gbyte video files over http</a:t>
+            </a:r>
+            <a:r>
+              <a:rPr lang="en-US" dirty="0" smtClean="0"/>
+              <a:t>)</a:t>
+            </a:r>
+          </a:p>
+          <a:p>
+            <a:r>
+              <a:rPr lang="en-US" dirty="0"/>
+              <a:t>The video code requires to be “hardened” to deal with suspect </a:t>
+            </a:r>
+            <a:r>
+              <a:rPr lang="en-US" dirty="0" smtClean="0"/>
+              <a:t>files</a:t>
+            </a:r>
+            <a:endParaRPr lang="en-US" dirty="0"/>
           </a:p>
         </p:txBody>
       </p:sp>
@@ -8275,7 +8178,7 @@
           <a:p>
             <a:fld id="{A23348B8-C2FC-BD41-B270-BEDAFEEE35DB}" type="datetime8">
               <a:rPr lang="en-GB" smtClean="0"/>
-              <a:t>22-Apr-2015 10:56</a:t>
+              <a:t>22-Apr-2015 12:49</a:t>
             </a:fld>
             <a:endParaRPr lang="en-US"/>
           </a:p>
@@ -8425,15 +8328,7 @@
             </a:br>
             <a:r>
               <a:rPr lang="en-US" dirty="0" smtClean="0"/>
-              <a:t>2) removed and </a:t>
-            </a:r>
-            <a:r>
-              <a:rPr lang="en-US" dirty="0" smtClean="0"/>
-              <a:t>reintroduced in </a:t>
-            </a:r>
-            <a:r>
-              <a:rPr lang="en-US" dirty="0" smtClean="0"/>
-              <a:t>v0.26 (or later)</a:t>
+              <a:t>2) removed and reintroduced in v0.26 (or later)</a:t>
             </a:r>
           </a:p>
           <a:p>
@@ -8467,19 +8362,7 @@
             </a:br>
             <a:r>
               <a:rPr lang="en-US" dirty="0" smtClean="0"/>
-              <a:t>Time </a:t>
-            </a:r>
-            <a:r>
-              <a:rPr lang="en-US" dirty="0" smtClean="0"/>
-              <a:t>Gue</a:t>
-            </a:r>
-            <a:r>
-              <a:rPr lang="en-US" dirty="0" smtClean="0"/>
-              <a:t>stimate</a:t>
-            </a:r>
-            <a:r>
-              <a:rPr lang="en-US" dirty="0" smtClean="0"/>
-              <a:t>:	2 weeks </a:t>
+              <a:t>Time Guestimate:	2 weeks </a:t>
             </a:r>
           </a:p>
           <a:p>
@@ -8506,15 +8389,7 @@
             </a:br>
             <a:r>
               <a:rPr lang="en-US" dirty="0" smtClean="0"/>
-              <a:t>Time Guestimate</a:t>
-            </a:r>
-            <a:r>
-              <a:rPr lang="en-US" dirty="0" smtClean="0"/>
-              <a:t>: </a:t>
-            </a:r>
-            <a:r>
-              <a:rPr lang="en-US" dirty="0" smtClean="0"/>
-              <a:t>	Unknown </a:t>
+              <a:t>Time Guestimate: 	Unknown </a:t>
             </a:r>
             <a:endParaRPr lang="en-US" dirty="0"/>
           </a:p>
@@ -8570,7 +8445,7 @@
           <a:p>
             <a:fld id="{0FE6EDA9-5A32-FE44-8CF4-C32B08FF5187}" type="datetime8">
               <a:rPr lang="en-GB" smtClean="0"/>
-              <a:t>22-Apr-2015 10:56</a:t>
+              <a:t>22-Apr-2015 12:47</a:t>
             </a:fld>
             <a:endParaRPr lang="en-US"/>
           </a:p>
@@ -8850,7 +8725,7 @@
           <a:p>
             <a:fld id="{E78FA98F-E1CA-5346-B70E-AE0F4504117E}" type="datetime8">
               <a:rPr lang="en-GB" smtClean="0"/>
-              <a:t>22-Apr-2015 10:56</a:t>
+              <a:t>22-Apr-2015 12:47</a:t>
             </a:fld>
             <a:endParaRPr lang="en-US"/>
           </a:p>
@@ -9004,11 +8879,7 @@
             </a:r>
             <a:r>
               <a:rPr lang="en-US" dirty="0" smtClean="0"/>
-              <a:t> 2015</a:t>
-            </a:r>
-            <a:r>
-              <a:rPr lang="en-US" dirty="0" smtClean="0"/>
-              <a:t>)</a:t>
+              <a:t> 2015)</a:t>
             </a:r>
           </a:p>
           <a:p>
@@ -9016,7 +8887,6 @@
               <a:rPr lang="en-US" dirty="0" smtClean="0"/>
               <a:t>Accessory ‘overflow’ file (Thomas B)</a:t>
             </a:r>
-            <a:endParaRPr lang="en-US" dirty="0" smtClean="0"/>
           </a:p>
           <a:p>
             <a:r>
@@ -9025,25 +8895,13 @@
             </a:r>
             <a:r>
               <a:rPr lang="en-US" dirty="0" smtClean="0"/>
-              <a:t>ore </a:t>
-            </a:r>
-            <a:r>
-              <a:rPr lang="en-US" dirty="0" smtClean="0"/>
-              <a:t>features and bug fixes</a:t>
-            </a:r>
-          </a:p>
-          <a:p>
-            <a:r>
-              <a:rPr lang="en-US" dirty="0" smtClean="0"/>
-              <a:t>More platforms supported (</a:t>
-            </a:r>
-            <a:r>
-              <a:rPr lang="en-US" dirty="0" smtClean="0"/>
-              <a:t>Android </a:t>
-            </a:r>
-            <a:r>
-              <a:rPr lang="en-US" dirty="0" smtClean="0"/>
-              <a:t>and </a:t>
+              <a:t>ore features and bug fixes</a:t>
+            </a:r>
+          </a:p>
+          <a:p>
+            <a:r>
+              <a:rPr lang="en-US" dirty="0" smtClean="0"/>
+              <a:t>More platforms supported (Android and </a:t>
             </a:r>
             <a:r>
               <a:rPr lang="en-US" dirty="0" err="1" smtClean="0"/>
@@ -9136,7 +8994,7 @@
           <a:p>
             <a:fld id="{945609F1-927E-1F48-80C4-EDD35FD55285}" type="datetime8">
               <a:rPr lang="en-GB" smtClean="0"/>
-              <a:t>22-Apr-2015 10:56</a:t>
+              <a:t>22-Apr-2015 12:47</a:t>
             </a:fld>
             <a:endParaRPr lang="en-US"/>
           </a:p>

--- a/meetings/Exiv2-v0.24.1.pptx
+++ b/meetings/Exiv2-v0.24.1.pptx
@@ -874,7 +874,7 @@
           <a:p>
             <a:fld id="{50684158-AEF9-F541-B7F7-457AA9371B9F}" type="datetime8">
               <a:rPr lang="en-GB" smtClean="0"/>
-              <a:t>22-Apr-2015 12:47</a:t>
+              <a:t>22-Apr-2015 16:49</a:t>
             </a:fld>
             <a:endParaRPr lang="en-US"/>
           </a:p>
@@ -969,7 +969,7 @@
           <a:p>
             <a:fld id="{D4610EBB-D907-9449-8FEA-ED325EF61155}" type="datetime8">
               <a:rPr lang="en-GB" smtClean="0"/>
-              <a:t>22-Apr-2015 12:47</a:t>
+              <a:t>22-Apr-2015 16:49</a:t>
             </a:fld>
             <a:endParaRPr lang="en-US"/>
           </a:p>
@@ -1276,7 +1276,7 @@
           <a:p>
             <a:fld id="{453BA56C-E552-7340-BC54-08A9EBD5FC05}" type="datetime8">
               <a:rPr lang="en-GB" smtClean="0"/>
-              <a:t>22-Apr-2015 12:47</a:t>
+              <a:t>22-Apr-2015 16:49</a:t>
             </a:fld>
             <a:endParaRPr lang="en-US"/>
           </a:p>
@@ -1501,7 +1501,7 @@
           <a:p>
             <a:fld id="{4664B96B-42AD-F043-9EFC-F851190D4880}" type="datetime8">
               <a:rPr lang="en-GB" smtClean="0"/>
-              <a:t>22-Apr-2015 12:47</a:t>
+              <a:t>22-Apr-2015 16:49</a:t>
             </a:fld>
             <a:endParaRPr lang="en-US"/>
           </a:p>
@@ -1893,7 +1893,7 @@
           <a:p>
             <a:fld id="{8C4F81CC-6030-0D41-BD2B-2D55CBDB487B}" type="datetime8">
               <a:rPr lang="en-GB" smtClean="0"/>
-              <a:t>22-Apr-2015 12:47</a:t>
+              <a:t>22-Apr-2015 16:49</a:t>
             </a:fld>
             <a:endParaRPr lang="en-US"/>
           </a:p>
@@ -2205,7 +2205,7 @@
           <a:p>
             <a:fld id="{62099B12-AD97-F440-892A-1F99F7E663F8}" type="datetime8">
               <a:rPr lang="en-GB" smtClean="0"/>
-              <a:t>22-Apr-2015 12:47</a:t>
+              <a:t>22-Apr-2015 16:49</a:t>
             </a:fld>
             <a:endParaRPr lang="en-US"/>
           </a:p>
@@ -2407,7 +2407,7 @@
           <a:p>
             <a:fld id="{D2D478E8-B690-5B4A-8E03-205B27722A3E}" type="datetime8">
               <a:rPr lang="en-GB" smtClean="0"/>
-              <a:t>22-Apr-2015 12:47</a:t>
+              <a:t>22-Apr-2015 16:49</a:t>
             </a:fld>
             <a:endParaRPr lang="en-US"/>
           </a:p>
@@ -2614,7 +2614,7 @@
           <a:p>
             <a:fld id="{AD301DA1-92EC-4F4E-BF75-5D6EF2BECBCB}" type="datetime8">
               <a:rPr lang="en-GB" smtClean="0"/>
-              <a:t>22-Apr-2015 12:47</a:t>
+              <a:t>22-Apr-2015 16:49</a:t>
             </a:fld>
             <a:endParaRPr lang="en-US"/>
           </a:p>
@@ -2811,7 +2811,7 @@
           <a:p>
             <a:fld id="{C66E1988-3043-8F43-92FE-A5FA8C8F7BB7}" type="datetime8">
               <a:rPr lang="en-GB" smtClean="0"/>
-              <a:t>22-Apr-2015 12:47</a:t>
+              <a:t>22-Apr-2015 16:49</a:t>
             </a:fld>
             <a:endParaRPr lang="en-US"/>
           </a:p>
@@ -3087,7 +3087,7 @@
           <a:p>
             <a:fld id="{D29759E7-790C-D747-8166-EE5474C1982E}" type="datetime8">
               <a:rPr lang="en-GB" smtClean="0"/>
-              <a:t>22-Apr-2015 12:47</a:t>
+              <a:t>22-Apr-2015 16:49</a:t>
             </a:fld>
             <a:endParaRPr lang="en-US"/>
           </a:p>
@@ -3402,7 +3402,7 @@
           <a:p>
             <a:fld id="{FD7D5E06-F004-B741-A968-950EA387287B}" type="datetime8">
               <a:rPr lang="en-GB" smtClean="0"/>
-              <a:t>22-Apr-2015 12:47</a:t>
+              <a:t>22-Apr-2015 16:49</a:t>
             </a:fld>
             <a:endParaRPr lang="en-US"/>
           </a:p>
@@ -3872,7 +3872,7 @@
           <a:p>
             <a:fld id="{284F2FE9-C7F0-744B-94B3-7FB6C0C7A7AC}" type="datetime8">
               <a:rPr lang="en-GB" smtClean="0"/>
-              <a:t>22-Apr-2015 12:47</a:t>
+              <a:t>22-Apr-2015 16:49</a:t>
             </a:fld>
             <a:endParaRPr lang="en-US"/>
           </a:p>
@@ -4240,7 +4240,7 @@
           <a:p>
             <a:fld id="{84AE1E6E-75DA-F74A-9CB0-4A08E364BCC5}" type="datetime8">
               <a:rPr lang="en-GB" smtClean="0"/>
-              <a:t>22-Apr-2015 12:47</a:t>
+              <a:t>22-Apr-2015 16:49</a:t>
             </a:fld>
             <a:endParaRPr lang="en-US"/>
           </a:p>
@@ -4555,7 +4555,7 @@
           <a:p>
             <a:fld id="{470A43BE-DCB4-E441-84BC-9206BE09A6E9}" type="datetime8">
               <a:rPr lang="en-GB" smtClean="0"/>
-              <a:t>22-Apr-2015 12:47</a:t>
+              <a:t>22-Apr-2015 16:49</a:t>
             </a:fld>
             <a:endParaRPr lang="en-US"/>
           </a:p>
@@ -4870,7 +4870,7 @@
           <a:p>
             <a:fld id="{26B4B2EE-C089-0344-9BCB-E686BC5B579B}" type="datetime8">
               <a:rPr lang="en-GB" smtClean="0"/>
-              <a:t>22-Apr-2015 12:47</a:t>
+              <a:t>22-Apr-2015 16:49</a:t>
             </a:fld>
             <a:endParaRPr lang="en-US"/>
           </a:p>
@@ -5359,7 +5359,7 @@
           <a:p>
             <a:fld id="{13992AC6-5E03-F449-829F-139F3F0797E9}" type="datetime8">
               <a:rPr lang="en-GB" smtClean="0"/>
-              <a:t>22-Apr-2015 12:47</a:t>
+              <a:t>22-Apr-2015 16:49</a:t>
             </a:fld>
             <a:endParaRPr lang="en-US"/>
           </a:p>
@@ -5423,9 +5423,21 @@
 <p:sldMaster xmlns:a="http://schemas.openxmlformats.org/drawingml/2006/main" xmlns:r="http://schemas.openxmlformats.org/officeDocument/2006/relationships" xmlns:p="http://schemas.openxmlformats.org/presentationml/2006/main">
   <p:cSld>
     <p:bg>
-      <p:bgRef idx="1001">
-        <a:schemeClr val="bg1"/>
-      </p:bgRef>
+      <p:bgPr>
+        <a:gradFill flip="none" rotWithShape="0">
+          <a:gsLst>
+            <a:gs pos="0">
+              <a:schemeClr val="bg2"/>
+            </a:gs>
+            <a:gs pos="100000">
+              <a:srgbClr val="FFFFFF"/>
+            </a:gs>
+          </a:gsLst>
+          <a:lin ang="0" scaled="1"/>
+          <a:tileRect/>
+        </a:gradFill>
+        <a:effectLst/>
+      </p:bgPr>
     </p:bg>
     <p:spTree>
       <p:nvGrpSpPr>
@@ -5626,7 +5638,7 @@
           <a:p>
             <a:fld id="{F9F5659A-14A4-684C-8DFF-B535F8211020}" type="datetime8">
               <a:rPr lang="en-GB" smtClean="0"/>
-              <a:t>22-Apr-2015 12:47</a:t>
+              <a:t>22-Apr-2015 16:49</a:t>
             </a:fld>
             <a:endParaRPr lang="en-US"/>
           </a:p>
@@ -6284,7 +6296,7 @@
           <a:p>
             <a:fld id="{A24E8C0C-F230-ED46-AB54-3A6B4B9814E6}" type="datetime8">
               <a:rPr lang="en-GB" smtClean="0"/>
-              <a:t>22-Apr-2015 12:47</a:t>
+              <a:t>22-Apr-2015 16:49</a:t>
             </a:fld>
             <a:endParaRPr lang="en-US"/>
           </a:p>
@@ -6441,7 +6453,19 @@
             </a:br>
             <a:r>
               <a:rPr lang="en-US" dirty="0" smtClean="0"/>
-              <a:t>Many bug fixes, function changes and new features</a:t>
+              <a:t>Many bug fixes</a:t>
+            </a:r>
+            <a:r>
+              <a:rPr lang="en-US" smtClean="0"/>
+              <a:t>, </a:t>
+            </a:r>
+            <a:r>
+              <a:rPr lang="en-US" smtClean="0"/>
+              <a:t>functional </a:t>
+            </a:r>
+            <a:r>
+              <a:rPr lang="en-US" dirty="0" smtClean="0"/>
+              <a:t>changes and new features</a:t>
             </a:r>
             <a:br>
               <a:rPr lang="en-US" dirty="0" smtClean="0"/>
@@ -6511,6 +6535,10 @@
             <a:br>
               <a:rPr lang="en-US" dirty="0" smtClean="0"/>
             </a:br>
+            <a:r>
+              <a:rPr lang="en-US" dirty="0" smtClean="0"/>
+              <a:t>Update to latest (and external) </a:t>
+            </a:r>
             <a:r>
               <a:rPr lang="en-US" dirty="0" err="1" smtClean="0"/>
               <a:t>XMPsdk</a:t>
@@ -6580,7 +6608,7 @@
           <a:p>
             <a:fld id="{E6B5324F-4486-2849-B445-126A99F33717}" type="datetime8">
               <a:rPr lang="en-GB" smtClean="0"/>
-              <a:t>22-Apr-2015 12:47</a:t>
+              <a:t>22-Apr-2015 16:49</a:t>
             </a:fld>
             <a:endParaRPr lang="en-US"/>
           </a:p>
@@ -6728,7 +6756,27 @@
           <a:p>
             <a:r>
               <a:rPr lang="en-US" dirty="0" smtClean="0"/>
-              <a:t>Other useful discussion points if time permits</a:t>
+              <a:t>Other useful discussion </a:t>
+            </a:r>
+            <a:r>
+              <a:rPr lang="en-US" dirty="0" smtClean="0"/>
+              <a:t>item</a:t>
+            </a:r>
+            <a:r>
+              <a:rPr lang="en-US" dirty="0" smtClean="0"/>
+              <a:t>s </a:t>
+            </a:r>
+            <a:r>
+              <a:rPr lang="en-US" dirty="0" smtClean="0"/>
+              <a:t>if time </a:t>
+            </a:r>
+            <a:r>
+              <a:rPr lang="en-US" dirty="0" smtClean="0"/>
+              <a:t>permits:</a:t>
+            </a:r>
+            <a:r>
+              <a:rPr lang="en-US" dirty="0" smtClean="0"/>
+              <a:t/>
             </a:r>
             <a:br>
               <a:rPr lang="en-US" dirty="0" smtClean="0"/>
@@ -6808,7 +6856,7 @@
           <a:p>
             <a:fld id="{12B447A4-3CD3-0243-900F-09A087B85CA8}" type="datetime8">
               <a:rPr lang="en-GB" smtClean="0"/>
-              <a:t>22-Apr-2015 12:47</a:t>
+              <a:t>22-Apr-2015 16:49</a:t>
             </a:fld>
             <a:endParaRPr lang="en-US"/>
           </a:p>
@@ -7644,7 +7692,7 @@
           <a:p>
             <a:fld id="{12824A3B-A608-3947-81FA-B42F5DA9341C}" type="datetime8">
               <a:rPr lang="en-GB" smtClean="0"/>
-              <a:t>22-Apr-2015 12:47</a:t>
+              <a:t>22-Apr-2015 16:49</a:t>
             </a:fld>
             <a:endParaRPr lang="en-US"/>
           </a:p>
@@ -7876,7 +7924,7 @@
           <a:p>
             <a:fld id="{5379D298-6F44-4A45-8706-E97D04C346BD}" type="datetime8">
               <a:rPr lang="en-GB" smtClean="0"/>
-              <a:t>22-Apr-2015 12:47</a:t>
+              <a:t>22-Apr-2015 16:49</a:t>
             </a:fld>
             <a:endParaRPr lang="en-US"/>
           </a:p>
@@ -8005,27 +8053,7 @@
             </a:br>
             <a:r>
               <a:rPr lang="en-US" dirty="0" smtClean="0"/>
-              <a:t>(as </a:t>
-            </a:r>
-            <a:r>
-              <a:rPr lang="en-US" dirty="0" smtClean="0"/>
-              <a:t>already</a:t>
-            </a:r>
-            <a:r>
-              <a:rPr lang="en-US" dirty="0" smtClean="0"/>
-              <a:t> </a:t>
-            </a:r>
-            <a:r>
-              <a:rPr lang="en-US" dirty="0" smtClean="0"/>
-              <a:t>done </a:t>
-            </a:r>
-            <a:r>
-              <a:rPr lang="en-US" dirty="0" smtClean="0"/>
-              <a:t>for</a:t>
-            </a:r>
-            <a:r>
-              <a:rPr lang="en-US" dirty="0" smtClean="0"/>
-              <a:t> </a:t>
+              <a:t>(as already done for </a:t>
             </a:r>
             <a:r>
               <a:rPr lang="en-US" dirty="0" err="1" smtClean="0"/>
@@ -8033,37 +8061,13 @@
             </a:r>
             <a:r>
               <a:rPr lang="en-US" dirty="0" smtClean="0"/>
-              <a:t> </a:t>
-            </a:r>
-            <a:r>
-              <a:rPr lang="en-US" dirty="0" smtClean="0"/>
-              <a:t>in</a:t>
-            </a:r>
-            <a:r>
-              <a:rPr lang="en-US" dirty="0" smtClean="0"/>
-              <a:t> </a:t>
-            </a:r>
-            <a:r>
-              <a:rPr lang="en-US" dirty="0" smtClean="0"/>
-              <a:t>v0.25)</a:t>
-            </a:r>
-          </a:p>
-          <a:p>
-            <a:r>
-              <a:rPr lang="en-US" dirty="0" smtClean="0"/>
-              <a:t>The </a:t>
-            </a:r>
-            <a:r>
-              <a:rPr lang="en-US" dirty="0" smtClean="0"/>
-              <a:t>video code requires </a:t>
-            </a:r>
-            <a:r>
-              <a:rPr lang="en-US" dirty="0" smtClean="0"/>
-              <a:t>simplification:</a:t>
-            </a:r>
-            <a:r>
-              <a:rPr lang="en-US" dirty="0" smtClean="0"/>
-              <a:t/>
+              <a:t> in v0.25)</a:t>
+            </a:r>
+          </a:p>
+          <a:p>
+            <a:r>
+              <a:rPr lang="en-US" dirty="0" smtClean="0"/>
+              <a:t>The video code requires simplification:</a:t>
             </a:r>
             <a:br>
               <a:rPr lang="en-US" dirty="0" smtClean="0"/>
@@ -8111,11 +8115,7 @@
             </a:r>
             <a:r>
               <a:rPr lang="en-US" dirty="0" smtClean="0"/>
-              <a:t>(5Gbyte video files over http</a:t>
-            </a:r>
-            <a:r>
-              <a:rPr lang="en-US" dirty="0" smtClean="0"/>
-              <a:t>)</a:t>
+              <a:t>(5Gbyte video files over http)</a:t>
             </a:r>
           </a:p>
           <a:p>
@@ -8178,7 +8178,7 @@
           <a:p>
             <a:fld id="{A23348B8-C2FC-BD41-B270-BEDAFEEE35DB}" type="datetime8">
               <a:rPr lang="en-GB" smtClean="0"/>
-              <a:t>22-Apr-2015 12:49</a:t>
+              <a:t>22-Apr-2015 16:49</a:t>
             </a:fld>
             <a:endParaRPr lang="en-US"/>
           </a:p>
@@ -8445,7 +8445,7 @@
           <a:p>
             <a:fld id="{0FE6EDA9-5A32-FE44-8CF4-C32B08FF5187}" type="datetime8">
               <a:rPr lang="en-GB" smtClean="0"/>
-              <a:t>22-Apr-2015 12:47</a:t>
+              <a:t>22-Apr-2015 16:49</a:t>
             </a:fld>
             <a:endParaRPr lang="en-US"/>
           </a:p>
@@ -8725,7 +8725,7 @@
           <a:p>
             <a:fld id="{E78FA98F-E1CA-5346-B70E-AE0F4504117E}" type="datetime8">
               <a:rPr lang="en-GB" smtClean="0"/>
-              <a:t>22-Apr-2015 12:47</a:t>
+              <a:t>22-Apr-2015 16:49</a:t>
             </a:fld>
             <a:endParaRPr lang="en-US"/>
           </a:p>
@@ -8891,17 +8891,25 @@
           <a:p>
             <a:r>
               <a:rPr lang="en-US" dirty="0"/>
-              <a:t>M</a:t>
-            </a:r>
-            <a:r>
-              <a:rPr lang="en-US" dirty="0" smtClean="0"/>
-              <a:t>ore features and bug fixes</a:t>
-            </a:r>
-          </a:p>
-          <a:p>
-            <a:r>
-              <a:rPr lang="en-US" dirty="0" smtClean="0"/>
-              <a:t>More platforms supported (Android and </a:t>
+              <a:t>Upgrade code to link </a:t>
+            </a:r>
+            <a:r>
+              <a:rPr lang="en-US" dirty="0" err="1"/>
+              <a:t>XMPsdk</a:t>
+            </a:r>
+            <a:r>
+              <a:rPr lang="en-US" dirty="0"/>
+              <a:t> as an external library</a:t>
+            </a:r>
+          </a:p>
+          <a:p>
+            <a:r>
+              <a:rPr lang="en-US" dirty="0" smtClean="0"/>
+              <a:t>More </a:t>
+            </a:r>
+            <a:r>
+              <a:rPr lang="en-US" dirty="0" smtClean="0"/>
+              <a:t>platforms supported (Android and </a:t>
             </a:r>
             <a:r>
               <a:rPr lang="en-US" dirty="0" err="1" smtClean="0"/>
@@ -8914,22 +8922,18 @@
           </a:p>
           <a:p>
             <a:r>
-              <a:rPr lang="en-US" dirty="0" smtClean="0"/>
-              <a:t>Upgrade code to link </a:t>
-            </a:r>
-            <a:r>
-              <a:rPr lang="en-US" dirty="0" err="1" smtClean="0"/>
-              <a:t>XMPsdk</a:t>
-            </a:r>
-            <a:r>
-              <a:rPr lang="en-US" dirty="0" smtClean="0"/>
-              <a:t> as an external library</a:t>
-            </a:r>
-          </a:p>
-          <a:p>
-            <a:r>
-              <a:rPr lang="en-US" dirty="0" smtClean="0"/>
-              <a:t>Better Program Management</a:t>
+              <a:rPr lang="en-US" dirty="0"/>
+              <a:t>More features and bug fixes</a:t>
+            </a:r>
+          </a:p>
+          <a:p>
+            <a:r>
+              <a:rPr lang="en-US" dirty="0" smtClean="0"/>
+              <a:t>Better </a:t>
+            </a:r>
+            <a:r>
+              <a:rPr lang="en-US" dirty="0" smtClean="0"/>
+              <a:t>Program Management</a:t>
             </a:r>
           </a:p>
           <a:p>
@@ -8941,7 +8945,15 @@
           <a:p>
             <a:r>
               <a:rPr lang="en-US" dirty="0" smtClean="0"/>
-              <a:t>Team members should ‘own’ responsibilities</a:t>
+              <a:t>Team members </a:t>
+            </a:r>
+            <a:r>
+              <a:rPr lang="en-US" dirty="0" smtClean="0"/>
+              <a:t>to be ‘owners’ of </a:t>
+            </a:r>
+            <a:r>
+              <a:rPr lang="en-US" dirty="0" smtClean="0"/>
+              <a:t>responsibilities</a:t>
             </a:r>
             <a:endParaRPr lang="en-US" dirty="0"/>
           </a:p>
@@ -8994,7 +9006,7 @@
           <a:p>
             <a:fld id="{945609F1-927E-1F48-80C4-EDD35FD55285}" type="datetime8">
               <a:rPr lang="en-GB" smtClean="0"/>
-              <a:t>22-Apr-2015 12:47</a:t>
+              <a:t>22-Apr-2015 17:00</a:t>
             </a:fld>
             <a:endParaRPr lang="en-US"/>
           </a:p>
@@ -9016,10 +9028,10 @@
           <a:lstStyle/>
           <a:p>
             <a:r>
-              <a:rPr lang="en-US" smtClean="0"/>
+              <a:rPr lang="en-US" dirty="0" smtClean="0"/>
               <a:t>Exiv2-v0.24.1</a:t>
             </a:r>
-            <a:endParaRPr lang="en-US"/>
+            <a:endParaRPr lang="en-US" dirty="0"/>
           </a:p>
         </p:txBody>
       </p:sp>

--- a/meetings/Exiv2-v0.24.1.pptx
+++ b/meetings/Exiv2-v0.24.1.pptx
@@ -874,7 +874,7 @@
           <a:p>
             <a:fld id="{50684158-AEF9-F541-B7F7-457AA9371B9F}" type="datetime8">
               <a:rPr lang="en-GB" smtClean="0"/>
-              <a:t>22-Apr-2015 16:49</a:t>
+              <a:t>22-Apr-2015 20:18</a:t>
             </a:fld>
             <a:endParaRPr lang="en-US"/>
           </a:p>
@@ -969,7 +969,7 @@
           <a:p>
             <a:fld id="{D4610EBB-D907-9449-8FEA-ED325EF61155}" type="datetime8">
               <a:rPr lang="en-GB" smtClean="0"/>
-              <a:t>22-Apr-2015 16:49</a:t>
+              <a:t>22-Apr-2015 20:18</a:t>
             </a:fld>
             <a:endParaRPr lang="en-US"/>
           </a:p>
@@ -1276,7 +1276,7 @@
           <a:p>
             <a:fld id="{453BA56C-E552-7340-BC54-08A9EBD5FC05}" type="datetime8">
               <a:rPr lang="en-GB" smtClean="0"/>
-              <a:t>22-Apr-2015 16:49</a:t>
+              <a:t>22-Apr-2015 20:18</a:t>
             </a:fld>
             <a:endParaRPr lang="en-US"/>
           </a:p>
@@ -1501,7 +1501,7 @@
           <a:p>
             <a:fld id="{4664B96B-42AD-F043-9EFC-F851190D4880}" type="datetime8">
               <a:rPr lang="en-GB" smtClean="0"/>
-              <a:t>22-Apr-2015 16:49</a:t>
+              <a:t>22-Apr-2015 20:18</a:t>
             </a:fld>
             <a:endParaRPr lang="en-US"/>
           </a:p>
@@ -1893,7 +1893,7 @@
           <a:p>
             <a:fld id="{8C4F81CC-6030-0D41-BD2B-2D55CBDB487B}" type="datetime8">
               <a:rPr lang="en-GB" smtClean="0"/>
-              <a:t>22-Apr-2015 16:49</a:t>
+              <a:t>22-Apr-2015 20:18</a:t>
             </a:fld>
             <a:endParaRPr lang="en-US"/>
           </a:p>
@@ -2205,7 +2205,7 @@
           <a:p>
             <a:fld id="{62099B12-AD97-F440-892A-1F99F7E663F8}" type="datetime8">
               <a:rPr lang="en-GB" smtClean="0"/>
-              <a:t>22-Apr-2015 16:49</a:t>
+              <a:t>22-Apr-2015 20:18</a:t>
             </a:fld>
             <a:endParaRPr lang="en-US"/>
           </a:p>
@@ -2407,7 +2407,7 @@
           <a:p>
             <a:fld id="{D2D478E8-B690-5B4A-8E03-205B27722A3E}" type="datetime8">
               <a:rPr lang="en-GB" smtClean="0"/>
-              <a:t>22-Apr-2015 16:49</a:t>
+              <a:t>22-Apr-2015 20:18</a:t>
             </a:fld>
             <a:endParaRPr lang="en-US"/>
           </a:p>
@@ -2614,7 +2614,7 @@
           <a:p>
             <a:fld id="{AD301DA1-92EC-4F4E-BF75-5D6EF2BECBCB}" type="datetime8">
               <a:rPr lang="en-GB" smtClean="0"/>
-              <a:t>22-Apr-2015 16:49</a:t>
+              <a:t>22-Apr-2015 20:18</a:t>
             </a:fld>
             <a:endParaRPr lang="en-US"/>
           </a:p>
@@ -2811,7 +2811,7 @@
           <a:p>
             <a:fld id="{C66E1988-3043-8F43-92FE-A5FA8C8F7BB7}" type="datetime8">
               <a:rPr lang="en-GB" smtClean="0"/>
-              <a:t>22-Apr-2015 16:49</a:t>
+              <a:t>22-Apr-2015 20:18</a:t>
             </a:fld>
             <a:endParaRPr lang="en-US"/>
           </a:p>
@@ -3087,7 +3087,7 @@
           <a:p>
             <a:fld id="{D29759E7-790C-D747-8166-EE5474C1982E}" type="datetime8">
               <a:rPr lang="en-GB" smtClean="0"/>
-              <a:t>22-Apr-2015 16:49</a:t>
+              <a:t>22-Apr-2015 20:18</a:t>
             </a:fld>
             <a:endParaRPr lang="en-US"/>
           </a:p>
@@ -3402,7 +3402,7 @@
           <a:p>
             <a:fld id="{FD7D5E06-F004-B741-A968-950EA387287B}" type="datetime8">
               <a:rPr lang="en-GB" smtClean="0"/>
-              <a:t>22-Apr-2015 16:49</a:t>
+              <a:t>22-Apr-2015 20:18</a:t>
             </a:fld>
             <a:endParaRPr lang="en-US"/>
           </a:p>
@@ -3872,7 +3872,7 @@
           <a:p>
             <a:fld id="{284F2FE9-C7F0-744B-94B3-7FB6C0C7A7AC}" type="datetime8">
               <a:rPr lang="en-GB" smtClean="0"/>
-              <a:t>22-Apr-2015 16:49</a:t>
+              <a:t>22-Apr-2015 20:18</a:t>
             </a:fld>
             <a:endParaRPr lang="en-US"/>
           </a:p>
@@ -4240,7 +4240,7 @@
           <a:p>
             <a:fld id="{84AE1E6E-75DA-F74A-9CB0-4A08E364BCC5}" type="datetime8">
               <a:rPr lang="en-GB" smtClean="0"/>
-              <a:t>22-Apr-2015 16:49</a:t>
+              <a:t>22-Apr-2015 20:18</a:t>
             </a:fld>
             <a:endParaRPr lang="en-US"/>
           </a:p>
@@ -4555,7 +4555,7 @@
           <a:p>
             <a:fld id="{470A43BE-DCB4-E441-84BC-9206BE09A6E9}" type="datetime8">
               <a:rPr lang="en-GB" smtClean="0"/>
-              <a:t>22-Apr-2015 16:49</a:t>
+              <a:t>22-Apr-2015 20:18</a:t>
             </a:fld>
             <a:endParaRPr lang="en-US"/>
           </a:p>
@@ -4870,7 +4870,7 @@
           <a:p>
             <a:fld id="{26B4B2EE-C089-0344-9BCB-E686BC5B579B}" type="datetime8">
               <a:rPr lang="en-GB" smtClean="0"/>
-              <a:t>22-Apr-2015 16:49</a:t>
+              <a:t>22-Apr-2015 20:18</a:t>
             </a:fld>
             <a:endParaRPr lang="en-US"/>
           </a:p>
@@ -5359,7 +5359,7 @@
           <a:p>
             <a:fld id="{13992AC6-5E03-F449-829F-139F3F0797E9}" type="datetime8">
               <a:rPr lang="en-GB" smtClean="0"/>
-              <a:t>22-Apr-2015 16:49</a:t>
+              <a:t>22-Apr-2015 20:18</a:t>
             </a:fld>
             <a:endParaRPr lang="en-US"/>
           </a:p>
@@ -5638,7 +5638,7 @@
           <a:p>
             <a:fld id="{F9F5659A-14A4-684C-8DFF-B535F8211020}" type="datetime8">
               <a:rPr lang="en-GB" smtClean="0"/>
-              <a:t>22-Apr-2015 16:49</a:t>
+              <a:t>22-Apr-2015 20:18</a:t>
             </a:fld>
             <a:endParaRPr lang="en-US"/>
           </a:p>
@@ -6054,7 +6054,11 @@
           <a:p>
             <a:r>
               <a:rPr lang="en-US" dirty="0" smtClean="0"/>
-              <a:t>KDE Security Issue</a:t>
+              <a:t> Team Meeting to discuss KDE </a:t>
+            </a:r>
+            <a:r>
+              <a:rPr lang="en-US" dirty="0" smtClean="0"/>
+              <a:t>Security Issue</a:t>
             </a:r>
             <a:endParaRPr lang="en-US" dirty="0"/>
           </a:p>
@@ -6182,7 +6186,15 @@
           <a:p>
             <a:r>
               <a:rPr lang="en-US" dirty="0" smtClean="0"/>
-              <a:t>Most C++ code and test harness is excellent thanks to:</a:t>
+              <a:t>Most C++ code and test harness is </a:t>
+            </a:r>
+            <a:r>
+              <a:rPr lang="en-US" dirty="0" smtClean="0"/>
+              <a:t>excellent:</a:t>
+            </a:r>
+            <a:r>
+              <a:rPr lang="en-US" dirty="0" smtClean="0"/>
+              <a:t/>
             </a:r>
             <a:br>
               <a:rPr lang="en-US" dirty="0" smtClean="0"/>
@@ -6296,7 +6308,7 @@
           <a:p>
             <a:fld id="{A24E8C0C-F230-ED46-AB54-3A6B4B9814E6}" type="datetime8">
               <a:rPr lang="en-GB" smtClean="0"/>
-              <a:t>22-Apr-2015 16:49</a:t>
+              <a:t>22-Apr-2015 20:18</a:t>
             </a:fld>
             <a:endParaRPr lang="en-US"/>
           </a:p>
@@ -6457,11 +6469,7 @@
             </a:r>
             <a:r>
               <a:rPr lang="en-US" smtClean="0"/>
-              <a:t>, </a:t>
-            </a:r>
-            <a:r>
-              <a:rPr lang="en-US" smtClean="0"/>
-              <a:t>functional </a:t>
+              <a:t>, functional </a:t>
             </a:r>
             <a:r>
               <a:rPr lang="en-US" dirty="0" smtClean="0"/>
@@ -6608,7 +6616,7 @@
           <a:p>
             <a:fld id="{E6B5324F-4486-2849-B445-126A99F33717}" type="datetime8">
               <a:rPr lang="en-GB" smtClean="0"/>
-              <a:t>22-Apr-2015 16:49</a:t>
+              <a:t>22-Apr-2015 20:18</a:t>
             </a:fld>
             <a:endParaRPr lang="en-US"/>
           </a:p>
@@ -6756,27 +6764,7 @@
           <a:p>
             <a:r>
               <a:rPr lang="en-US" dirty="0" smtClean="0"/>
-              <a:t>Other useful discussion </a:t>
-            </a:r>
-            <a:r>
-              <a:rPr lang="en-US" dirty="0" smtClean="0"/>
-              <a:t>item</a:t>
-            </a:r>
-            <a:r>
-              <a:rPr lang="en-US" dirty="0" smtClean="0"/>
-              <a:t>s </a:t>
-            </a:r>
-            <a:r>
-              <a:rPr lang="en-US" dirty="0" smtClean="0"/>
-              <a:t>if time </a:t>
-            </a:r>
-            <a:r>
-              <a:rPr lang="en-US" dirty="0" smtClean="0"/>
-              <a:t>permits:</a:t>
-            </a:r>
-            <a:r>
-              <a:rPr lang="en-US" dirty="0" smtClean="0"/>
-              <a:t/>
+              <a:t>Other useful discussion items if time permits:</a:t>
             </a:r>
             <a:br>
               <a:rPr lang="en-US" dirty="0" smtClean="0"/>
@@ -6856,7 +6844,7 @@
           <a:p>
             <a:fld id="{12B447A4-3CD3-0243-900F-09A087B85CA8}" type="datetime8">
               <a:rPr lang="en-GB" smtClean="0"/>
-              <a:t>22-Apr-2015 16:49</a:t>
+              <a:t>22-Apr-2015 20:18</a:t>
             </a:fld>
             <a:endParaRPr lang="en-US"/>
           </a:p>
@@ -7692,7 +7680,7 @@
           <a:p>
             <a:fld id="{12824A3B-A608-3947-81FA-B42F5DA9341C}" type="datetime8">
               <a:rPr lang="en-GB" smtClean="0"/>
-              <a:t>22-Apr-2015 16:49</a:t>
+              <a:t>22-Apr-2015 20:18</a:t>
             </a:fld>
             <a:endParaRPr lang="en-US"/>
           </a:p>
@@ -7924,7 +7912,7 @@
           <a:p>
             <a:fld id="{5379D298-6F44-4A45-8706-E97D04C346BD}" type="datetime8">
               <a:rPr lang="en-GB" smtClean="0"/>
-              <a:t>22-Apr-2015 16:49</a:t>
+              <a:t>22-Apr-2015 20:18</a:t>
             </a:fld>
             <a:endParaRPr lang="en-US"/>
           </a:p>
@@ -8066,8 +8054,16 @@
           </a:p>
           <a:p>
             <a:r>
-              <a:rPr lang="en-US" dirty="0" smtClean="0"/>
-              <a:t>The video code requires simplification:</a:t>
+              <a:rPr lang="en-US" dirty="0"/>
+              <a:t>V</a:t>
+            </a:r>
+            <a:r>
+              <a:rPr lang="en-US" dirty="0" smtClean="0"/>
+              <a:t>ideo </a:t>
+            </a:r>
+            <a:r>
+              <a:rPr lang="en-US" dirty="0" smtClean="0"/>
+              <a:t>code requires simplification:</a:t>
             </a:r>
             <a:br>
               <a:rPr lang="en-US" dirty="0" smtClean="0"/>
@@ -8178,7 +8174,7 @@
           <a:p>
             <a:fld id="{A23348B8-C2FC-BD41-B270-BEDAFEEE35DB}" type="datetime8">
               <a:rPr lang="en-GB" smtClean="0"/>
-              <a:t>22-Apr-2015 16:49</a:t>
+              <a:t>22-Apr-2015 20:18</a:t>
             </a:fld>
             <a:endParaRPr lang="en-US"/>
           </a:p>
@@ -8445,7 +8441,7 @@
           <a:p>
             <a:fld id="{0FE6EDA9-5A32-FE44-8CF4-C32B08FF5187}" type="datetime8">
               <a:rPr lang="en-GB" smtClean="0"/>
-              <a:t>22-Apr-2015 16:49</a:t>
+              <a:t>22-Apr-2015 20:18</a:t>
             </a:fld>
             <a:endParaRPr lang="en-US"/>
           </a:p>
@@ -8725,7 +8721,7 @@
           <a:p>
             <a:fld id="{E78FA98F-E1CA-5346-B70E-AE0F4504117E}" type="datetime8">
               <a:rPr lang="en-GB" smtClean="0"/>
-              <a:t>22-Apr-2015 16:49</a:t>
+              <a:t>22-Apr-2015 20:18</a:t>
             </a:fld>
             <a:endParaRPr lang="en-US"/>
           </a:p>
@@ -8849,8 +8845,21 @@
           <a:p>
             <a:r>
               <a:rPr lang="en-US" dirty="0" smtClean="0"/>
-              <a:t>Video Code (read and write)</a:t>
-            </a:r>
+              <a:t>Video </a:t>
+            </a:r>
+            <a:r>
+              <a:rPr lang="en-US" dirty="0" smtClean="0"/>
+              <a:t>Read and Write 			</a:t>
+            </a:r>
+            <a:r>
+              <a:rPr lang="en-US" dirty="0" err="1" smtClean="0"/>
+              <a:t>Abhinav</a:t>
+            </a:r>
+            <a:r>
+              <a:rPr lang="en-US" dirty="0" smtClean="0"/>
+              <a:t> and Mahesh</a:t>
+            </a:r>
+            <a:endParaRPr lang="en-US" dirty="0" smtClean="0"/>
           </a:p>
           <a:p>
             <a:r>
@@ -8871,7 +8880,7 @@
             </a:r>
             <a:r>
               <a:rPr lang="en-US" dirty="0" smtClean="0"/>
-              <a:t> support (</a:t>
+              <a:t> </a:t>
             </a:r>
             <a:r>
               <a:rPr lang="en-US" dirty="0" err="1" smtClean="0"/>
@@ -8879,37 +8888,78 @@
             </a:r>
             <a:r>
               <a:rPr lang="en-US" dirty="0" smtClean="0"/>
-              <a:t> 2015)</a:t>
-            </a:r>
-          </a:p>
-          <a:p>
-            <a:r>
-              <a:rPr lang="en-US" dirty="0" smtClean="0"/>
-              <a:t>Accessory ‘overflow’ file (Thomas B)</a:t>
-            </a:r>
-          </a:p>
-          <a:p>
+              <a:t> 2015</a:t>
+            </a:r>
+            <a:r>
+              <a:rPr lang="en-US" dirty="0" smtClean="0"/>
+              <a:t> 		Islam</a:t>
+            </a:r>
+            <a:endParaRPr lang="en-US" dirty="0" smtClean="0"/>
+          </a:p>
+          <a:p>
+            <a:r>
+              <a:rPr lang="en-US" dirty="0" smtClean="0"/>
+              <a:t>Accessory ‘overflow’ file </a:t>
+            </a:r>
+            <a:r>
+              <a:rPr lang="en-US" dirty="0" smtClean="0"/>
+              <a:t>		Thomas B</a:t>
+            </a:r>
+            <a:endParaRPr lang="en-US" dirty="0" smtClean="0"/>
+          </a:p>
+          <a:p>
+            <a:r>
+              <a:rPr lang="en-US" dirty="0" err="1" smtClean="0"/>
+              <a:t>XMPsdk</a:t>
+            </a:r>
+            <a:r>
+              <a:rPr lang="en-US" dirty="0" smtClean="0"/>
+              <a:t> </a:t>
+            </a:r>
             <a:r>
               <a:rPr lang="en-US" dirty="0"/>
-              <a:t>Upgrade code to link </a:t>
-            </a:r>
-            <a:r>
-              <a:rPr lang="en-US" dirty="0" err="1"/>
-              <a:t>XMPsdk</a:t>
+              <a:t>as an external </a:t>
+            </a:r>
+            <a:r>
+              <a:rPr lang="en-US" dirty="0" smtClean="0"/>
+              <a:t>library </a:t>
             </a:r>
             <a:r>
               <a:rPr lang="en-US" dirty="0"/>
-              <a:t> as an external library</a:t>
-            </a:r>
-          </a:p>
-          <a:p>
-            <a:r>
-              <a:rPr lang="en-US" dirty="0" smtClean="0"/>
-              <a:t>More </a:t>
-            </a:r>
-            <a:r>
-              <a:rPr lang="en-US" dirty="0" smtClean="0"/>
-              <a:t>platforms supported (Android and </a:t>
+              <a:t>	</a:t>
+            </a:r>
+            <a:r>
+              <a:rPr lang="en-US" dirty="0" smtClean="0"/>
+              <a:t>	</a:t>
+            </a:r>
+            <a:r>
+              <a:rPr lang="en-US" dirty="0" smtClean="0"/>
+              <a:t>Andreas</a:t>
+            </a:r>
+          </a:p>
+          <a:p>
+            <a:r>
+              <a:rPr lang="en-US" dirty="0" err="1" smtClean="0"/>
+              <a:t>Coverity</a:t>
+            </a:r>
+            <a:r>
+              <a:rPr lang="en-US" dirty="0" smtClean="0"/>
+              <a:t> Scan				Mahesh</a:t>
+            </a:r>
+            <a:endParaRPr lang="en-US" dirty="0"/>
+          </a:p>
+          <a:p>
+            <a:r>
+              <a:rPr lang="en-US" dirty="0" err="1" smtClean="0"/>
+              <a:t>Cmake</a:t>
+            </a:r>
+            <a:r>
+              <a:rPr lang="en-US" dirty="0" smtClean="0"/>
+              <a:t>/MSVC Android </a:t>
+            </a:r>
+            <a:r>
+              <a:rPr lang="en-US" dirty="0" smtClean="0"/>
+              <a:t>and </a:t>
             </a:r>
             <a:r>
               <a:rPr lang="en-US" dirty="0" err="1" smtClean="0"/>
@@ -8917,14 +8967,28 @@
             </a:r>
             <a:r>
               <a:rPr lang="en-US" dirty="0" smtClean="0"/>
-              <a:t>)</a:t>
-            </a:r>
-          </a:p>
-          <a:p>
+              <a:t> </a:t>
+            </a:r>
             <a:r>
               <a:rPr lang="en-US" dirty="0"/>
-              <a:t>More features and bug fixes</a:t>
-            </a:r>
+              <a:t>	</a:t>
+            </a:r>
+            <a:r>
+              <a:rPr lang="en-US" dirty="0" smtClean="0"/>
+              <a:t>	Robin</a:t>
+            </a:r>
+            <a:endParaRPr lang="en-US" dirty="0" smtClean="0"/>
+          </a:p>
+          <a:p>
+            <a:r>
+              <a:rPr lang="en-US" dirty="0"/>
+              <a:t>More features and bug </a:t>
+            </a:r>
+            <a:r>
+              <a:rPr lang="en-US" dirty="0" smtClean="0"/>
+              <a:t>fixes		Alan and Thomas S</a:t>
+            </a:r>
+            <a:endParaRPr lang="en-US" dirty="0"/>
           </a:p>
           <a:p>
             <a:r>
@@ -8933,29 +8997,43 @@
             </a:r>
             <a:r>
               <a:rPr lang="en-US" dirty="0" smtClean="0"/>
-              <a:t>Program Management</a:t>
-            </a:r>
-          </a:p>
-          <a:p>
-            <a:r>
-              <a:rPr lang="en-US" dirty="0" smtClean="0"/>
-              <a:t>Improved infra-structure</a:t>
-            </a:r>
-          </a:p>
-          <a:p>
-            <a:r>
-              <a:rPr lang="en-US" dirty="0" smtClean="0"/>
-              <a:t>Team members </a:t>
-            </a:r>
-            <a:r>
-              <a:rPr lang="en-US" dirty="0" smtClean="0"/>
-              <a:t>to be ‘owners’ of </a:t>
-            </a:r>
-            <a:r>
-              <a:rPr lang="en-US" dirty="0" smtClean="0"/>
-              <a:t>responsibilities</a:t>
-            </a:r>
-            <a:endParaRPr lang="en-US" dirty="0"/>
+              <a:t>Server </a:t>
+            </a:r>
+            <a:r>
+              <a:rPr lang="en-US" dirty="0" smtClean="0"/>
+              <a:t>&amp; </a:t>
+            </a:r>
+            <a:r>
+              <a:rPr lang="en-US" dirty="0" smtClean="0"/>
+              <a:t>Release Management </a:t>
+            </a:r>
+            <a:r>
+              <a:rPr lang="en-US" dirty="0"/>
+              <a:t>	</a:t>
+            </a:r>
+            <a:r>
+              <a:rPr lang="en-US" dirty="0" err="1" smtClean="0"/>
+              <a:t>Nehal</a:t>
+            </a:r>
+            <a:r>
+              <a:rPr lang="en-US" dirty="0" smtClean="0"/>
+              <a:t> and </a:t>
+            </a:r>
+            <a:r>
+              <a:rPr lang="en-US" dirty="0" smtClean="0"/>
+              <a:t>Shawn</a:t>
+            </a:r>
+          </a:p>
+          <a:p>
+            <a:r>
+              <a:rPr lang="en-US" dirty="0" smtClean="0"/>
+              <a:t>Branding, Logo and W</a:t>
+            </a:r>
+            <a:r>
+              <a:rPr lang="en-US" dirty="0" smtClean="0"/>
+              <a:t>eb-site		Ocean</a:t>
+            </a:r>
+            <a:endParaRPr lang="en-US" dirty="0" smtClean="0"/>
           </a:p>
         </p:txBody>
       </p:sp>
@@ -9006,7 +9084,7 @@
           <a:p>
             <a:fld id="{945609F1-927E-1F48-80C4-EDD35FD55285}" type="datetime8">
               <a:rPr lang="en-GB" smtClean="0"/>
-              <a:t>22-Apr-2015 17:00</a:t>
+              <a:t>22-Apr-2015 20:18</a:t>
             </a:fld>
             <a:endParaRPr lang="en-US"/>
           </a:p>

--- a/meetings/Exiv2-v0.24.1.pptx
+++ b/meetings/Exiv2-v0.24.1.pptx
@@ -874,7 +874,7 @@
           <a:p>
             <a:fld id="{50684158-AEF9-F541-B7F7-457AA9371B9F}" type="datetime8">
               <a:rPr lang="en-GB" smtClean="0"/>
-              <a:t>22-Apr-2015 20:18</a:t>
+              <a:t>22-Apr-2015 23:02</a:t>
             </a:fld>
             <a:endParaRPr lang="en-US"/>
           </a:p>
@@ -969,7 +969,7 @@
           <a:p>
             <a:fld id="{D4610EBB-D907-9449-8FEA-ED325EF61155}" type="datetime8">
               <a:rPr lang="en-GB" smtClean="0"/>
-              <a:t>22-Apr-2015 20:18</a:t>
+              <a:t>22-Apr-2015 23:02</a:t>
             </a:fld>
             <a:endParaRPr lang="en-US"/>
           </a:p>
@@ -1276,7 +1276,7 @@
           <a:p>
             <a:fld id="{453BA56C-E552-7340-BC54-08A9EBD5FC05}" type="datetime8">
               <a:rPr lang="en-GB" smtClean="0"/>
-              <a:t>22-Apr-2015 20:18</a:t>
+              <a:t>22-Apr-2015 23:02</a:t>
             </a:fld>
             <a:endParaRPr lang="en-US"/>
           </a:p>
@@ -1501,7 +1501,7 @@
           <a:p>
             <a:fld id="{4664B96B-42AD-F043-9EFC-F851190D4880}" type="datetime8">
               <a:rPr lang="en-GB" smtClean="0"/>
-              <a:t>22-Apr-2015 20:18</a:t>
+              <a:t>22-Apr-2015 23:02</a:t>
             </a:fld>
             <a:endParaRPr lang="en-US"/>
           </a:p>
@@ -1893,7 +1893,7 @@
           <a:p>
             <a:fld id="{8C4F81CC-6030-0D41-BD2B-2D55CBDB487B}" type="datetime8">
               <a:rPr lang="en-GB" smtClean="0"/>
-              <a:t>22-Apr-2015 20:18</a:t>
+              <a:t>22-Apr-2015 23:02</a:t>
             </a:fld>
             <a:endParaRPr lang="en-US"/>
           </a:p>
@@ -2205,7 +2205,7 @@
           <a:p>
             <a:fld id="{62099B12-AD97-F440-892A-1F99F7E663F8}" type="datetime8">
               <a:rPr lang="en-GB" smtClean="0"/>
-              <a:t>22-Apr-2015 20:18</a:t>
+              <a:t>22-Apr-2015 23:02</a:t>
             </a:fld>
             <a:endParaRPr lang="en-US"/>
           </a:p>
@@ -2407,7 +2407,7 @@
           <a:p>
             <a:fld id="{D2D478E8-B690-5B4A-8E03-205B27722A3E}" type="datetime8">
               <a:rPr lang="en-GB" smtClean="0"/>
-              <a:t>22-Apr-2015 20:18</a:t>
+              <a:t>22-Apr-2015 23:02</a:t>
             </a:fld>
             <a:endParaRPr lang="en-US"/>
           </a:p>
@@ -2614,7 +2614,7 @@
           <a:p>
             <a:fld id="{AD301DA1-92EC-4F4E-BF75-5D6EF2BECBCB}" type="datetime8">
               <a:rPr lang="en-GB" smtClean="0"/>
-              <a:t>22-Apr-2015 20:18</a:t>
+              <a:t>22-Apr-2015 23:02</a:t>
             </a:fld>
             <a:endParaRPr lang="en-US"/>
           </a:p>
@@ -2811,7 +2811,7 @@
           <a:p>
             <a:fld id="{C66E1988-3043-8F43-92FE-A5FA8C8F7BB7}" type="datetime8">
               <a:rPr lang="en-GB" smtClean="0"/>
-              <a:t>22-Apr-2015 20:18</a:t>
+              <a:t>22-Apr-2015 23:02</a:t>
             </a:fld>
             <a:endParaRPr lang="en-US"/>
           </a:p>
@@ -3087,7 +3087,7 @@
           <a:p>
             <a:fld id="{D29759E7-790C-D747-8166-EE5474C1982E}" type="datetime8">
               <a:rPr lang="en-GB" smtClean="0"/>
-              <a:t>22-Apr-2015 20:18</a:t>
+              <a:t>22-Apr-2015 23:02</a:t>
             </a:fld>
             <a:endParaRPr lang="en-US"/>
           </a:p>
@@ -3402,7 +3402,7 @@
           <a:p>
             <a:fld id="{FD7D5E06-F004-B741-A968-950EA387287B}" type="datetime8">
               <a:rPr lang="en-GB" smtClean="0"/>
-              <a:t>22-Apr-2015 20:18</a:t>
+              <a:t>22-Apr-2015 23:02</a:t>
             </a:fld>
             <a:endParaRPr lang="en-US"/>
           </a:p>
@@ -3872,7 +3872,7 @@
           <a:p>
             <a:fld id="{284F2FE9-C7F0-744B-94B3-7FB6C0C7A7AC}" type="datetime8">
               <a:rPr lang="en-GB" smtClean="0"/>
-              <a:t>22-Apr-2015 20:18</a:t>
+              <a:t>22-Apr-2015 23:02</a:t>
             </a:fld>
             <a:endParaRPr lang="en-US"/>
           </a:p>
@@ -4240,7 +4240,7 @@
           <a:p>
             <a:fld id="{84AE1E6E-75DA-F74A-9CB0-4A08E364BCC5}" type="datetime8">
               <a:rPr lang="en-GB" smtClean="0"/>
-              <a:t>22-Apr-2015 20:18</a:t>
+              <a:t>22-Apr-2015 23:02</a:t>
             </a:fld>
             <a:endParaRPr lang="en-US"/>
           </a:p>
@@ -4555,7 +4555,7 @@
           <a:p>
             <a:fld id="{470A43BE-DCB4-E441-84BC-9206BE09A6E9}" type="datetime8">
               <a:rPr lang="en-GB" smtClean="0"/>
-              <a:t>22-Apr-2015 20:18</a:t>
+              <a:t>22-Apr-2015 23:02</a:t>
             </a:fld>
             <a:endParaRPr lang="en-US"/>
           </a:p>
@@ -4870,7 +4870,7 @@
           <a:p>
             <a:fld id="{26B4B2EE-C089-0344-9BCB-E686BC5B579B}" type="datetime8">
               <a:rPr lang="en-GB" smtClean="0"/>
-              <a:t>22-Apr-2015 20:18</a:t>
+              <a:t>22-Apr-2015 23:02</a:t>
             </a:fld>
             <a:endParaRPr lang="en-US"/>
           </a:p>
@@ -5359,7 +5359,7 @@
           <a:p>
             <a:fld id="{13992AC6-5E03-F449-829F-139F3F0797E9}" type="datetime8">
               <a:rPr lang="en-GB" smtClean="0"/>
-              <a:t>22-Apr-2015 20:18</a:t>
+              <a:t>22-Apr-2015 23:02</a:t>
             </a:fld>
             <a:endParaRPr lang="en-US"/>
           </a:p>
@@ -5638,7 +5638,7 @@
           <a:p>
             <a:fld id="{F9F5659A-14A4-684C-8DFF-B535F8211020}" type="datetime8">
               <a:rPr lang="en-GB" smtClean="0"/>
-              <a:t>22-Apr-2015 20:18</a:t>
+              <a:t>22-Apr-2015 23:02</a:t>
             </a:fld>
             <a:endParaRPr lang="en-US"/>
           </a:p>
@@ -6054,11 +6054,7 @@
           <a:p>
             <a:r>
               <a:rPr lang="en-US" dirty="0" smtClean="0"/>
-              <a:t> Team Meeting to discuss KDE </a:t>
-            </a:r>
-            <a:r>
-              <a:rPr lang="en-US" dirty="0" smtClean="0"/>
-              <a:t>Security Issue</a:t>
+              <a:t> Team Meeting to discuss KDE Security Issue</a:t>
             </a:r>
             <a:endParaRPr lang="en-US" dirty="0"/>
           </a:p>
@@ -6066,7 +6062,7 @@
       </p:sp>
       <p:pic>
         <p:nvPicPr>
-          <p:cNvPr id="4" name="Picture 3" descr="Exiv2Logo.png"/>
+          <p:cNvPr id="6" name="Picture 5" descr="Exiv2Logo.png"/>
           <p:cNvPicPr>
             <a:picLocks noChangeAspect="1"/>
           </p:cNvPicPr>
@@ -6086,7 +6082,7 @@
         </p:blipFill>
         <p:spPr>
           <a:xfrm>
-            <a:off x="327957" y="420061"/>
+            <a:off x="339098" y="420061"/>
             <a:ext cx="2032000" cy="1231900"/>
           </a:xfrm>
           <a:prstGeom prst="rect">
@@ -6160,13 +6156,13 @@
         <p:spPr/>
         <p:txBody>
           <a:bodyPr>
-            <a:normAutofit fontScale="92500" lnSpcReduction="20000"/>
+            <a:normAutofit fontScale="85000" lnSpcReduction="20000"/>
           </a:bodyPr>
           <a:lstStyle/>
           <a:p>
             <a:r>
               <a:rPr lang="en-US" dirty="0" smtClean="0"/>
-              <a:t>Exiv2 is a great open source project</a:t>
+              <a:t>Exiv2 is an excellent open source project</a:t>
             </a:r>
             <a:br>
               <a:rPr lang="en-US" dirty="0" smtClean="0"/>
@@ -6182,25 +6178,24 @@
               <a:rPr lang="en-US" dirty="0" smtClean="0"/>
               <a:t>-	Highly functional</a:t>
             </a:r>
-          </a:p>
-          <a:p>
-            <a:r>
-              <a:rPr lang="en-US" dirty="0" smtClean="0"/>
-              <a:t>Most C++ code and test harness is </a:t>
-            </a:r>
-            <a:r>
-              <a:rPr lang="en-US" dirty="0" smtClean="0"/>
-              <a:t>excellent:</a:t>
-            </a:r>
-            <a:r>
-              <a:rPr lang="en-US" dirty="0" smtClean="0"/>
-              <a:t/>
-            </a:r>
             <a:br>
               <a:rPr lang="en-US" dirty="0" smtClean="0"/>
             </a:br>
             <a:r>
               <a:rPr lang="en-US" dirty="0" smtClean="0"/>
+              <a:t>- 	Reliable</a:t>
+            </a:r>
+          </a:p>
+          <a:p>
+            <a:r>
+              <a:rPr lang="en-US" dirty="0" smtClean="0"/>
+              <a:t>Excellent C++ code and test harness:</a:t>
+            </a:r>
+            <a:br>
+              <a:rPr lang="en-US" dirty="0" smtClean="0"/>
+            </a:br>
+            <a:r>
+              <a:rPr lang="en-US" dirty="0" smtClean="0"/>
               <a:t>-	Andreas		Brad</a:t>
             </a:r>
             <a:br>
@@ -6214,7 +6209,7 @@
           <a:p>
             <a:r>
               <a:rPr lang="en-US" dirty="0" smtClean="0"/>
-              <a:t>Excellent and fast updates for cameras and accessories:</a:t>
+              <a:t>Excellent updates for cameras and accessories:</a:t>
             </a:r>
             <a:br>
               <a:rPr lang="en-US" dirty="0" smtClean="0"/>
@@ -6235,7 +6230,15 @@
           <a:p>
             <a:r>
               <a:rPr lang="en-US" dirty="0" smtClean="0"/>
-              <a:t>Our build and user support is excellent thanks to:</a:t>
+              <a:t>Excellent build, developer and user </a:t>
+            </a:r>
+            <a:r>
+              <a:rPr lang="en-US" dirty="0"/>
+              <a:t>s</a:t>
+            </a:r>
+            <a:r>
+              <a:rPr lang="en-US" dirty="0" smtClean="0"/>
+              <a:t>upport:</a:t>
             </a:r>
             <a:br>
               <a:rPr lang="en-US" dirty="0" smtClean="0"/>
@@ -6248,14 +6251,14 @@
           <a:p>
             <a:r>
               <a:rPr lang="en-US" dirty="0" smtClean="0"/>
-              <a:t>Our team work can be improved thanks to:</a:t>
+              <a:t>Exiv2 Team Work can be improved by:</a:t>
             </a:r>
             <a:br>
               <a:rPr lang="en-US" dirty="0" smtClean="0"/>
             </a:br>
             <a:r>
               <a:rPr lang="en-US" dirty="0" smtClean="0"/>
-              <a:t>-	Everybody: Me, you, users, contributors</a:t>
+              <a:t>-	Me, you, users, contributors</a:t>
             </a:r>
             <a:endParaRPr lang="en-US" dirty="0"/>
           </a:p>
@@ -6308,7 +6311,7 @@
           <a:p>
             <a:fld id="{A24E8C0C-F230-ED46-AB54-3A6B4B9814E6}" type="datetime8">
               <a:rPr lang="en-GB" smtClean="0"/>
-              <a:t>22-Apr-2015 20:18</a:t>
+              <a:t>22-Apr-2015 23:02</a:t>
             </a:fld>
             <a:endParaRPr lang="en-US"/>
           </a:p>
@@ -6452,8 +6455,24 @@
             </a:br>
             <a:r>
               <a:rPr lang="en-US" dirty="0" smtClean="0"/>
-              <a:t>Includes GSoC2012 video-read code.  Bug Fixes</a:t>
-            </a:r>
+              <a:t>Included the GSoC2012 </a:t>
+            </a:r>
+            <a:r>
+              <a:rPr lang="en-US" dirty="0" smtClean="0"/>
+              <a:t>video-read </a:t>
+            </a:r>
+            <a:r>
+              <a:rPr lang="en-US" dirty="0" smtClean="0"/>
+              <a:t>code</a:t>
+            </a:r>
+            <a:br>
+              <a:rPr lang="en-US" dirty="0" smtClean="0"/>
+            </a:br>
+            <a:r>
+              <a:rPr lang="en-US" dirty="0" smtClean="0"/>
+              <a:t>Bug Fixes and many improvements</a:t>
+            </a:r>
+            <a:endParaRPr lang="en-US" dirty="0" smtClean="0"/>
           </a:p>
           <a:p>
             <a:r>
@@ -6465,22 +6484,22 @@
             </a:br>
             <a:r>
               <a:rPr lang="en-US" dirty="0" smtClean="0"/>
-              <a:t>Many bug fixes</a:t>
-            </a:r>
-            <a:r>
-              <a:rPr lang="en-US" smtClean="0"/>
-              <a:t>, functional </a:t>
-            </a:r>
-            <a:r>
-              <a:rPr lang="en-US" dirty="0" smtClean="0"/>
-              <a:t>changes and new features</a:t>
+              <a:t>Many bug fixes, functional changes and new features</a:t>
             </a:r>
             <a:br>
               <a:rPr lang="en-US" dirty="0" smtClean="0"/>
             </a:br>
             <a:r>
               <a:rPr lang="en-US" dirty="0" smtClean="0"/>
-              <a:t>Many maker-note updates</a:t>
+              <a:t>Many maker-note </a:t>
+            </a:r>
+            <a:r>
+              <a:rPr lang="en-US" dirty="0" smtClean="0"/>
+              <a:t>updates</a:t>
+            </a:r>
+            <a:r>
+              <a:rPr lang="en-US" dirty="0" smtClean="0"/>
+              <a:t/>
             </a:r>
             <a:br>
               <a:rPr lang="en-US" dirty="0" smtClean="0"/>
@@ -6497,6 +6516,10 @@
               <a:rPr lang="en-US" dirty="0" smtClean="0"/>
               <a:t>)</a:t>
             </a:r>
+            <a:r>
+              <a:rPr lang="en-US" dirty="0" smtClean="0"/>
+              <a:t/>
+            </a:r>
             <a:br>
               <a:rPr lang="en-US" dirty="0" smtClean="0"/>
             </a:br>
@@ -6566,6 +6589,1315 @@
               <a:rPr lang="en-US" dirty="0" smtClean="0"/>
             </a:br>
             <a:endParaRPr lang="en-US" dirty="0" smtClean="0"/>
+          </a:p>
+        </p:txBody>
+      </p:sp>
+      <p:sp>
+        <p:nvSpPr>
+          <p:cNvPr id="6" name="Date Placeholder 5"/>
+          <p:cNvSpPr>
+            <a:spLocks noGrp="1"/>
+          </p:cNvSpPr>
+          <p:nvPr>
+            <p:ph type="dt" sz="half" idx="10"/>
+          </p:nvPr>
+        </p:nvSpPr>
+        <p:spPr/>
+        <p:txBody>
+          <a:bodyPr/>
+          <a:lstStyle/>
+          <a:p>
+            <a:fld id="{E6B5324F-4486-2849-B445-126A99F33717}" type="datetime8">
+              <a:rPr lang="en-GB" smtClean="0"/>
+              <a:t>22-Apr-2015 23:11</a:t>
+            </a:fld>
+            <a:endParaRPr lang="en-US"/>
+          </a:p>
+        </p:txBody>
+      </p:sp>
+      <p:sp>
+        <p:nvSpPr>
+          <p:cNvPr id="7" name="Footer Placeholder 6"/>
+          <p:cNvSpPr>
+            <a:spLocks noGrp="1"/>
+          </p:cNvSpPr>
+          <p:nvPr>
+            <p:ph type="ftr" sz="quarter" idx="11"/>
+          </p:nvPr>
+        </p:nvSpPr>
+        <p:spPr/>
+        <p:txBody>
+          <a:bodyPr/>
+          <a:lstStyle/>
+          <a:p>
+            <a:r>
+              <a:rPr lang="en-US" smtClean="0"/>
+              <a:t>Exiv2-v0.24.1</a:t>
+            </a:r>
+            <a:endParaRPr lang="en-US"/>
+          </a:p>
+        </p:txBody>
+      </p:sp>
+      <p:sp>
+        <p:nvSpPr>
+          <p:cNvPr id="8" name="Slide Number Placeholder 7"/>
+          <p:cNvSpPr>
+            <a:spLocks noGrp="1"/>
+          </p:cNvSpPr>
+          <p:nvPr>
+            <p:ph type="sldNum" sz="quarter" idx="12"/>
+          </p:nvPr>
+        </p:nvSpPr>
+        <p:spPr/>
+        <p:txBody>
+          <a:bodyPr/>
+          <a:lstStyle/>
+          <a:p>
+            <a:fld id="{93E4AAA4-6363-4581-962D-1ACCC2D600C5}" type="slidenum">
+              <a:rPr lang="en-US" smtClean="0"/>
+              <a:t>2</a:t>
+            </a:fld>
+            <a:endParaRPr lang="en-US"/>
+          </a:p>
+        </p:txBody>
+      </p:sp>
+      <p:pic>
+        <p:nvPicPr>
+          <p:cNvPr id="9" name="Picture 8" descr="Exiv2Logo.png"/>
+          <p:cNvPicPr>
+            <a:picLocks noChangeAspect="1"/>
+          </p:cNvPicPr>
+          <p:nvPr/>
+        </p:nvPicPr>
+        <p:blipFill>
+          <a:blip r:embed="rId2">
+            <a:extLst>
+              <a:ext uri="{28A0092B-C50C-407E-A947-70E740481C1C}">
+                <a14:useLocalDpi xmlns:a14="http://schemas.microsoft.com/office/drawing/2010/main" val="0"/>
+              </a:ext>
+            </a:extLst>
+          </a:blip>
+          <a:stretch>
+            <a:fillRect/>
+          </a:stretch>
+        </p:blipFill>
+        <p:spPr>
+          <a:xfrm>
+            <a:off x="6734049" y="420061"/>
+            <a:ext cx="2032000" cy="1231900"/>
+          </a:xfrm>
+          <a:prstGeom prst="rect">
+            <a:avLst/>
+          </a:prstGeom>
+        </p:spPr>
+      </p:pic>
+    </p:spTree>
+    <p:extLst>
+      <p:ext uri="{BB962C8B-B14F-4D97-AF65-F5344CB8AC3E}">
+        <p14:creationId xmlns:p14="http://schemas.microsoft.com/office/powerpoint/2010/main" val="298220399"/>
+      </p:ext>
+    </p:extLst>
+  </p:cSld>
+  <p:clrMapOvr>
+    <a:masterClrMapping/>
+  </p:clrMapOvr>
+</p:sld>
+</file>
+
+<file path=ppt/slides/slide3.xml><?xml version="1.0" encoding="utf-8"?>
+<p:sld xmlns:a="http://schemas.openxmlformats.org/drawingml/2006/main" xmlns:r="http://schemas.openxmlformats.org/officeDocument/2006/relationships" xmlns:p="http://schemas.openxmlformats.org/presentationml/2006/main">
+  <p:cSld>
+    <p:spTree>
+      <p:nvGrpSpPr>
+        <p:cNvPr id="1" name=""/>
+        <p:cNvGrpSpPr/>
+        <p:nvPr/>
+      </p:nvGrpSpPr>
+      <p:grpSpPr>
+        <a:xfrm>
+          <a:off x="0" y="0"/>
+          <a:ext cx="0" cy="0"/>
+          <a:chOff x="0" y="0"/>
+          <a:chExt cx="0" cy="0"/>
+        </a:xfrm>
+      </p:grpSpPr>
+      <p:sp>
+        <p:nvSpPr>
+          <p:cNvPr id="2" name="Title 1"/>
+          <p:cNvSpPr>
+            <a:spLocks noGrp="1"/>
+          </p:cNvSpPr>
+          <p:nvPr>
+            <p:ph type="title"/>
+          </p:nvPr>
+        </p:nvSpPr>
+        <p:spPr/>
+        <p:txBody>
+          <a:bodyPr/>
+          <a:lstStyle/>
+          <a:p>
+            <a:r>
+              <a:rPr lang="en-US" dirty="0" smtClean="0"/>
+              <a:t>Meeting Objective</a:t>
+            </a:r>
+            <a:endParaRPr lang="en-US" dirty="0"/>
+          </a:p>
+        </p:txBody>
+      </p:sp>
+      <p:sp>
+        <p:nvSpPr>
+          <p:cNvPr id="3" name="Content Placeholder 2"/>
+          <p:cNvSpPr>
+            <a:spLocks noGrp="1"/>
+          </p:cNvSpPr>
+          <p:nvPr>
+            <p:ph idx="1"/>
+          </p:nvPr>
+        </p:nvSpPr>
+        <p:spPr/>
+        <p:txBody>
+          <a:bodyPr>
+            <a:normAutofit/>
+          </a:bodyPr>
+          <a:lstStyle/>
+          <a:p>
+            <a:r>
+              <a:rPr lang="en-US" dirty="0" smtClean="0"/>
+              <a:t>To decide how to address KDE’s Security Issue</a:t>
+            </a:r>
+          </a:p>
+          <a:p>
+            <a:r>
+              <a:rPr lang="en-US" dirty="0" smtClean="0"/>
+              <a:t>*** No other meeting objective ***</a:t>
+            </a:r>
+          </a:p>
+          <a:p>
+            <a:r>
+              <a:rPr lang="en-US" dirty="0" smtClean="0"/>
+              <a:t>Duration: 1 hour maximum</a:t>
+            </a:r>
+          </a:p>
+          <a:p>
+            <a:r>
+              <a:rPr lang="en-US" dirty="0" smtClean="0"/>
+              <a:t>No finger pointing, blaming or complaining</a:t>
+            </a:r>
+          </a:p>
+          <a:p>
+            <a:r>
+              <a:rPr lang="en-US" dirty="0" smtClean="0"/>
+              <a:t>Other useful discussion items if time permits:</a:t>
+            </a:r>
+            <a:br>
+              <a:rPr lang="en-US" dirty="0" smtClean="0"/>
+            </a:br>
+            <a:r>
+              <a:rPr lang="en-US" dirty="0" smtClean="0"/>
+              <a:t>Introduce new team members</a:t>
+            </a:r>
+            <a:br>
+              <a:rPr lang="en-US" dirty="0" smtClean="0"/>
+            </a:br>
+            <a:r>
+              <a:rPr lang="en-US" dirty="0" smtClean="0"/>
+              <a:t>Discuss v0.25</a:t>
+            </a:r>
+            <a:br>
+              <a:rPr lang="en-US" dirty="0" smtClean="0"/>
+            </a:br>
+            <a:r>
+              <a:rPr lang="en-US" dirty="0" smtClean="0"/>
+              <a:t>Discuss v0.26</a:t>
+            </a:r>
+            <a:br>
+              <a:rPr lang="en-US" dirty="0" smtClean="0"/>
+            </a:br>
+            <a:r>
+              <a:rPr lang="en-US" dirty="0" smtClean="0"/>
+              <a:t>Discuss Exiv2 Branding</a:t>
+            </a:r>
+          </a:p>
+        </p:txBody>
+      </p:sp>
+      <p:sp>
+        <p:nvSpPr>
+          <p:cNvPr id="4" name="Date Placeholder 3"/>
+          <p:cNvSpPr>
+            <a:spLocks noGrp="1"/>
+          </p:cNvSpPr>
+          <p:nvPr>
+            <p:ph type="dt" sz="half" idx="10"/>
+          </p:nvPr>
+        </p:nvSpPr>
+        <p:spPr/>
+        <p:txBody>
+          <a:bodyPr/>
+          <a:lstStyle/>
+          <a:p>
+            <a:fld id="{12B447A4-3CD3-0243-900F-09A087B85CA8}" type="datetime8">
+              <a:rPr lang="en-GB" smtClean="0"/>
+              <a:t>22-Apr-2015 23:10</a:t>
+            </a:fld>
+            <a:endParaRPr lang="en-US"/>
+          </a:p>
+        </p:txBody>
+      </p:sp>
+      <p:sp>
+        <p:nvSpPr>
+          <p:cNvPr id="7" name="Footer Placeholder 6"/>
+          <p:cNvSpPr>
+            <a:spLocks noGrp="1"/>
+          </p:cNvSpPr>
+          <p:nvPr>
+            <p:ph type="ftr" sz="quarter" idx="11"/>
+          </p:nvPr>
+        </p:nvSpPr>
+        <p:spPr/>
+        <p:txBody>
+          <a:bodyPr/>
+          <a:lstStyle/>
+          <a:p>
+            <a:r>
+              <a:rPr lang="en-US" smtClean="0"/>
+              <a:t>Exiv2-v0.24.1</a:t>
+            </a:r>
+            <a:endParaRPr lang="en-US"/>
+          </a:p>
+        </p:txBody>
+      </p:sp>
+      <p:sp>
+        <p:nvSpPr>
+          <p:cNvPr id="8" name="Slide Number Placeholder 7"/>
+          <p:cNvSpPr>
+            <a:spLocks noGrp="1"/>
+          </p:cNvSpPr>
+          <p:nvPr>
+            <p:ph type="sldNum" sz="quarter" idx="12"/>
+          </p:nvPr>
+        </p:nvSpPr>
+        <p:spPr/>
+        <p:txBody>
+          <a:bodyPr/>
+          <a:lstStyle/>
+          <a:p>
+            <a:fld id="{93E4AAA4-6363-4581-962D-1ACCC2D600C5}" type="slidenum">
+              <a:rPr lang="en-US" smtClean="0"/>
+              <a:t>3</a:t>
+            </a:fld>
+            <a:endParaRPr lang="en-US"/>
+          </a:p>
+        </p:txBody>
+      </p:sp>
+      <p:pic>
+        <p:nvPicPr>
+          <p:cNvPr id="9" name="Picture 8" descr="Exiv2Logo.png"/>
+          <p:cNvPicPr>
+            <a:picLocks noChangeAspect="1"/>
+          </p:cNvPicPr>
+          <p:nvPr/>
+        </p:nvPicPr>
+        <p:blipFill>
+          <a:blip r:embed="rId2">
+            <a:extLst>
+              <a:ext uri="{28A0092B-C50C-407E-A947-70E740481C1C}">
+                <a14:useLocalDpi xmlns:a14="http://schemas.microsoft.com/office/drawing/2010/main" val="0"/>
+              </a:ext>
+            </a:extLst>
+          </a:blip>
+          <a:stretch>
+            <a:fillRect/>
+          </a:stretch>
+        </p:blipFill>
+        <p:spPr>
+          <a:xfrm>
+            <a:off x="6734049" y="420061"/>
+            <a:ext cx="2032000" cy="1231900"/>
+          </a:xfrm>
+          <a:prstGeom prst="rect">
+            <a:avLst/>
+          </a:prstGeom>
+        </p:spPr>
+      </p:pic>
+    </p:spTree>
+    <p:extLst>
+      <p:ext uri="{BB962C8B-B14F-4D97-AF65-F5344CB8AC3E}">
+        <p14:creationId xmlns:p14="http://schemas.microsoft.com/office/powerpoint/2010/main" val="3558853626"/>
+      </p:ext>
+    </p:extLst>
+  </p:cSld>
+  <p:clrMapOvr>
+    <a:masterClrMapping/>
+  </p:clrMapOvr>
+</p:sld>
+</file>
+
+<file path=ppt/slides/slide4.xml><?xml version="1.0" encoding="utf-8"?>
+<p:sld xmlns:a="http://schemas.openxmlformats.org/drawingml/2006/main" xmlns:r="http://schemas.openxmlformats.org/officeDocument/2006/relationships" xmlns:p="http://schemas.openxmlformats.org/presentationml/2006/main">
+  <p:cSld>
+    <p:spTree>
+      <p:nvGrpSpPr>
+        <p:cNvPr id="1" name=""/>
+        <p:cNvGrpSpPr/>
+        <p:nvPr/>
+      </p:nvGrpSpPr>
+      <p:grpSpPr>
+        <a:xfrm>
+          <a:off x="0" y="0"/>
+          <a:ext cx="0" cy="0"/>
+          <a:chOff x="0" y="0"/>
+          <a:chExt cx="0" cy="0"/>
+        </a:xfrm>
+      </p:grpSpPr>
+      <p:sp>
+        <p:nvSpPr>
+          <p:cNvPr id="2" name="Title 1"/>
+          <p:cNvSpPr>
+            <a:spLocks noGrp="1"/>
+          </p:cNvSpPr>
+          <p:nvPr>
+            <p:ph type="title"/>
+          </p:nvPr>
+        </p:nvSpPr>
+        <p:spPr/>
+        <p:txBody>
+          <a:bodyPr/>
+          <a:lstStyle/>
+          <a:p>
+            <a:r>
+              <a:rPr lang="en-US" dirty="0" smtClean="0"/>
+              <a:t>KDE Security </a:t>
+            </a:r>
+            <a:r>
+              <a:rPr lang="en-US" dirty="0"/>
+              <a:t>Issue </a:t>
+            </a:r>
+            <a:r>
+              <a:rPr lang="en-US" dirty="0" smtClean="0"/>
+              <a:t>	</a:t>
+            </a:r>
+            <a:br>
+              <a:rPr lang="en-US" dirty="0" smtClean="0"/>
+            </a:br>
+            <a:r>
+              <a:rPr lang="en-US" sz="2000" dirty="0" err="1" smtClean="0"/>
+              <a:t>makosoft</a:t>
+            </a:r>
+            <a:r>
+              <a:rPr lang="en-US" sz="2000" dirty="0" err="1"/>
+              <a:t>@gmail.com</a:t>
+            </a:r>
+            <a:endParaRPr lang="en-US" sz="2000" dirty="0"/>
+          </a:p>
+        </p:txBody>
+      </p:sp>
+      <p:sp>
+        <p:nvSpPr>
+          <p:cNvPr id="3" name="Content Placeholder 2"/>
+          <p:cNvSpPr>
+            <a:spLocks noGrp="1"/>
+          </p:cNvSpPr>
+          <p:nvPr>
+            <p:ph idx="1"/>
+          </p:nvPr>
+        </p:nvSpPr>
+        <p:spPr/>
+        <p:txBody>
+          <a:bodyPr>
+            <a:normAutofit fontScale="92500" lnSpcReduction="20000"/>
+          </a:bodyPr>
+          <a:lstStyle/>
+          <a:p>
+            <a:pPr marL="0" indent="0">
+              <a:buNone/>
+            </a:pPr>
+            <a:r>
+              <a:rPr lang="en-US" sz="1000" dirty="0"/>
+              <a:t>Someone filed a </a:t>
+            </a:r>
+            <a:r>
+              <a:rPr lang="en-US" sz="1000" dirty="0" err="1"/>
+              <a:t>Debian</a:t>
+            </a:r>
+            <a:r>
+              <a:rPr lang="en-US" sz="1000" dirty="0"/>
+              <a:t> bug report for the first one a few weeks back and I expect they'll find the others shortly if they haven't already: https://</a:t>
+            </a:r>
+            <a:r>
+              <a:rPr lang="en-US" sz="1000" dirty="0" err="1"/>
+              <a:t>bugs.debian.org</a:t>
+            </a:r>
+            <a:r>
+              <a:rPr lang="en-US" sz="1000" dirty="0"/>
+              <a:t>/</a:t>
+            </a:r>
+            <a:r>
+              <a:rPr lang="en-US" sz="1000" dirty="0" err="1"/>
+              <a:t>cgi</a:t>
+            </a:r>
+            <a:r>
+              <a:rPr lang="en-US" sz="1000" dirty="0"/>
+              <a:t>-bin/</a:t>
+            </a:r>
+            <a:r>
+              <a:rPr lang="en-US" sz="1000" dirty="0" err="1"/>
+              <a:t>bugreport.cgi?bug</a:t>
+            </a:r>
+            <a:r>
+              <a:rPr lang="en-US" sz="1000" dirty="0"/>
+              <a:t>=781123 (This was "fixed" a while back by increasing the buffer size, which didn't actually fix the security issue.) Even though all of these are video metadata related and KDE only uses exiv2 for image files, they still affect KDE because if you rename a video file to .jpg, KDE thinks it's an image and uses exiv2 to get metadata from it. </a:t>
+            </a:r>
+            <a:endParaRPr lang="en-US" sz="1000" dirty="0" smtClean="0"/>
+          </a:p>
+          <a:p>
+            <a:pPr marL="0" indent="0">
+              <a:spcBef>
+                <a:spcPts val="800"/>
+              </a:spcBef>
+              <a:buNone/>
+            </a:pPr>
+            <a:r>
+              <a:rPr lang="en-US" sz="1000" dirty="0"/>
+              <a:t>The others are a heap buffer overflow in </a:t>
+            </a:r>
+            <a:r>
+              <a:rPr lang="en-US" sz="1000" dirty="0" err="1"/>
+              <a:t>nikonTagsParser</a:t>
+            </a:r>
+            <a:r>
+              <a:rPr lang="en-US" sz="1000" dirty="0"/>
+              <a:t> here:</a:t>
+            </a:r>
+            <a:endParaRPr lang="en-US" sz="1000" dirty="0" smtClean="0"/>
+          </a:p>
+          <a:p>
+            <a:pPr marL="0" indent="0">
+              <a:spcBef>
+                <a:spcPts val="800"/>
+              </a:spcBef>
+              <a:buNone/>
+            </a:pPr>
+            <a:r>
+              <a:rPr lang="en-US" sz="1000" dirty="0"/>
+              <a:t>         </a:t>
+            </a:r>
+            <a:r>
+              <a:rPr lang="en-US" sz="1000" dirty="0" smtClean="0"/>
+              <a:t>	</a:t>
+            </a:r>
+            <a:r>
+              <a:rPr lang="en-US" sz="1200" dirty="0" err="1" smtClean="0"/>
+              <a:t>io</a:t>
+            </a:r>
+            <a:r>
+              <a:rPr lang="en-US" sz="1200" dirty="0" smtClean="0"/>
+              <a:t>_</a:t>
+            </a:r>
+            <a:r>
+              <a:rPr lang="en-US" sz="1200" dirty="0"/>
+              <a:t>-&gt;read(</a:t>
+            </a:r>
+            <a:r>
+              <a:rPr lang="en-US" sz="1200" dirty="0" err="1"/>
+              <a:t>buf.pData</a:t>
+            </a:r>
+            <a:r>
+              <a:rPr lang="en-US" sz="1200" dirty="0"/>
+              <a:t>_, 2)</a:t>
+            </a:r>
+            <a:r>
+              <a:rPr lang="en-US" sz="1200" dirty="0" smtClean="0"/>
+              <a:t>;</a:t>
+            </a:r>
+            <a:br>
+              <a:rPr lang="en-US" sz="1200" dirty="0" smtClean="0"/>
+            </a:br>
+            <a:r>
+              <a:rPr lang="en-US" sz="1200" dirty="0"/>
+              <a:t>          	</a:t>
+            </a:r>
+            <a:r>
+              <a:rPr lang="en-US" sz="1200" dirty="0" err="1" smtClean="0"/>
+              <a:t>tagID</a:t>
+            </a:r>
+            <a:r>
+              <a:rPr lang="en-US" sz="1200" dirty="0" smtClean="0"/>
+              <a:t> </a:t>
+            </a:r>
+            <a:r>
+              <a:rPr lang="en-US" sz="1200" dirty="0"/>
+              <a:t>= Exiv2::</a:t>
+            </a:r>
+            <a:r>
+              <a:rPr lang="en-US" sz="1200" dirty="0" err="1"/>
+              <a:t>getULong</a:t>
+            </a:r>
+            <a:r>
+              <a:rPr lang="en-US" sz="1200" dirty="0"/>
+              <a:t>(</a:t>
+            </a:r>
+            <a:r>
+              <a:rPr lang="en-US" sz="1200" dirty="0" err="1"/>
+              <a:t>buf.pData</a:t>
+            </a:r>
+            <a:r>
+              <a:rPr lang="en-US" sz="1200" dirty="0"/>
+              <a:t>_, </a:t>
+            </a:r>
+            <a:r>
+              <a:rPr lang="en-US" sz="1200" dirty="0" err="1"/>
+              <a:t>littleEndian</a:t>
+            </a:r>
+            <a:r>
+              <a:rPr lang="en-US" sz="1200" dirty="0"/>
+              <a:t>)</a:t>
+            </a:r>
+            <a:r>
+              <a:rPr lang="en-US" sz="1200" dirty="0" smtClean="0"/>
+              <a:t>;</a:t>
+            </a:r>
+            <a:br>
+              <a:rPr lang="en-US" sz="1200" dirty="0" smtClean="0"/>
+            </a:br>
+            <a:r>
+              <a:rPr lang="en-US" sz="1200" dirty="0"/>
+              <a:t>                 </a:t>
+            </a:r>
+            <a:r>
+              <a:rPr lang="en-US" sz="1200" dirty="0" smtClean="0"/>
+              <a:t>	</a:t>
+            </a:r>
+            <a:r>
+              <a:rPr lang="en-US" sz="1200" dirty="0" err="1" smtClean="0"/>
+              <a:t>io</a:t>
+            </a:r>
+            <a:r>
+              <a:rPr lang="en-US" sz="1200" dirty="0" smtClean="0"/>
+              <a:t>_</a:t>
+            </a:r>
+            <a:r>
+              <a:rPr lang="en-US" sz="1200" dirty="0"/>
+              <a:t>-&gt;read(</a:t>
+            </a:r>
+            <a:r>
+              <a:rPr lang="en-US" sz="1200" dirty="0" err="1"/>
+              <a:t>buf.pData</a:t>
+            </a:r>
+            <a:r>
+              <a:rPr lang="en-US" sz="1200" dirty="0"/>
+              <a:t>_, 2)</a:t>
+            </a:r>
+            <a:r>
+              <a:rPr lang="en-US" sz="1200" dirty="0" smtClean="0"/>
+              <a:t>;</a:t>
+            </a:r>
+            <a:br>
+              <a:rPr lang="en-US" sz="1200" dirty="0" smtClean="0"/>
+            </a:br>
+            <a:r>
+              <a:rPr lang="en-US" sz="1200" dirty="0" smtClean="0"/>
+              <a:t>	</a:t>
+            </a:r>
+            <a:r>
+              <a:rPr lang="en-US" sz="1200" dirty="0" err="1" smtClean="0"/>
+              <a:t>dataSize</a:t>
+            </a:r>
+            <a:r>
+              <a:rPr lang="en-US" sz="1200" dirty="0" smtClean="0"/>
+              <a:t> </a:t>
+            </a:r>
+            <a:r>
+              <a:rPr lang="en-US" sz="1200" dirty="0"/>
+              <a:t>= Exiv2::</a:t>
+            </a:r>
+            <a:r>
+              <a:rPr lang="en-US" sz="1200" dirty="0" err="1"/>
+              <a:t>getULong</a:t>
+            </a:r>
+            <a:r>
+              <a:rPr lang="en-US" sz="1200" dirty="0"/>
+              <a:t>(</a:t>
+            </a:r>
+            <a:r>
+              <a:rPr lang="en-US" sz="1200" dirty="0" err="1"/>
+              <a:t>buf.pData</a:t>
+            </a:r>
+            <a:r>
+              <a:rPr lang="en-US" sz="1200" dirty="0"/>
+              <a:t>_, </a:t>
+            </a:r>
+            <a:r>
+              <a:rPr lang="en-US" sz="1200" dirty="0" err="1"/>
+              <a:t>littleEndian</a:t>
+            </a:r>
+            <a:r>
+              <a:rPr lang="en-US" sz="1200" dirty="0"/>
+              <a:t>)</a:t>
+            </a:r>
+            <a:r>
+              <a:rPr lang="en-US" sz="1200" dirty="0" smtClean="0"/>
+              <a:t>;</a:t>
+            </a:r>
+            <a:br>
+              <a:rPr lang="en-US" sz="1200" dirty="0" smtClean="0"/>
+            </a:br>
+            <a:r>
+              <a:rPr lang="en-US" sz="1200" dirty="0" smtClean="0"/>
+              <a:t>	</a:t>
+            </a:r>
+            <a:r>
+              <a:rPr lang="nl-NL" sz="1200" dirty="0" smtClean="0"/>
+              <a:t>temp </a:t>
+            </a:r>
+            <a:r>
+              <a:rPr lang="nl-NL" sz="1200" dirty="0"/>
+              <a:t>-= (4 + </a:t>
+            </a:r>
+            <a:r>
+              <a:rPr lang="nl-NL" sz="1200" dirty="0" err="1"/>
+              <a:t>dataSize</a:t>
+            </a:r>
+            <a:r>
+              <a:rPr lang="nl-NL" sz="1200" dirty="0"/>
+              <a:t>)</a:t>
+            </a:r>
+            <a:r>
+              <a:rPr lang="nl-NL" sz="1200" dirty="0" smtClean="0"/>
+              <a:t>;</a:t>
+            </a:r>
+          </a:p>
+          <a:p>
+            <a:pPr marL="0" indent="0">
+              <a:spcBef>
+                <a:spcPts val="800"/>
+              </a:spcBef>
+              <a:buNone/>
+            </a:pPr>
+            <a:r>
+              <a:rPr lang="en-US" sz="1000" dirty="0"/>
+              <a:t>A stack buffer overflow (underflow?) here</a:t>
+            </a:r>
+            <a:r>
+              <a:rPr lang="en-US" sz="1000" dirty="0" smtClean="0"/>
+              <a:t>:</a:t>
+            </a:r>
+          </a:p>
+          <a:p>
+            <a:pPr marL="0" indent="0">
+              <a:spcBef>
+                <a:spcPts val="800"/>
+              </a:spcBef>
+              <a:buNone/>
+            </a:pPr>
+            <a:r>
+              <a:rPr lang="en-US" sz="1000" dirty="0"/>
+              <a:t>            	</a:t>
+            </a:r>
+            <a:r>
+              <a:rPr lang="en-US" sz="1200" dirty="0" smtClean="0"/>
+              <a:t>while</a:t>
+            </a:r>
+            <a:r>
+              <a:rPr lang="en-US" sz="1200" dirty="0"/>
+              <a:t>(</a:t>
+            </a:r>
+            <a:r>
+              <a:rPr lang="en-US" sz="1200" dirty="0" err="1"/>
+              <a:t>dataSize</a:t>
+            </a:r>
+            <a:r>
+              <a:rPr lang="en-US" sz="1200" dirty="0"/>
+              <a:t>) </a:t>
+            </a:r>
+            <a:r>
+              <a:rPr lang="en-US" sz="1200" dirty="0" smtClean="0"/>
+              <a:t>{</a:t>
+            </a:r>
+            <a:br>
+              <a:rPr lang="en-US" sz="1200" dirty="0" smtClean="0"/>
+            </a:br>
+            <a:r>
+              <a:rPr lang="en-US" sz="1200" dirty="0"/>
+              <a:t>                 </a:t>
+            </a:r>
+            <a:r>
+              <a:rPr lang="en-US" sz="1200" dirty="0" smtClean="0"/>
+              <a:t>           	</a:t>
+            </a:r>
+            <a:r>
+              <a:rPr lang="en-US" sz="1200" dirty="0" err="1" smtClean="0"/>
+              <a:t>std</a:t>
+            </a:r>
+            <a:r>
+              <a:rPr lang="en-US" sz="1200" dirty="0"/>
+              <a:t>::</a:t>
+            </a:r>
+            <a:r>
+              <a:rPr lang="en-US" sz="1200" dirty="0" err="1"/>
+              <a:t>memset</a:t>
+            </a:r>
+            <a:r>
+              <a:rPr lang="en-US" sz="1200" dirty="0"/>
+              <a:t>(</a:t>
+            </a:r>
+            <a:r>
+              <a:rPr lang="en-US" sz="1200" dirty="0" err="1"/>
+              <a:t>buf.pData</a:t>
+            </a:r>
+            <a:r>
+              <a:rPr lang="en-US" sz="1200" dirty="0"/>
+              <a:t>_, 0x0, </a:t>
+            </a:r>
+            <a:r>
+              <a:rPr lang="en-US" sz="1200" dirty="0" err="1"/>
+              <a:t>buf.size</a:t>
+            </a:r>
+            <a:r>
+              <a:rPr lang="en-US" sz="1200" dirty="0"/>
+              <a:t>_)</a:t>
+            </a:r>
+            <a:r>
+              <a:rPr lang="en-US" sz="1200" dirty="0" smtClean="0"/>
+              <a:t>;</a:t>
+            </a:r>
+            <a:br>
+              <a:rPr lang="en-US" sz="1200" dirty="0" smtClean="0"/>
+            </a:br>
+            <a:r>
+              <a:rPr lang="en-US" sz="1200" dirty="0" smtClean="0"/>
+              <a:t>		</a:t>
+            </a:r>
+            <a:r>
+              <a:rPr lang="en-US" sz="1200" dirty="0" err="1" smtClean="0"/>
+              <a:t>io</a:t>
+            </a:r>
+            <a:r>
+              <a:rPr lang="en-US" sz="1200" dirty="0" smtClean="0"/>
+              <a:t>_</a:t>
+            </a:r>
+            <a:r>
+              <a:rPr lang="en-US" sz="1200" dirty="0"/>
+              <a:t>-&gt;read(</a:t>
+            </a:r>
+            <a:r>
+              <a:rPr lang="en-US" sz="1200" dirty="0" err="1"/>
+              <a:t>buf.pData</a:t>
+            </a:r>
+            <a:r>
+              <a:rPr lang="en-US" sz="1200" dirty="0"/>
+              <a:t>_, 1)</a:t>
+            </a:r>
+            <a:r>
+              <a:rPr lang="en-US" sz="1200" dirty="0" smtClean="0"/>
+              <a:t>;</a:t>
+            </a:r>
+            <a:br>
+              <a:rPr lang="en-US" sz="1200" dirty="0" smtClean="0"/>
+            </a:br>
+            <a:r>
+              <a:rPr lang="de-DE" sz="1200" dirty="0"/>
+              <a:t>                            </a:t>
+            </a:r>
+            <a:r>
+              <a:rPr lang="de-DE" sz="1200" dirty="0" smtClean="0"/>
+              <a:t>	</a:t>
+            </a:r>
+            <a:r>
+              <a:rPr lang="de-DE" sz="1200" dirty="0" err="1" smtClean="0"/>
+              <a:t>str</a:t>
+            </a:r>
+            <a:r>
+              <a:rPr lang="de-DE" sz="1200" dirty="0"/>
+              <a:t>[(4 - </a:t>
+            </a:r>
+            <a:r>
+              <a:rPr lang="de-DE" sz="1200" dirty="0" err="1"/>
+              <a:t>dataSize</a:t>
+            </a:r>
+            <a:r>
+              <a:rPr lang="de-DE" sz="1200" dirty="0"/>
+              <a:t>) * 2] = (</a:t>
+            </a:r>
+            <a:r>
+              <a:rPr lang="de-DE" sz="1200" dirty="0" err="1"/>
+              <a:t>char</a:t>
+            </a:r>
+            <a:r>
+              <a:rPr lang="de-DE" sz="1200" dirty="0"/>
+              <a:t>)(Exiv2::</a:t>
+            </a:r>
+            <a:r>
+              <a:rPr lang="de-DE" sz="1200" dirty="0" err="1"/>
+              <a:t>getULong</a:t>
+            </a:r>
+            <a:r>
+              <a:rPr lang="de-DE" sz="1200" dirty="0"/>
+              <a:t>(</a:t>
+            </a:r>
+            <a:r>
+              <a:rPr lang="de-DE" sz="1200" dirty="0" err="1"/>
+              <a:t>buf.pData</a:t>
+            </a:r>
+            <a:r>
+              <a:rPr lang="de-DE" sz="1200" dirty="0"/>
+              <a:t>_, </a:t>
+            </a:r>
+            <a:r>
+              <a:rPr lang="de-DE" sz="1200" dirty="0" err="1"/>
+              <a:t>littleEndian</a:t>
+            </a:r>
+            <a:r>
+              <a:rPr lang="de-DE" sz="1200" dirty="0"/>
+              <a:t>) + 48)</a:t>
+            </a:r>
+            <a:r>
+              <a:rPr lang="de-DE" sz="1200" dirty="0" smtClean="0"/>
+              <a:t>;</a:t>
+            </a:r>
+            <a:br>
+              <a:rPr lang="de-DE" sz="1200" dirty="0" smtClean="0"/>
+            </a:br>
+            <a:r>
+              <a:rPr lang="de-DE" sz="1200" dirty="0"/>
+              <a:t>                            </a:t>
+            </a:r>
+            <a:r>
+              <a:rPr lang="de-DE" sz="1200" dirty="0" smtClean="0"/>
+              <a:t>	-</a:t>
+            </a:r>
+            <a:r>
+              <a:rPr lang="de-DE" sz="1200" dirty="0"/>
+              <a:t>-</a:t>
+            </a:r>
+            <a:r>
+              <a:rPr lang="de-DE" sz="1200" dirty="0" err="1"/>
+              <a:t>dataSize</a:t>
+            </a:r>
+            <a:r>
+              <a:rPr lang="de-DE" sz="1200" dirty="0" smtClean="0"/>
+              <a:t>;</a:t>
+            </a:r>
+            <a:br>
+              <a:rPr lang="de-DE" sz="1200" dirty="0" smtClean="0"/>
+            </a:br>
+            <a:r>
+              <a:rPr lang="de-DE" sz="1200" dirty="0"/>
+              <a:t>             	</a:t>
+            </a:r>
+            <a:r>
+              <a:rPr lang="de-DE" sz="1200" dirty="0" smtClean="0"/>
+              <a:t>}</a:t>
+            </a:r>
+          </a:p>
+          <a:p>
+            <a:pPr marL="0" indent="0">
+              <a:buNone/>
+            </a:pPr>
+            <a:r>
+              <a:rPr lang="en-US" sz="1000" dirty="0"/>
+              <a:t>This pair is particularly nasty because the stack buffer overflow allows the address of the heap buffer to be partially overwritten, making it possible to write to other areas of memory, and because the stack is executable in certain libexiv2-based applications. With ASLR disabled, I can get full arbitrary code execution by using this to overwrite a </a:t>
+            </a:r>
+            <a:r>
+              <a:rPr lang="en-US" sz="1000" dirty="0" err="1"/>
+              <a:t>vtable</a:t>
+            </a:r>
+            <a:r>
+              <a:rPr lang="en-US" sz="1000" dirty="0"/>
+              <a:t> pointer, and I reckon it should be possible to exploit this on real systems with ASLR on (it's just really fiddly to do –</a:t>
+            </a:r>
+          </a:p>
+          <a:p>
+            <a:pPr marL="0" indent="0">
+              <a:spcBef>
+                <a:spcPts val="800"/>
+              </a:spcBef>
+              <a:buNone/>
+            </a:pPr>
+            <a:r>
+              <a:rPr lang="en-US" sz="1000" dirty="0"/>
+              <a:t>I believe there's another heap buffer overflow in the </a:t>
+            </a:r>
+            <a:r>
+              <a:rPr lang="en-US" sz="1000" dirty="0" err="1"/>
+              <a:t>AsfVideo</a:t>
+            </a:r>
+            <a:r>
+              <a:rPr lang="en-US" sz="1000" dirty="0"/>
+              <a:t>::</a:t>
+            </a:r>
+            <a:r>
+              <a:rPr lang="en-US" sz="1000" dirty="0" err="1"/>
+              <a:t>codecList</a:t>
+            </a:r>
+            <a:r>
+              <a:rPr lang="en-US" sz="1000" dirty="0"/>
+              <a:t> here:</a:t>
+            </a:r>
+          </a:p>
+          <a:p>
+            <a:pPr marL="0" indent="0">
+              <a:spcBef>
+                <a:spcPts val="800"/>
+              </a:spcBef>
+              <a:buNone/>
+            </a:pPr>
+            <a:r>
+              <a:rPr lang="en-US" sz="1000" dirty="0"/>
+              <a:t>            	</a:t>
+            </a:r>
+            <a:r>
+              <a:rPr lang="en-US" sz="1200" dirty="0" err="1"/>
+              <a:t>io</a:t>
+            </a:r>
+            <a:r>
+              <a:rPr lang="en-US" sz="1200" dirty="0"/>
+              <a:t>_-&gt;read(</a:t>
+            </a:r>
+            <a:r>
+              <a:rPr lang="en-US" sz="1200" dirty="0" err="1"/>
+              <a:t>buf.pData</a:t>
+            </a:r>
+            <a:r>
+              <a:rPr lang="en-US" sz="1200" dirty="0"/>
+              <a:t>_, 2);</a:t>
+            </a:r>
+            <a:br>
+              <a:rPr lang="en-US" sz="1200" dirty="0"/>
+            </a:br>
+            <a:r>
+              <a:rPr lang="en-US" sz="1200" dirty="0"/>
+              <a:t>            	</a:t>
+            </a:r>
+            <a:r>
+              <a:rPr lang="en-US" sz="1200" dirty="0" err="1"/>
+              <a:t>descLength</a:t>
+            </a:r>
+            <a:r>
+              <a:rPr lang="en-US" sz="1200" dirty="0"/>
+              <a:t> = Exiv2::</a:t>
+            </a:r>
+            <a:r>
+              <a:rPr lang="en-US" sz="1200" dirty="0" err="1"/>
+              <a:t>getUShort</a:t>
+            </a:r>
+            <a:r>
+              <a:rPr lang="en-US" sz="1200" dirty="0"/>
+              <a:t>(</a:t>
+            </a:r>
+            <a:r>
+              <a:rPr lang="en-US" sz="1200" dirty="0" err="1"/>
+              <a:t>buf.pData</a:t>
+            </a:r>
+            <a:r>
+              <a:rPr lang="en-US" sz="1200" dirty="0"/>
+              <a:t>_, </a:t>
+            </a:r>
+            <a:r>
+              <a:rPr lang="en-US" sz="1200" dirty="0" err="1"/>
+              <a:t>littleEndian</a:t>
+            </a:r>
+            <a:r>
+              <a:rPr lang="en-US" sz="1200" dirty="0"/>
+              <a:t>) * 2;</a:t>
+            </a:r>
+            <a:br>
+              <a:rPr lang="en-US" sz="1200" dirty="0"/>
+            </a:br>
+            <a:r>
+              <a:rPr lang="en-US" sz="1200" dirty="0"/>
+              <a:t>           	</a:t>
+            </a:r>
+            <a:r>
+              <a:rPr lang="en-US" sz="1200" dirty="0" err="1" smtClean="0"/>
+              <a:t>io</a:t>
+            </a:r>
+            <a:r>
+              <a:rPr lang="en-US" sz="1200" dirty="0" smtClean="0"/>
+              <a:t>_</a:t>
+            </a:r>
+            <a:r>
+              <a:rPr lang="en-US" sz="1200" dirty="0"/>
+              <a:t>-&gt;read(</a:t>
+            </a:r>
+            <a:r>
+              <a:rPr lang="en-US" sz="1200" dirty="0" err="1"/>
+              <a:t>buf.pData</a:t>
+            </a:r>
+            <a:r>
+              <a:rPr lang="en-US" sz="1200" dirty="0"/>
+              <a:t>_, </a:t>
+            </a:r>
+            <a:r>
+              <a:rPr lang="en-US" sz="1200" dirty="0" err="1"/>
+              <a:t>descLength</a:t>
+            </a:r>
+            <a:r>
+              <a:rPr lang="en-US" sz="1200" dirty="0"/>
+              <a:t>);</a:t>
+            </a:r>
+          </a:p>
+          <a:p>
+            <a:pPr marL="0" indent="0">
+              <a:spcBef>
+                <a:spcPts val="800"/>
+              </a:spcBef>
+              <a:buNone/>
+            </a:pPr>
+            <a:endParaRPr lang="en-US" sz="1000" dirty="0" smtClean="0"/>
+          </a:p>
+          <a:p>
+            <a:pPr marL="0" indent="0">
+              <a:spcBef>
+                <a:spcPts val="800"/>
+              </a:spcBef>
+              <a:buNone/>
+            </a:pPr>
+            <a:endParaRPr lang="en-US" dirty="0" smtClean="0"/>
+          </a:p>
+        </p:txBody>
+      </p:sp>
+      <p:sp>
+        <p:nvSpPr>
+          <p:cNvPr id="6" name="Date Placeholder 5"/>
+          <p:cNvSpPr>
+            <a:spLocks noGrp="1"/>
+          </p:cNvSpPr>
+          <p:nvPr>
+            <p:ph type="dt" sz="half" idx="10"/>
+          </p:nvPr>
+        </p:nvSpPr>
+        <p:spPr/>
+        <p:txBody>
+          <a:bodyPr/>
+          <a:lstStyle/>
+          <a:p>
+            <a:fld id="{12824A3B-A608-3947-81FA-B42F5DA9341C}" type="datetime8">
+              <a:rPr lang="en-GB" smtClean="0"/>
+              <a:t>22-Apr-2015 23:12</a:t>
+            </a:fld>
+            <a:endParaRPr lang="en-US"/>
+          </a:p>
+        </p:txBody>
+      </p:sp>
+      <p:sp>
+        <p:nvSpPr>
+          <p:cNvPr id="7" name="Footer Placeholder 6"/>
+          <p:cNvSpPr>
+            <a:spLocks noGrp="1"/>
+          </p:cNvSpPr>
+          <p:nvPr>
+            <p:ph type="ftr" sz="quarter" idx="11"/>
+          </p:nvPr>
+        </p:nvSpPr>
+        <p:spPr/>
+        <p:txBody>
+          <a:bodyPr/>
+          <a:lstStyle/>
+          <a:p>
+            <a:r>
+              <a:rPr lang="en-US" smtClean="0"/>
+              <a:t>Exiv2-v0.24.1</a:t>
+            </a:r>
+            <a:endParaRPr lang="en-US"/>
+          </a:p>
+        </p:txBody>
+      </p:sp>
+      <p:sp>
+        <p:nvSpPr>
+          <p:cNvPr id="8" name="Slide Number Placeholder 7"/>
+          <p:cNvSpPr>
+            <a:spLocks noGrp="1"/>
+          </p:cNvSpPr>
+          <p:nvPr>
+            <p:ph type="sldNum" sz="quarter" idx="12"/>
+          </p:nvPr>
+        </p:nvSpPr>
+        <p:spPr/>
+        <p:txBody>
+          <a:bodyPr/>
+          <a:lstStyle/>
+          <a:p>
+            <a:fld id="{93E4AAA4-6363-4581-962D-1ACCC2D600C5}" type="slidenum">
+              <a:rPr lang="en-US" smtClean="0"/>
+              <a:t>4</a:t>
+            </a:fld>
+            <a:endParaRPr lang="en-US"/>
+          </a:p>
+        </p:txBody>
+      </p:sp>
+      <p:pic>
+        <p:nvPicPr>
+          <p:cNvPr id="9" name="Picture 8" descr="Exiv2Logo.png"/>
+          <p:cNvPicPr>
+            <a:picLocks noChangeAspect="1"/>
+          </p:cNvPicPr>
+          <p:nvPr/>
+        </p:nvPicPr>
+        <p:blipFill>
+          <a:blip r:embed="rId2">
+            <a:extLst>
+              <a:ext uri="{28A0092B-C50C-407E-A947-70E740481C1C}">
+                <a14:useLocalDpi xmlns:a14="http://schemas.microsoft.com/office/drawing/2010/main" val="0"/>
+              </a:ext>
+            </a:extLst>
+          </a:blip>
+          <a:stretch>
+            <a:fillRect/>
+          </a:stretch>
+        </p:blipFill>
+        <p:spPr>
+          <a:xfrm>
+            <a:off x="6734049" y="420061"/>
+            <a:ext cx="2032000" cy="1231900"/>
+          </a:xfrm>
+          <a:prstGeom prst="rect">
+            <a:avLst/>
+          </a:prstGeom>
+        </p:spPr>
+      </p:pic>
+    </p:spTree>
+    <p:extLst>
+      <p:ext uri="{BB962C8B-B14F-4D97-AF65-F5344CB8AC3E}">
+        <p14:creationId xmlns:p14="http://schemas.microsoft.com/office/powerpoint/2010/main" val="98715557"/>
+      </p:ext>
+    </p:extLst>
+  </p:cSld>
+  <p:clrMapOvr>
+    <a:masterClrMapping/>
+  </p:clrMapOvr>
+</p:sld>
+</file>
+
+<file path=ppt/slides/slide5.xml><?xml version="1.0" encoding="utf-8"?>
+<p:sld xmlns:a="http://schemas.openxmlformats.org/drawingml/2006/main" xmlns:r="http://schemas.openxmlformats.org/officeDocument/2006/relationships" xmlns:p="http://schemas.openxmlformats.org/presentationml/2006/main">
+  <p:cSld>
+    <p:spTree>
+      <p:nvGrpSpPr>
+        <p:cNvPr id="1" name=""/>
+        <p:cNvGrpSpPr/>
+        <p:nvPr/>
+      </p:nvGrpSpPr>
+      <p:grpSpPr>
+        <a:xfrm>
+          <a:off x="0" y="0"/>
+          <a:ext cx="0" cy="0"/>
+          <a:chOff x="0" y="0"/>
+          <a:chExt cx="0" cy="0"/>
+        </a:xfrm>
+      </p:grpSpPr>
+      <p:sp>
+        <p:nvSpPr>
+          <p:cNvPr id="2" name="Title 1"/>
+          <p:cNvSpPr>
+            <a:spLocks noGrp="1"/>
+          </p:cNvSpPr>
+          <p:nvPr>
+            <p:ph type="title"/>
+          </p:nvPr>
+        </p:nvSpPr>
+        <p:spPr/>
+        <p:txBody>
+          <a:bodyPr/>
+          <a:lstStyle/>
+          <a:p>
+            <a:r>
+              <a:rPr lang="en-US" dirty="0" smtClean="0"/>
+              <a:t>Current </a:t>
+            </a:r>
+            <a:r>
+              <a:rPr lang="en-US" dirty="0" smtClean="0"/>
+              <a:t>Situation</a:t>
+            </a:r>
+            <a:endParaRPr lang="en-US" dirty="0"/>
+          </a:p>
+        </p:txBody>
+      </p:sp>
+      <p:sp>
+        <p:nvSpPr>
+          <p:cNvPr id="3" name="Content Placeholder 2"/>
+          <p:cNvSpPr>
+            <a:spLocks noGrp="1"/>
+          </p:cNvSpPr>
+          <p:nvPr>
+            <p:ph idx="1"/>
+          </p:nvPr>
+        </p:nvSpPr>
+        <p:spPr/>
+        <p:txBody>
+          <a:bodyPr>
+            <a:normAutofit/>
+          </a:bodyPr>
+          <a:lstStyle/>
+          <a:p>
+            <a:r>
+              <a:rPr lang="en-US" dirty="0" smtClean="0"/>
+              <a:t>Robin has offered that Exiv2 will produce a dot release</a:t>
+            </a:r>
+          </a:p>
+          <a:p>
+            <a:r>
+              <a:rPr lang="en-US" dirty="0" smtClean="0"/>
+              <a:t>This meeting should decide on our actions:</a:t>
+            </a:r>
+            <a:br>
+              <a:rPr lang="en-US" dirty="0" smtClean="0"/>
+            </a:br>
+            <a:r>
+              <a:rPr lang="en-US" dirty="0" smtClean="0"/>
+              <a:t>1	Who will ‘own’ this matter</a:t>
+            </a:r>
+            <a:br>
+              <a:rPr lang="en-US" dirty="0" smtClean="0"/>
+            </a:br>
+            <a:r>
+              <a:rPr lang="en-US" dirty="0" smtClean="0"/>
+              <a:t>2	Who will conduct the discussion with KDE</a:t>
+            </a:r>
+            <a:br>
+              <a:rPr lang="en-US" dirty="0" smtClean="0"/>
+            </a:br>
+            <a:r>
+              <a:rPr lang="en-US" dirty="0" smtClean="0"/>
+              <a:t>3	Options to address this matter</a:t>
+            </a:r>
+            <a:br>
+              <a:rPr lang="en-US" dirty="0" smtClean="0"/>
+            </a:br>
+            <a:r>
+              <a:rPr lang="en-US" dirty="0" smtClean="0"/>
+              <a:t>4	Assignments to Team Members</a:t>
+            </a:r>
+            <a:r>
+              <a:rPr lang="en-US" dirty="0"/>
+              <a:t/>
+            </a:r>
+            <a:br>
+              <a:rPr lang="en-US" dirty="0"/>
+            </a:br>
+            <a:r>
+              <a:rPr lang="en-US" dirty="0" smtClean="0"/>
+              <a:t>5	Schedule</a:t>
+            </a:r>
+          </a:p>
+          <a:p>
+            <a:r>
+              <a:rPr lang="en-US" dirty="0" smtClean="0"/>
+              <a:t>Caution:</a:t>
+            </a:r>
+            <a:br>
+              <a:rPr lang="en-US" dirty="0" smtClean="0"/>
+            </a:br>
+            <a:r>
+              <a:rPr lang="en-US" dirty="0" smtClean="0"/>
+              <a:t>We will discuss assignments and schedules today</a:t>
+            </a:r>
+            <a:br>
+              <a:rPr lang="en-US" dirty="0" smtClean="0"/>
+            </a:br>
+            <a:r>
+              <a:rPr lang="en-US" dirty="0" smtClean="0"/>
+              <a:t>We will review them in response to KDE feedback</a:t>
+            </a:r>
           </a:p>
         </p:txBody>
       </p:sp>
@@ -6614,9 +7946,9 @@
           <a:bodyPr/>
           <a:lstStyle/>
           <a:p>
-            <a:fld id="{E6B5324F-4486-2849-B445-126A99F33717}" type="datetime8">
+            <a:fld id="{5379D298-6F44-4A45-8706-E97D04C346BD}" type="datetime8">
               <a:rPr lang="en-GB" smtClean="0"/>
-              <a:t>22-Apr-2015 20:18</a:t>
+              <a:t>22-Apr-2015 23:02</a:t>
             </a:fld>
             <a:endParaRPr lang="en-US"/>
           </a:p>
@@ -6662,7 +7994,7 @@
           <a:p>
             <a:fld id="{93E4AAA4-6363-4581-962D-1ACCC2D600C5}" type="slidenum">
               <a:rPr lang="en-US" smtClean="0"/>
-              <a:t>2</a:t>
+              <a:t>5</a:t>
             </a:fld>
             <a:endParaRPr lang="en-US"/>
           </a:p>
@@ -6671,7 +8003,7 @@
     </p:spTree>
     <p:extLst>
       <p:ext uri="{BB962C8B-B14F-4D97-AF65-F5344CB8AC3E}">
-        <p14:creationId xmlns:p14="http://schemas.microsoft.com/office/powerpoint/2010/main" val="298220399"/>
+        <p14:creationId xmlns:p14="http://schemas.microsoft.com/office/powerpoint/2010/main" val="2648333421"/>
       </p:ext>
     </p:extLst>
   </p:cSld>
@@ -6681,7 +8013,7 @@
 </p:sld>
 </file>
 
-<file path=ppt/slides/slide3.xml><?xml version="1.0" encoding="utf-8"?>
+<file path=ppt/slides/slide6.xml><?xml version="1.0" encoding="utf-8"?>
 <p:sld xmlns:a="http://schemas.openxmlformats.org/drawingml/2006/main" xmlns:r="http://schemas.openxmlformats.org/officeDocument/2006/relationships" xmlns:p="http://schemas.openxmlformats.org/presentationml/2006/main">
   <p:cSld>
     <p:spTree>
@@ -6715,7 +8047,7 @@
           <a:p>
             <a:r>
               <a:rPr lang="en-US" dirty="0" smtClean="0"/>
-              <a:t>Meeting Objective</a:t>
+              <a:t>Analysis of Security Issue</a:t>
             </a:r>
             <a:endParaRPr lang="en-US" dirty="0"/>
           </a:p>
@@ -6734,72 +8066,144 @@
         <p:spPr/>
         <p:txBody>
           <a:bodyPr>
-            <a:normAutofit/>
+            <a:normAutofit lnSpcReduction="10000"/>
           </a:bodyPr>
           <a:lstStyle/>
           <a:p>
             <a:r>
-              <a:rPr lang="en-US" dirty="0" smtClean="0"/>
-              <a:t>To decide how to address KDE’s Security Issue</a:t>
-            </a:r>
-          </a:p>
-          <a:p>
-            <a:r>
-              <a:rPr lang="en-US" dirty="0" smtClean="0"/>
-              <a:t>*** No other meeting objective ***</a:t>
-            </a:r>
-          </a:p>
-          <a:p>
-            <a:r>
-              <a:rPr lang="en-US" dirty="0" smtClean="0"/>
-              <a:t>Duration: 1 hour maximum</a:t>
-            </a:r>
-          </a:p>
-          <a:p>
-            <a:r>
-              <a:rPr lang="en-US" dirty="0" smtClean="0"/>
-              <a:t>No finger pointing, blaming or complaining</a:t>
-            </a:r>
-          </a:p>
-          <a:p>
-            <a:r>
-              <a:rPr lang="en-US" dirty="0" smtClean="0"/>
-              <a:t>Other useful discussion items if time permits:</a:t>
+              <a:rPr lang="en-US" dirty="0"/>
+              <a:t>I</a:t>
+            </a:r>
+            <a:r>
+              <a:rPr lang="en-US" dirty="0" smtClean="0"/>
+              <a:t>solate video code behind non-default build option</a:t>
             </a:r>
             <a:br>
               <a:rPr lang="en-US" dirty="0" smtClean="0"/>
             </a:br>
             <a:r>
               <a:rPr lang="en-US" dirty="0" smtClean="0"/>
-              <a:t>Introduce new team members</a:t>
+              <a:t>(as already done for </a:t>
+            </a:r>
+            <a:r>
+              <a:rPr lang="en-US" dirty="0" err="1" smtClean="0"/>
+              <a:t>webready</a:t>
+            </a:r>
+            <a:r>
+              <a:rPr lang="en-US" dirty="0" smtClean="0"/>
+              <a:t> in v0.25)</a:t>
+            </a:r>
+          </a:p>
+          <a:p>
+            <a:r>
+              <a:rPr lang="en-US" dirty="0"/>
+              <a:t>V</a:t>
+            </a:r>
+            <a:r>
+              <a:rPr lang="en-US" dirty="0" smtClean="0"/>
+              <a:t>ideo code requires simplification:</a:t>
             </a:r>
             <a:br>
               <a:rPr lang="en-US" dirty="0" smtClean="0"/>
             </a:br>
             <a:r>
               <a:rPr lang="en-US" dirty="0" smtClean="0"/>
-              <a:t>Discuss v0.25</a:t>
+              <a:t>- refactoring into functions</a:t>
             </a:r>
             <a:br>
               <a:rPr lang="en-US" dirty="0" smtClean="0"/>
             </a:br>
             <a:r>
               <a:rPr lang="en-US" dirty="0" smtClean="0"/>
-              <a:t>Discuss v0.26</a:t>
+              <a:t>- constants defined using </a:t>
+            </a:r>
+            <a:r>
+              <a:rPr lang="en-US" dirty="0" err="1" smtClean="0"/>
+              <a:t>enums</a:t>
+            </a:r>
+            <a:r>
+              <a:rPr lang="en-US" dirty="0" smtClean="0"/>
+              <a:t> in headers</a:t>
             </a:r>
             <a:br>
               <a:rPr lang="en-US" dirty="0" smtClean="0"/>
             </a:br>
             <a:r>
               <a:rPr lang="en-US" dirty="0" smtClean="0"/>
-              <a:t>Discuss the Exiv2 Logo Project</a:t>
-            </a:r>
+              <a:t>- implement code review recommendations</a:t>
+            </a:r>
+            <a:br>
+              <a:rPr lang="en-US" dirty="0" smtClean="0"/>
+            </a:br>
+            <a:r>
+              <a:rPr lang="en-US" dirty="0" smtClean="0"/>
+              <a:t>- test HUGE (&gt; 3.2G) video files over http</a:t>
+            </a:r>
+          </a:p>
+          <a:p>
+            <a:r>
+              <a:rPr lang="en-US" dirty="0" smtClean="0"/>
+              <a:t>Harden video </a:t>
+            </a:r>
+            <a:r>
+              <a:rPr lang="en-US" dirty="0"/>
+              <a:t>code </a:t>
+            </a:r>
+            <a:r>
+              <a:rPr lang="en-US" dirty="0" smtClean="0"/>
+              <a:t>to resist suspicious files</a:t>
+            </a:r>
+          </a:p>
+          <a:p>
+            <a:r>
+              <a:rPr lang="en-US" dirty="0" smtClean="0"/>
+              <a:t>Lever </a:t>
+            </a:r>
+            <a:r>
+              <a:rPr lang="en-US" dirty="0" err="1" smtClean="0"/>
+              <a:t>webready</a:t>
+            </a:r>
+            <a:r>
+              <a:rPr lang="en-US" dirty="0" smtClean="0"/>
+              <a:t> to test HUGE video files</a:t>
+            </a:r>
+            <a:br>
+              <a:rPr lang="en-US" dirty="0" smtClean="0"/>
+            </a:br>
+            <a:r>
+              <a:rPr lang="en-US" dirty="0" smtClean="0"/>
+              <a:t>- to stress test video </a:t>
+            </a:r>
+            <a:r>
+              <a:rPr lang="en-US" b="1" i="1" dirty="0" smtClean="0"/>
+              <a:t>AND</a:t>
+            </a:r>
+            <a:r>
+              <a:rPr lang="en-US" dirty="0" smtClean="0"/>
+              <a:t> </a:t>
+            </a:r>
+            <a:r>
+              <a:rPr lang="en-US" dirty="0" err="1" smtClean="0"/>
+              <a:t>webready</a:t>
+            </a:r>
+            <a:r>
+              <a:rPr lang="en-US" dirty="0" smtClean="0"/>
+              <a:t/>
+            </a:r>
+            <a:br>
+              <a:rPr lang="en-US" dirty="0" smtClean="0"/>
+            </a:br>
+            <a:r>
+              <a:rPr lang="en-US" dirty="0" smtClean="0"/>
+              <a:t>- to not increase the size of the tar-ball</a:t>
+            </a:r>
+            <a:endParaRPr lang="en-US" dirty="0"/>
           </a:p>
         </p:txBody>
       </p:sp>
       <p:pic>
         <p:nvPicPr>
-          <p:cNvPr id="6" name="Picture 5" descr="Exiv2Logo.png"/>
+          <p:cNvPr id="4" name="Picture 3" descr="Exiv2Logo.png"/>
           <p:cNvPicPr>
             <a:picLocks noChangeAspect="1"/>
           </p:cNvPicPr>
@@ -6829,7 +8233,7 @@
       </p:pic>
       <p:sp>
         <p:nvSpPr>
-          <p:cNvPr id="4" name="Date Placeholder 3"/>
+          <p:cNvPr id="5" name="Date Placeholder 4"/>
           <p:cNvSpPr>
             <a:spLocks noGrp="1"/>
           </p:cNvSpPr>
@@ -6842,9 +8246,9 @@
           <a:bodyPr/>
           <a:lstStyle/>
           <a:p>
-            <a:fld id="{12B447A4-3CD3-0243-900F-09A087B85CA8}" type="datetime8">
+            <a:fld id="{A23348B8-C2FC-BD41-B270-BEDAFEEE35DB}" type="datetime8">
               <a:rPr lang="en-GB" smtClean="0"/>
-              <a:t>22-Apr-2015 20:18</a:t>
+              <a:t>22-Apr-2015 23:02</a:t>
             </a:fld>
             <a:endParaRPr lang="en-US"/>
           </a:p>
@@ -6852,7 +8256,7 @@
       </p:sp>
       <p:sp>
         <p:nvSpPr>
-          <p:cNvPr id="7" name="Footer Placeholder 6"/>
+          <p:cNvPr id="6" name="Footer Placeholder 5"/>
           <p:cNvSpPr>
             <a:spLocks noGrp="1"/>
           </p:cNvSpPr>
@@ -6866,16 +8270,16 @@
           <a:lstStyle/>
           <a:p>
             <a:r>
-              <a:rPr lang="en-US" smtClean="0"/>
+              <a:rPr lang="en-US" dirty="0" smtClean="0"/>
               <a:t>Exiv2-v0.24.1</a:t>
             </a:r>
-            <a:endParaRPr lang="en-US"/>
-          </a:p>
-        </p:txBody>
-      </p:sp>
-      <p:sp>
-        <p:nvSpPr>
-          <p:cNvPr id="8" name="Slide Number Placeholder 7"/>
+            <a:endParaRPr lang="en-US" dirty="0"/>
+          </a:p>
+        </p:txBody>
+      </p:sp>
+      <p:sp>
+        <p:nvSpPr>
+          <p:cNvPr id="7" name="Slide Number Placeholder 6"/>
           <p:cNvSpPr>
             <a:spLocks noGrp="1"/>
           </p:cNvSpPr>
@@ -6890,7 +8294,7 @@
           <a:p>
             <a:fld id="{93E4AAA4-6363-4581-962D-1ACCC2D600C5}" type="slidenum">
               <a:rPr lang="en-US" smtClean="0"/>
-              <a:t>3</a:t>
+              <a:t>6</a:t>
             </a:fld>
             <a:endParaRPr lang="en-US"/>
           </a:p>
@@ -6899,7 +8303,7 @@
     </p:spTree>
     <p:extLst>
       <p:ext uri="{BB962C8B-B14F-4D97-AF65-F5344CB8AC3E}">
-        <p14:creationId xmlns:p14="http://schemas.microsoft.com/office/powerpoint/2010/main" val="3558853626"/>
+        <p14:creationId xmlns:p14="http://schemas.microsoft.com/office/powerpoint/2010/main" val="2085293242"/>
       </p:ext>
     </p:extLst>
   </p:cSld>
@@ -6909,7 +8313,7 @@
 </p:sld>
 </file>
 
-<file path=ppt/slides/slide4.xml><?xml version="1.0" encoding="utf-8"?>
+<file path=ppt/slides/slide7.xml><?xml version="1.0" encoding="utf-8"?>
 <p:sld xmlns:a="http://schemas.openxmlformats.org/drawingml/2006/main" xmlns:r="http://schemas.openxmlformats.org/officeDocument/2006/relationships" xmlns:p="http://schemas.openxmlformats.org/presentationml/2006/main">
   <p:cSld>
     <p:spTree>
@@ -6943,693 +8347,741 @@
           <a:p>
             <a:r>
               <a:rPr lang="en-US" dirty="0" smtClean="0"/>
-              <a:t>KDE Security </a:t>
-            </a:r>
+              <a:t>Options for v0.24.1</a:t>
+            </a:r>
+            <a:endParaRPr lang="en-US" dirty="0"/>
+          </a:p>
+        </p:txBody>
+      </p:sp>
+      <p:sp>
+        <p:nvSpPr>
+          <p:cNvPr id="3" name="Content Placeholder 2"/>
+          <p:cNvSpPr>
+            <a:spLocks noGrp="1"/>
+          </p:cNvSpPr>
+          <p:nvPr>
+            <p:ph idx="1"/>
+          </p:nvPr>
+        </p:nvSpPr>
+        <p:spPr/>
+        <p:txBody>
+          <a:bodyPr>
+            <a:normAutofit fontScale="92500" lnSpcReduction="10000"/>
+          </a:bodyPr>
+          <a:lstStyle/>
+          <a:p>
             <a:r>
               <a:rPr lang="en-US" dirty="0"/>
-              <a:t>Issue </a:t>
-            </a:r>
-            <a:r>
-              <a:rPr lang="en-US" dirty="0" smtClean="0"/>
+              <a:t>The video code should </a:t>
+            </a:r>
+            <a:r>
+              <a:rPr lang="en-US" dirty="0" smtClean="0"/>
+              <a:t>be either:</a:t>
+            </a:r>
+            <a:br>
+              <a:rPr lang="en-US" dirty="0" smtClean="0"/>
+            </a:br>
+            <a:r>
+              <a:rPr lang="en-US" dirty="0" smtClean="0"/>
+              <a:t>1) </a:t>
+            </a:r>
+            <a:r>
+              <a:rPr lang="en-US" dirty="0"/>
+              <a:t>declared “experimental” and not built by </a:t>
+            </a:r>
+            <a:r>
+              <a:rPr lang="en-US" dirty="0" smtClean="0"/>
+              <a:t>default</a:t>
+            </a:r>
+            <a:br>
+              <a:rPr lang="en-US" dirty="0" smtClean="0"/>
+            </a:br>
+            <a:r>
+              <a:rPr lang="en-US" dirty="0" smtClean="0"/>
+              <a:t>2) removed and reintroduced in v0.26 (or later)</a:t>
+            </a:r>
+          </a:p>
+          <a:p>
+            <a:r>
+              <a:rPr lang="en-US" dirty="0" smtClean="0"/>
+              <a:t>Start with v0.24</a:t>
+            </a:r>
+            <a:br>
+              <a:rPr lang="en-US" dirty="0" smtClean="0"/>
+            </a:br>
+            <a:r>
+              <a:rPr lang="en-US" dirty="0" smtClean="0"/>
+              <a:t>- do as little work as possible to isolate the video code</a:t>
+            </a:r>
+            <a:br>
+              <a:rPr lang="en-US" dirty="0" smtClean="0"/>
+            </a:br>
+            <a:r>
+              <a:rPr lang="en-US" dirty="0" smtClean="0"/>
+              <a:t>- add selected trunk fixes (such as maker notes)</a:t>
+            </a:r>
+            <a:br>
+              <a:rPr lang="en-US" dirty="0" smtClean="0"/>
+            </a:br>
+            <a:r>
+              <a:rPr lang="en-US" dirty="0" smtClean="0"/>
+              <a:t>This can be done quickly if the selection is small</a:t>
+            </a:r>
+            <a:br>
+              <a:rPr lang="en-US" dirty="0" smtClean="0"/>
+            </a:br>
+            <a:r>
+              <a:rPr lang="en-US" dirty="0" smtClean="0"/>
+              <a:t>Time Guestimate:	2 weeks </a:t>
+            </a:r>
+          </a:p>
+          <a:p>
+            <a:r>
+              <a:rPr lang="en-US" dirty="0" smtClean="0"/>
+              <a:t>Forget v0.24.1.  Go directly to Release v0.25</a:t>
+            </a:r>
+            <a:br>
+              <a:rPr lang="en-US" dirty="0" smtClean="0"/>
+            </a:br>
+            <a:r>
+              <a:rPr lang="en-US" dirty="0" smtClean="0"/>
+              <a:t>- isolate the video-read code</a:t>
+            </a:r>
+            <a:br>
+              <a:rPr lang="en-US" dirty="0" smtClean="0"/>
+            </a:br>
+            <a:r>
+              <a:rPr lang="en-US" dirty="0" smtClean="0"/>
+              <a:t>This cannot be done quickly.  v0.25 has lots of new code (</a:t>
+            </a:r>
+            <a:r>
+              <a:rPr lang="en-US" dirty="0" err="1" smtClean="0"/>
+              <a:t>webready</a:t>
+            </a:r>
+            <a:r>
+              <a:rPr lang="en-US" dirty="0" smtClean="0"/>
+              <a:t>), many bug fixes and new features</a:t>
+            </a:r>
+            <a:br>
+              <a:rPr lang="en-US" dirty="0" smtClean="0"/>
+            </a:br>
+            <a:r>
+              <a:rPr lang="en-US" dirty="0" smtClean="0"/>
+              <a:t>Time Guestimate: 	Unknown </a:t>
+            </a:r>
+            <a:endParaRPr lang="en-US" dirty="0"/>
+          </a:p>
+          <a:p>
+            <a:endParaRPr lang="en-US" dirty="0"/>
+          </a:p>
+        </p:txBody>
+      </p:sp>
+      <p:pic>
+        <p:nvPicPr>
+          <p:cNvPr id="4" name="Picture 3" descr="Exiv2Logo.png"/>
+          <p:cNvPicPr>
+            <a:picLocks noChangeAspect="1"/>
+          </p:cNvPicPr>
+          <p:nvPr/>
+        </p:nvPicPr>
+        <p:blipFill>
+          <a:blip r:embed="rId2">
+            <a:extLst>
+              <a:ext uri="{28A0092B-C50C-407E-A947-70E740481C1C}">
+                <a14:useLocalDpi xmlns:a14="http://schemas.microsoft.com/office/drawing/2010/main" val="0"/>
+              </a:ext>
+            </a:extLst>
+          </a:blip>
+          <a:stretch>
+            <a:fillRect/>
+          </a:stretch>
+        </p:blipFill>
+        <p:spPr>
+          <a:xfrm>
+            <a:off x="6734049" y="420061"/>
+            <a:ext cx="2032000" cy="1231900"/>
+          </a:xfrm>
+          <a:prstGeom prst="rect">
+            <a:avLst/>
+          </a:prstGeom>
+        </p:spPr>
+      </p:pic>
+      <p:sp>
+        <p:nvSpPr>
+          <p:cNvPr id="5" name="Date Placeholder 4"/>
+          <p:cNvSpPr>
+            <a:spLocks noGrp="1"/>
+          </p:cNvSpPr>
+          <p:nvPr>
+            <p:ph type="dt" sz="half" idx="10"/>
+          </p:nvPr>
+        </p:nvSpPr>
+        <p:spPr/>
+        <p:txBody>
+          <a:bodyPr/>
+          <a:lstStyle/>
+          <a:p>
+            <a:fld id="{0FE6EDA9-5A32-FE44-8CF4-C32B08FF5187}" type="datetime8">
+              <a:rPr lang="en-GB" smtClean="0"/>
+              <a:t>22-Apr-2015 23:02</a:t>
+            </a:fld>
+            <a:endParaRPr lang="en-US"/>
+          </a:p>
+        </p:txBody>
+      </p:sp>
+      <p:sp>
+        <p:nvSpPr>
+          <p:cNvPr id="6" name="Footer Placeholder 5"/>
+          <p:cNvSpPr>
+            <a:spLocks noGrp="1"/>
+          </p:cNvSpPr>
+          <p:nvPr>
+            <p:ph type="ftr" sz="quarter" idx="11"/>
+          </p:nvPr>
+        </p:nvSpPr>
+        <p:spPr/>
+        <p:txBody>
+          <a:bodyPr/>
+          <a:lstStyle/>
+          <a:p>
+            <a:r>
+              <a:rPr lang="en-US" smtClean="0"/>
+              <a:t>Exiv2-v0.24.1</a:t>
+            </a:r>
+            <a:endParaRPr lang="en-US"/>
+          </a:p>
+        </p:txBody>
+      </p:sp>
+      <p:sp>
+        <p:nvSpPr>
+          <p:cNvPr id="7" name="Slide Number Placeholder 6"/>
+          <p:cNvSpPr>
+            <a:spLocks noGrp="1"/>
+          </p:cNvSpPr>
+          <p:nvPr>
+            <p:ph type="sldNum" sz="quarter" idx="12"/>
+          </p:nvPr>
+        </p:nvSpPr>
+        <p:spPr/>
+        <p:txBody>
+          <a:bodyPr/>
+          <a:lstStyle/>
+          <a:p>
+            <a:fld id="{93E4AAA4-6363-4581-962D-1ACCC2D600C5}" type="slidenum">
+              <a:rPr lang="en-US" smtClean="0"/>
+              <a:t>7</a:t>
+            </a:fld>
+            <a:endParaRPr lang="en-US"/>
+          </a:p>
+        </p:txBody>
+      </p:sp>
+    </p:spTree>
+    <p:extLst>
+      <p:ext uri="{BB962C8B-B14F-4D97-AF65-F5344CB8AC3E}">
+        <p14:creationId xmlns:p14="http://schemas.microsoft.com/office/powerpoint/2010/main" val="842085545"/>
+      </p:ext>
+    </p:extLst>
+  </p:cSld>
+  <p:clrMapOvr>
+    <a:masterClrMapping/>
+  </p:clrMapOvr>
+</p:sld>
+</file>
+
+<file path=ppt/slides/slide8.xml><?xml version="1.0" encoding="utf-8"?>
+<p:sld xmlns:a="http://schemas.openxmlformats.org/drawingml/2006/main" xmlns:r="http://schemas.openxmlformats.org/officeDocument/2006/relationships" xmlns:p="http://schemas.openxmlformats.org/presentationml/2006/main">
+  <p:cSld>
+    <p:spTree>
+      <p:nvGrpSpPr>
+        <p:cNvPr id="1" name=""/>
+        <p:cNvGrpSpPr/>
+        <p:nvPr/>
+      </p:nvGrpSpPr>
+      <p:grpSpPr>
+        <a:xfrm>
+          <a:off x="0" y="0"/>
+          <a:ext cx="0" cy="0"/>
+          <a:chOff x="0" y="0"/>
+          <a:chExt cx="0" cy="0"/>
+        </a:xfrm>
+      </p:grpSpPr>
+      <p:sp>
+        <p:nvSpPr>
+          <p:cNvPr id="2" name="Title 1"/>
+          <p:cNvSpPr>
+            <a:spLocks noGrp="1"/>
+          </p:cNvSpPr>
+          <p:nvPr>
+            <p:ph type="title"/>
+          </p:nvPr>
+        </p:nvSpPr>
+        <p:spPr/>
+        <p:txBody>
+          <a:bodyPr/>
+          <a:lstStyle/>
+          <a:p>
+            <a:r>
+              <a:rPr lang="en-US" dirty="0" smtClean="0"/>
+              <a:t>Exiv2 Project Status</a:t>
+            </a:r>
+            <a:endParaRPr lang="en-US" dirty="0"/>
+          </a:p>
+        </p:txBody>
+      </p:sp>
+      <p:sp>
+        <p:nvSpPr>
+          <p:cNvPr id="3" name="Content Placeholder 2"/>
+          <p:cNvSpPr>
+            <a:spLocks noGrp="1"/>
+          </p:cNvSpPr>
+          <p:nvPr>
+            <p:ph idx="1"/>
+          </p:nvPr>
+        </p:nvSpPr>
+        <p:spPr/>
+        <p:txBody>
+          <a:bodyPr>
+            <a:normAutofit fontScale="85000" lnSpcReduction="20000"/>
+          </a:bodyPr>
+          <a:lstStyle/>
+          <a:p>
+            <a:r>
+              <a:rPr lang="en-US" dirty="0"/>
+              <a:t>e</a:t>
+            </a:r>
+            <a:r>
+              <a:rPr lang="en-US" dirty="0" smtClean="0"/>
+              <a:t>xiv2.org </a:t>
+            </a:r>
+            <a:r>
+              <a:rPr lang="en-US" dirty="0" err="1" smtClean="0"/>
+              <a:t>Redmine</a:t>
+            </a:r>
+            <a:r>
+              <a:rPr lang="en-US" dirty="0" smtClean="0"/>
+              <a:t> Forum/Wiki/Issues </a:t>
+            </a:r>
+            <a:r>
+              <a:rPr lang="en-US" dirty="0"/>
+              <a:t/>
+            </a:r>
+            <a:br>
+              <a:rPr lang="en-US" dirty="0"/>
+            </a:br>
+            <a:r>
+              <a:rPr lang="en-US" dirty="0" smtClean="0"/>
+              <a:t>- lots of user activity</a:t>
+            </a:r>
+            <a:br>
+              <a:rPr lang="en-US" dirty="0" smtClean="0"/>
+            </a:br>
+            <a:r>
+              <a:rPr lang="en-US" dirty="0" smtClean="0"/>
+              <a:t>- we are very responsive</a:t>
+            </a:r>
+          </a:p>
+          <a:p>
+            <a:r>
+              <a:rPr lang="en-US" dirty="0" smtClean="0"/>
+              <a:t>The code is widely used</a:t>
+            </a:r>
+          </a:p>
+          <a:p>
+            <a:r>
+              <a:rPr lang="en-US" dirty="0"/>
+              <a:t>e</a:t>
+            </a:r>
+            <a:r>
+              <a:rPr lang="en-US" dirty="0" smtClean="0"/>
+              <a:t>xiv2.dyndns.org:8080 Jenkins Build </a:t>
+            </a:r>
+            <a:r>
+              <a:rPr lang="en-US" dirty="0"/>
+              <a:t>S</a:t>
+            </a:r>
+            <a:r>
+              <a:rPr lang="en-US" dirty="0" smtClean="0"/>
+              <a:t>erver works well</a:t>
+            </a:r>
+          </a:p>
+          <a:p>
+            <a:r>
+              <a:rPr lang="en-US" dirty="0" smtClean="0"/>
+              <a:t>Our release interval is getting longer</a:t>
+            </a:r>
+            <a:br>
+              <a:rPr lang="en-US" dirty="0" smtClean="0"/>
+            </a:br>
+            <a:r>
+              <a:rPr lang="en-US" dirty="0" smtClean="0"/>
+              <a:t>- now 18 months, was 12 months, aim for 6 months.</a:t>
+            </a:r>
+          </a:p>
+          <a:p>
+            <a:r>
+              <a:rPr lang="en-US" dirty="0" smtClean="0"/>
+              <a:t>The team is growing:  3 new hires in 2015</a:t>
+            </a:r>
+            <a:br>
+              <a:rPr lang="en-US" dirty="0" smtClean="0"/>
+            </a:br>
+            <a:r>
+              <a:rPr lang="en-US" dirty="0" smtClean="0"/>
+              <a:t>Thomas S	Thomas B	Alan</a:t>
+            </a:r>
+          </a:p>
+          <a:p>
+            <a:r>
+              <a:rPr lang="en-US" dirty="0" smtClean="0"/>
+              <a:t>Islam’s </a:t>
+            </a:r>
+            <a:r>
+              <a:rPr lang="en-US" dirty="0" err="1" smtClean="0"/>
+              <a:t>GSoC</a:t>
+            </a:r>
+            <a:r>
+              <a:rPr lang="en-US" dirty="0" smtClean="0"/>
+              <a:t> 2015 </a:t>
+            </a:r>
+            <a:r>
+              <a:rPr lang="en-US" dirty="0" err="1" smtClean="0"/>
+              <a:t>webp</a:t>
+            </a:r>
+            <a:r>
+              <a:rPr lang="en-US" dirty="0" smtClean="0"/>
+              <a:t>/</a:t>
+            </a:r>
+            <a:r>
+              <a:rPr lang="en-US" dirty="0" err="1" smtClean="0"/>
+              <a:t>webm</a:t>
+            </a:r>
+            <a:r>
+              <a:rPr lang="en-US" dirty="0" smtClean="0"/>
+              <a:t> project</a:t>
+            </a:r>
+          </a:p>
+          <a:p>
+            <a:r>
+              <a:rPr lang="en-US" dirty="0" smtClean="0"/>
+              <a:t>Robin is overloaded</a:t>
+            </a:r>
+          </a:p>
+          <a:p>
+            <a:endParaRPr lang="en-US" dirty="0"/>
+          </a:p>
+        </p:txBody>
+      </p:sp>
+      <p:pic>
+        <p:nvPicPr>
+          <p:cNvPr id="4" name="Picture 3" descr="Exiv2Logo.png"/>
+          <p:cNvPicPr>
+            <a:picLocks noChangeAspect="1"/>
+          </p:cNvPicPr>
+          <p:nvPr/>
+        </p:nvPicPr>
+        <p:blipFill>
+          <a:blip r:embed="rId2">
+            <a:extLst>
+              <a:ext uri="{28A0092B-C50C-407E-A947-70E740481C1C}">
+                <a14:useLocalDpi xmlns:a14="http://schemas.microsoft.com/office/drawing/2010/main" val="0"/>
+              </a:ext>
+            </a:extLst>
+          </a:blip>
+          <a:stretch>
+            <a:fillRect/>
+          </a:stretch>
+        </p:blipFill>
+        <p:spPr>
+          <a:xfrm>
+            <a:off x="6734049" y="420061"/>
+            <a:ext cx="2032000" cy="1231900"/>
+          </a:xfrm>
+          <a:prstGeom prst="rect">
+            <a:avLst/>
+          </a:prstGeom>
+        </p:spPr>
+      </p:pic>
+      <p:sp>
+        <p:nvSpPr>
+          <p:cNvPr id="5" name="Date Placeholder 4"/>
+          <p:cNvSpPr>
+            <a:spLocks noGrp="1"/>
+          </p:cNvSpPr>
+          <p:nvPr>
+            <p:ph type="dt" sz="half" idx="10"/>
+          </p:nvPr>
+        </p:nvSpPr>
+        <p:spPr/>
+        <p:txBody>
+          <a:bodyPr/>
+          <a:lstStyle/>
+          <a:p>
+            <a:fld id="{E78FA98F-E1CA-5346-B70E-AE0F4504117E}" type="datetime8">
+              <a:rPr lang="en-GB" smtClean="0"/>
+              <a:t>22-Apr-2015 23:02</a:t>
+            </a:fld>
+            <a:endParaRPr lang="en-US"/>
+          </a:p>
+        </p:txBody>
+      </p:sp>
+      <p:sp>
+        <p:nvSpPr>
+          <p:cNvPr id="6" name="Footer Placeholder 5"/>
+          <p:cNvSpPr>
+            <a:spLocks noGrp="1"/>
+          </p:cNvSpPr>
+          <p:nvPr>
+            <p:ph type="ftr" sz="quarter" idx="11"/>
+          </p:nvPr>
+        </p:nvSpPr>
+        <p:spPr/>
+        <p:txBody>
+          <a:bodyPr/>
+          <a:lstStyle/>
+          <a:p>
+            <a:r>
+              <a:rPr lang="en-US" dirty="0" smtClean="0"/>
+              <a:t>Exiv2-v0.24.1</a:t>
+            </a:r>
+            <a:endParaRPr lang="en-US" dirty="0"/>
+          </a:p>
+        </p:txBody>
+      </p:sp>
+      <p:sp>
+        <p:nvSpPr>
+          <p:cNvPr id="7" name="Slide Number Placeholder 6"/>
+          <p:cNvSpPr>
+            <a:spLocks noGrp="1"/>
+          </p:cNvSpPr>
+          <p:nvPr>
+            <p:ph type="sldNum" sz="quarter" idx="12"/>
+          </p:nvPr>
+        </p:nvSpPr>
+        <p:spPr/>
+        <p:txBody>
+          <a:bodyPr/>
+          <a:lstStyle/>
+          <a:p>
+            <a:fld id="{93E4AAA4-6363-4581-962D-1ACCC2D600C5}" type="slidenum">
+              <a:rPr lang="en-US" smtClean="0"/>
+              <a:t>8</a:t>
+            </a:fld>
+            <a:endParaRPr lang="en-US"/>
+          </a:p>
+        </p:txBody>
+      </p:sp>
+    </p:spTree>
+    <p:extLst>
+      <p:ext uri="{BB962C8B-B14F-4D97-AF65-F5344CB8AC3E}">
+        <p14:creationId xmlns:p14="http://schemas.microsoft.com/office/powerpoint/2010/main" val="423556137"/>
+      </p:ext>
+    </p:extLst>
+  </p:cSld>
+  <p:clrMapOvr>
+    <a:masterClrMapping/>
+  </p:clrMapOvr>
+</p:sld>
+</file>
+
+<file path=ppt/slides/slide9.xml><?xml version="1.0" encoding="utf-8"?>
+<p:sld xmlns:a="http://schemas.openxmlformats.org/drawingml/2006/main" xmlns:r="http://schemas.openxmlformats.org/officeDocument/2006/relationships" xmlns:p="http://schemas.openxmlformats.org/presentationml/2006/main">
+  <p:cSld>
+    <p:spTree>
+      <p:nvGrpSpPr>
+        <p:cNvPr id="1" name=""/>
+        <p:cNvGrpSpPr/>
+        <p:nvPr/>
+      </p:nvGrpSpPr>
+      <p:grpSpPr>
+        <a:xfrm>
+          <a:off x="0" y="0"/>
+          <a:ext cx="0" cy="0"/>
+          <a:chOff x="0" y="0"/>
+          <a:chExt cx="0" cy="0"/>
+        </a:xfrm>
+      </p:grpSpPr>
+      <p:sp>
+        <p:nvSpPr>
+          <p:cNvPr id="2" name="Title 1"/>
+          <p:cNvSpPr>
+            <a:spLocks noGrp="1"/>
+          </p:cNvSpPr>
+          <p:nvPr>
+            <p:ph type="title"/>
+          </p:nvPr>
+        </p:nvSpPr>
+        <p:spPr/>
+        <p:txBody>
+          <a:bodyPr/>
+          <a:lstStyle/>
+          <a:p>
+            <a:r>
+              <a:rPr lang="en-US" dirty="0" smtClean="0"/>
+              <a:t>Exiv2 v0.26</a:t>
+            </a:r>
+            <a:endParaRPr lang="en-US" dirty="0"/>
+          </a:p>
+        </p:txBody>
+      </p:sp>
+      <p:sp>
+        <p:nvSpPr>
+          <p:cNvPr id="3" name="Content Placeholder 2"/>
+          <p:cNvSpPr>
+            <a:spLocks noGrp="1"/>
+          </p:cNvSpPr>
+          <p:nvPr>
+            <p:ph idx="1"/>
+          </p:nvPr>
+        </p:nvSpPr>
+        <p:spPr/>
+        <p:txBody>
+          <a:bodyPr>
+            <a:normAutofit fontScale="85000" lnSpcReduction="20000"/>
+          </a:bodyPr>
+          <a:lstStyle/>
+          <a:p>
+            <a:r>
+              <a:rPr lang="en-US" dirty="0" smtClean="0"/>
+              <a:t>Video Read and Write 			</a:t>
+            </a:r>
+            <a:r>
+              <a:rPr lang="en-US" dirty="0" err="1" smtClean="0"/>
+              <a:t>Abhinav</a:t>
+            </a:r>
+            <a:r>
+              <a:rPr lang="en-US" dirty="0" smtClean="0"/>
+              <a:t> and Mahesh</a:t>
+            </a:r>
+          </a:p>
+          <a:p>
+            <a:r>
+              <a:rPr lang="en-US" dirty="0" err="1"/>
+              <a:t>w</a:t>
+            </a:r>
+            <a:r>
+              <a:rPr lang="en-US" dirty="0" err="1" smtClean="0"/>
+              <a:t>ebp</a:t>
+            </a:r>
+            <a:r>
+              <a:rPr lang="en-US" dirty="0" smtClean="0"/>
+              <a:t>/</a:t>
+            </a:r>
+            <a:r>
+              <a:rPr lang="en-US" dirty="0" err="1" smtClean="0"/>
+              <a:t>webm</a:t>
+            </a:r>
+            <a:r>
+              <a:rPr lang="en-US" dirty="0"/>
               <a:t>	</a:t>
             </a:r>
-            <a:br>
-              <a:rPr lang="en-US" dirty="0" smtClean="0"/>
-            </a:br>
-            <a:r>
-              <a:rPr lang="en-US" sz="2000" dirty="0" err="1" smtClean="0"/>
-              <a:t>makosoft</a:t>
-            </a:r>
-            <a:r>
-              <a:rPr lang="en-US" sz="2000" dirty="0" err="1"/>
-              <a:t>@gmail.com</a:t>
-            </a:r>
-            <a:endParaRPr lang="en-US" sz="2000" dirty="0"/>
-          </a:p>
-        </p:txBody>
-      </p:sp>
-      <p:sp>
-        <p:nvSpPr>
-          <p:cNvPr id="3" name="Content Placeholder 2"/>
-          <p:cNvSpPr>
-            <a:spLocks noGrp="1"/>
-          </p:cNvSpPr>
-          <p:nvPr>
-            <p:ph idx="1"/>
-          </p:nvPr>
-        </p:nvSpPr>
-        <p:spPr/>
-        <p:txBody>
-          <a:bodyPr>
-            <a:normAutofit fontScale="92500" lnSpcReduction="20000"/>
-          </a:bodyPr>
-          <a:lstStyle/>
-          <a:p>
-            <a:pPr marL="0" indent="0">
-              <a:buNone/>
-            </a:pPr>
-            <a:r>
-              <a:rPr lang="en-US" sz="1000" dirty="0"/>
-              <a:t>Someone filed a </a:t>
-            </a:r>
-            <a:r>
-              <a:rPr lang="en-US" sz="1000" dirty="0" err="1"/>
-              <a:t>Debian</a:t>
-            </a:r>
-            <a:r>
-              <a:rPr lang="en-US" sz="1000" dirty="0"/>
-              <a:t> bug report for the first one a few weeks back and I expect they'll find the others shortly if they haven't already: https://</a:t>
-            </a:r>
-            <a:r>
-              <a:rPr lang="en-US" sz="1000" dirty="0" err="1"/>
-              <a:t>bugs.debian.org</a:t>
-            </a:r>
-            <a:r>
-              <a:rPr lang="en-US" sz="1000" dirty="0"/>
-              <a:t>/</a:t>
-            </a:r>
-            <a:r>
-              <a:rPr lang="en-US" sz="1000" dirty="0" err="1"/>
-              <a:t>cgi</a:t>
-            </a:r>
-            <a:r>
-              <a:rPr lang="en-US" sz="1000" dirty="0"/>
-              <a:t>-bin/</a:t>
-            </a:r>
-            <a:r>
-              <a:rPr lang="en-US" sz="1000" dirty="0" err="1"/>
-              <a:t>bugreport.cgi?bug</a:t>
-            </a:r>
-            <a:r>
-              <a:rPr lang="en-US" sz="1000" dirty="0"/>
-              <a:t>=781123 (This was "fixed" a while back by increasing the buffer size, which didn't actually fix the security issue.) Even though all of these are video metadata related and KDE only uses exiv2 for image files, they still affect KDE because if you rename a video file to .jpg, KDE thinks it's an image and uses exiv2 to get metadata from it. </a:t>
-            </a:r>
-            <a:endParaRPr lang="en-US" sz="1000" dirty="0" smtClean="0"/>
-          </a:p>
-          <a:p>
-            <a:pPr marL="0" indent="0">
-              <a:spcBef>
-                <a:spcPts val="800"/>
-              </a:spcBef>
-              <a:buNone/>
-            </a:pPr>
-            <a:r>
-              <a:rPr lang="en-US" sz="1000" dirty="0"/>
-              <a:t>The others are a heap buffer overflow in </a:t>
-            </a:r>
-            <a:r>
-              <a:rPr lang="en-US" sz="1000" dirty="0" err="1"/>
-              <a:t>nikonTagsParser</a:t>
-            </a:r>
-            <a:r>
-              <a:rPr lang="en-US" sz="1000" dirty="0"/>
-              <a:t> here:</a:t>
-            </a:r>
-            <a:endParaRPr lang="en-US" sz="1000" dirty="0" smtClean="0"/>
-          </a:p>
-          <a:p>
-            <a:pPr marL="0" indent="0">
-              <a:spcBef>
-                <a:spcPts val="800"/>
-              </a:spcBef>
-              <a:buNone/>
-            </a:pPr>
-            <a:r>
-              <a:rPr lang="en-US" sz="1000" dirty="0"/>
-              <a:t>         </a:t>
-            </a:r>
-            <a:r>
-              <a:rPr lang="en-US" sz="1000" dirty="0" smtClean="0"/>
+            <a:r>
+              <a:rPr lang="en-US" dirty="0" smtClean="0"/>
               <a:t>	</a:t>
             </a:r>
             <a:r>
-              <a:rPr lang="en-US" sz="1200" dirty="0" err="1" smtClean="0"/>
-              <a:t>io</a:t>
-            </a:r>
-            <a:r>
-              <a:rPr lang="en-US" sz="1200" dirty="0" smtClean="0"/>
-              <a:t>_</a:t>
-            </a:r>
-            <a:r>
-              <a:rPr lang="en-US" sz="1200" dirty="0"/>
-              <a:t>-&gt;read(</a:t>
-            </a:r>
-            <a:r>
-              <a:rPr lang="en-US" sz="1200" dirty="0" err="1"/>
-              <a:t>buf.pData</a:t>
-            </a:r>
-            <a:r>
-              <a:rPr lang="en-US" sz="1200" dirty="0"/>
-              <a:t>_, 2)</a:t>
-            </a:r>
-            <a:r>
-              <a:rPr lang="en-US" sz="1200" dirty="0" smtClean="0"/>
-              <a:t>;</a:t>
-            </a:r>
-            <a:br>
-              <a:rPr lang="en-US" sz="1200" dirty="0" smtClean="0"/>
-            </a:br>
-            <a:r>
-              <a:rPr lang="en-US" sz="1200" dirty="0"/>
-              <a:t>          	</a:t>
-            </a:r>
-            <a:r>
-              <a:rPr lang="en-US" sz="1200" dirty="0" err="1" smtClean="0"/>
-              <a:t>tagID</a:t>
-            </a:r>
-            <a:r>
-              <a:rPr lang="en-US" sz="1200" dirty="0" smtClean="0"/>
+              <a:rPr lang="en-US" dirty="0" smtClean="0"/>
               <a:t> </a:t>
             </a:r>
             <a:r>
-              <a:rPr lang="en-US" sz="1200" dirty="0"/>
-              <a:t>= Exiv2::</a:t>
-            </a:r>
-            <a:r>
-              <a:rPr lang="en-US" sz="1200" dirty="0" err="1"/>
-              <a:t>getULong</a:t>
-            </a:r>
-            <a:r>
-              <a:rPr lang="en-US" sz="1200" dirty="0"/>
-              <a:t>(</a:t>
-            </a:r>
-            <a:r>
-              <a:rPr lang="en-US" sz="1200" dirty="0" err="1"/>
-              <a:t>buf.pData</a:t>
-            </a:r>
-            <a:r>
-              <a:rPr lang="en-US" sz="1200" dirty="0"/>
-              <a:t>_, </a:t>
-            </a:r>
-            <a:r>
-              <a:rPr lang="en-US" sz="1200" dirty="0" err="1"/>
-              <a:t>littleEndian</a:t>
-            </a:r>
-            <a:r>
-              <a:rPr lang="en-US" sz="1200" dirty="0"/>
-              <a:t>)</a:t>
-            </a:r>
-            <a:r>
-              <a:rPr lang="en-US" sz="1200" dirty="0" smtClean="0"/>
-              <a:t>;</a:t>
-            </a:r>
-            <a:br>
-              <a:rPr lang="en-US" sz="1200" dirty="0" smtClean="0"/>
-            </a:br>
-            <a:r>
-              <a:rPr lang="en-US" sz="1200" dirty="0"/>
-              <a:t>                 </a:t>
-            </a:r>
-            <a:r>
-              <a:rPr lang="en-US" sz="1200" dirty="0" smtClean="0"/>
+              <a:rPr lang="en-US" dirty="0" smtClean="0"/>
+              <a:t>		Islam</a:t>
+            </a:r>
+          </a:p>
+          <a:p>
+            <a:r>
+              <a:rPr lang="en-US" dirty="0" smtClean="0"/>
+              <a:t>Accessory ‘overflow’ file 		Thomas B</a:t>
+            </a:r>
+          </a:p>
+          <a:p>
+            <a:r>
+              <a:rPr lang="en-US" dirty="0" err="1" smtClean="0"/>
+              <a:t>XMPsdk</a:t>
+            </a:r>
+            <a:r>
+              <a:rPr lang="en-US" dirty="0" smtClean="0"/>
+              <a:t> </a:t>
+            </a:r>
+            <a:r>
+              <a:rPr lang="en-US" dirty="0"/>
+              <a:t>as an external </a:t>
+            </a:r>
+            <a:r>
+              <a:rPr lang="en-US" dirty="0" smtClean="0"/>
+              <a:t>library </a:t>
+            </a:r>
+            <a:r>
+              <a:rPr lang="en-US" dirty="0"/>
               <a:t>	</a:t>
             </a:r>
             <a:r>
-              <a:rPr lang="en-US" sz="1200" dirty="0" err="1" smtClean="0"/>
-              <a:t>io</a:t>
-            </a:r>
-            <a:r>
-              <a:rPr lang="en-US" sz="1200" dirty="0" smtClean="0"/>
-              <a:t>_</a:t>
-            </a:r>
-            <a:r>
-              <a:rPr lang="en-US" sz="1200" dirty="0"/>
-              <a:t>-&gt;read(</a:t>
-            </a:r>
-            <a:r>
-              <a:rPr lang="en-US" sz="1200" dirty="0" err="1"/>
-              <a:t>buf.pData</a:t>
-            </a:r>
-            <a:r>
-              <a:rPr lang="en-US" sz="1200" dirty="0"/>
-              <a:t>_, 2)</a:t>
-            </a:r>
-            <a:r>
-              <a:rPr lang="en-US" sz="1200" dirty="0" smtClean="0"/>
-              <a:t>;</a:t>
-            </a:r>
-            <a:br>
-              <a:rPr lang="en-US" sz="1200" dirty="0" smtClean="0"/>
-            </a:br>
-            <a:r>
-              <a:rPr lang="en-US" sz="1200" dirty="0" smtClean="0"/>
+              <a:rPr lang="en-US" dirty="0" smtClean="0"/>
+              <a:t>	Andreas</a:t>
+            </a:r>
+          </a:p>
+          <a:p>
+            <a:r>
+              <a:rPr lang="en-US" dirty="0" err="1" smtClean="0"/>
+              <a:t>Coverity</a:t>
+            </a:r>
+            <a:r>
+              <a:rPr lang="en-US" dirty="0" smtClean="0"/>
+              <a:t> Scan				Mahesh</a:t>
+            </a:r>
+            <a:endParaRPr lang="en-US" dirty="0"/>
+          </a:p>
+          <a:p>
+            <a:r>
+              <a:rPr lang="en-US" dirty="0" smtClean="0"/>
+              <a:t>CMake/MSVC Android and </a:t>
+            </a:r>
+            <a:r>
+              <a:rPr lang="en-US" dirty="0" err="1" smtClean="0"/>
+              <a:t>iOS</a:t>
+            </a:r>
+            <a:r>
+              <a:rPr lang="en-US" dirty="0" smtClean="0"/>
+              <a:t> </a:t>
+            </a:r>
+            <a:r>
+              <a:rPr lang="en-US" dirty="0"/>
               <a:t>	</a:t>
             </a:r>
             <a:r>
-              <a:rPr lang="en-US" sz="1200" dirty="0" err="1" smtClean="0"/>
-              <a:t>dataSize</a:t>
-            </a:r>
-            <a:r>
-              <a:rPr lang="en-US" sz="1200" dirty="0" smtClean="0"/>
-              <a:t> </a:t>
-            </a:r>
-            <a:r>
-              <a:rPr lang="en-US" sz="1200" dirty="0"/>
-              <a:t>= Exiv2::</a:t>
-            </a:r>
-            <a:r>
-              <a:rPr lang="en-US" sz="1200" dirty="0" err="1"/>
-              <a:t>getULong</a:t>
-            </a:r>
-            <a:r>
-              <a:rPr lang="en-US" sz="1200" dirty="0"/>
-              <a:t>(</a:t>
-            </a:r>
-            <a:r>
-              <a:rPr lang="en-US" sz="1200" dirty="0" err="1"/>
-              <a:t>buf.pData</a:t>
-            </a:r>
-            <a:r>
-              <a:rPr lang="en-US" sz="1200" dirty="0"/>
-              <a:t>_, </a:t>
-            </a:r>
-            <a:r>
-              <a:rPr lang="en-US" sz="1200" dirty="0" err="1"/>
-              <a:t>littleEndian</a:t>
-            </a:r>
-            <a:r>
-              <a:rPr lang="en-US" sz="1200" dirty="0"/>
-              <a:t>)</a:t>
-            </a:r>
-            <a:r>
-              <a:rPr lang="en-US" sz="1200" dirty="0" smtClean="0"/>
-              <a:t>;</a:t>
-            </a:r>
-            <a:br>
-              <a:rPr lang="en-US" sz="1200" dirty="0" smtClean="0"/>
-            </a:br>
-            <a:r>
-              <a:rPr lang="en-US" sz="1200" dirty="0" smtClean="0"/>
-              <a:t>	</a:t>
-            </a:r>
-            <a:r>
-              <a:rPr lang="nl-NL" sz="1200" dirty="0" smtClean="0"/>
-              <a:t>temp </a:t>
-            </a:r>
-            <a:r>
-              <a:rPr lang="nl-NL" sz="1200" dirty="0"/>
-              <a:t>-= (4 + </a:t>
-            </a:r>
-            <a:r>
-              <a:rPr lang="nl-NL" sz="1200" dirty="0" err="1"/>
-              <a:t>dataSize</a:t>
-            </a:r>
-            <a:r>
-              <a:rPr lang="nl-NL" sz="1200" dirty="0"/>
-              <a:t>)</a:t>
-            </a:r>
-            <a:r>
-              <a:rPr lang="nl-NL" sz="1200" dirty="0" smtClean="0"/>
-              <a:t>;</a:t>
-            </a:r>
-          </a:p>
-          <a:p>
-            <a:pPr marL="0" indent="0">
-              <a:spcBef>
-                <a:spcPts val="800"/>
-              </a:spcBef>
-              <a:buNone/>
-            </a:pPr>
-            <a:r>
-              <a:rPr lang="en-US" sz="1000" dirty="0"/>
-              <a:t>A stack buffer overflow (underflow?) here</a:t>
-            </a:r>
-            <a:r>
-              <a:rPr lang="en-US" sz="1000" dirty="0" smtClean="0"/>
-              <a:t>:</a:t>
-            </a:r>
-          </a:p>
-          <a:p>
-            <a:pPr marL="0" indent="0">
-              <a:spcBef>
-                <a:spcPts val="800"/>
-              </a:spcBef>
-              <a:buNone/>
-            </a:pPr>
-            <a:r>
-              <a:rPr lang="en-US" sz="1000" dirty="0"/>
-              <a:t>            	</a:t>
-            </a:r>
-            <a:r>
-              <a:rPr lang="en-US" sz="1200" dirty="0" smtClean="0"/>
-              <a:t>while</a:t>
-            </a:r>
-            <a:r>
-              <a:rPr lang="en-US" sz="1200" dirty="0"/>
-              <a:t>(</a:t>
-            </a:r>
-            <a:r>
-              <a:rPr lang="en-US" sz="1200" dirty="0" err="1"/>
-              <a:t>dataSize</a:t>
-            </a:r>
-            <a:r>
-              <a:rPr lang="en-US" sz="1200" dirty="0"/>
-              <a:t>) </a:t>
-            </a:r>
-            <a:r>
-              <a:rPr lang="en-US" sz="1200" dirty="0" smtClean="0"/>
-              <a:t>{</a:t>
-            </a:r>
-            <a:br>
-              <a:rPr lang="en-US" sz="1200" dirty="0" smtClean="0"/>
-            </a:br>
-            <a:r>
-              <a:rPr lang="en-US" sz="1200" dirty="0"/>
-              <a:t>                 </a:t>
-            </a:r>
-            <a:r>
-              <a:rPr lang="en-US" sz="1200" dirty="0" smtClean="0"/>
-              <a:t>           	</a:t>
-            </a:r>
-            <a:r>
-              <a:rPr lang="en-US" sz="1200" dirty="0" err="1" smtClean="0"/>
-              <a:t>std</a:t>
-            </a:r>
-            <a:r>
-              <a:rPr lang="en-US" sz="1200" dirty="0"/>
-              <a:t>::</a:t>
-            </a:r>
-            <a:r>
-              <a:rPr lang="en-US" sz="1200" dirty="0" err="1"/>
-              <a:t>memset</a:t>
-            </a:r>
-            <a:r>
-              <a:rPr lang="en-US" sz="1200" dirty="0"/>
-              <a:t>(</a:t>
-            </a:r>
-            <a:r>
-              <a:rPr lang="en-US" sz="1200" dirty="0" err="1"/>
-              <a:t>buf.pData</a:t>
-            </a:r>
-            <a:r>
-              <a:rPr lang="en-US" sz="1200" dirty="0"/>
-              <a:t>_, 0x0, </a:t>
-            </a:r>
-            <a:r>
-              <a:rPr lang="en-US" sz="1200" dirty="0" err="1"/>
-              <a:t>buf.size</a:t>
-            </a:r>
-            <a:r>
-              <a:rPr lang="en-US" sz="1200" dirty="0"/>
-              <a:t>_)</a:t>
-            </a:r>
-            <a:r>
-              <a:rPr lang="en-US" sz="1200" dirty="0" smtClean="0"/>
-              <a:t>;</a:t>
-            </a:r>
-            <a:br>
-              <a:rPr lang="en-US" sz="1200" dirty="0" smtClean="0"/>
-            </a:br>
-            <a:r>
-              <a:rPr lang="en-US" sz="1200" dirty="0" smtClean="0"/>
-              <a:t>		</a:t>
-            </a:r>
-            <a:r>
-              <a:rPr lang="en-US" sz="1200" dirty="0" err="1" smtClean="0"/>
-              <a:t>io</a:t>
-            </a:r>
-            <a:r>
-              <a:rPr lang="en-US" sz="1200" dirty="0" smtClean="0"/>
-              <a:t>_</a:t>
-            </a:r>
-            <a:r>
-              <a:rPr lang="en-US" sz="1200" dirty="0"/>
-              <a:t>-&gt;read(</a:t>
-            </a:r>
-            <a:r>
-              <a:rPr lang="en-US" sz="1200" dirty="0" err="1"/>
-              <a:t>buf.pData</a:t>
-            </a:r>
-            <a:r>
-              <a:rPr lang="en-US" sz="1200" dirty="0"/>
-              <a:t>_, 1)</a:t>
-            </a:r>
-            <a:r>
-              <a:rPr lang="en-US" sz="1200" dirty="0" smtClean="0"/>
-              <a:t>;</a:t>
-            </a:r>
-            <a:br>
-              <a:rPr lang="en-US" sz="1200" dirty="0" smtClean="0"/>
-            </a:br>
-            <a:r>
-              <a:rPr lang="de-DE" sz="1200" dirty="0"/>
-              <a:t>                            </a:t>
-            </a:r>
-            <a:r>
-              <a:rPr lang="de-DE" sz="1200" dirty="0" smtClean="0"/>
-              <a:t>	</a:t>
-            </a:r>
-            <a:r>
-              <a:rPr lang="de-DE" sz="1200" dirty="0" err="1" smtClean="0"/>
-              <a:t>str</a:t>
-            </a:r>
-            <a:r>
-              <a:rPr lang="de-DE" sz="1200" dirty="0"/>
-              <a:t>[(4 - </a:t>
-            </a:r>
-            <a:r>
-              <a:rPr lang="de-DE" sz="1200" dirty="0" err="1"/>
-              <a:t>dataSize</a:t>
-            </a:r>
-            <a:r>
-              <a:rPr lang="de-DE" sz="1200" dirty="0"/>
-              <a:t>) * 2] = (</a:t>
-            </a:r>
-            <a:r>
-              <a:rPr lang="de-DE" sz="1200" dirty="0" err="1"/>
-              <a:t>char</a:t>
-            </a:r>
-            <a:r>
-              <a:rPr lang="de-DE" sz="1200" dirty="0"/>
-              <a:t>)(Exiv2::</a:t>
-            </a:r>
-            <a:r>
-              <a:rPr lang="de-DE" sz="1200" dirty="0" err="1"/>
-              <a:t>getULong</a:t>
-            </a:r>
-            <a:r>
-              <a:rPr lang="de-DE" sz="1200" dirty="0"/>
-              <a:t>(</a:t>
-            </a:r>
-            <a:r>
-              <a:rPr lang="de-DE" sz="1200" dirty="0" err="1"/>
-              <a:t>buf.pData</a:t>
-            </a:r>
-            <a:r>
-              <a:rPr lang="de-DE" sz="1200" dirty="0"/>
-              <a:t>_, </a:t>
-            </a:r>
-            <a:r>
-              <a:rPr lang="de-DE" sz="1200" dirty="0" err="1"/>
-              <a:t>littleEndian</a:t>
-            </a:r>
-            <a:r>
-              <a:rPr lang="de-DE" sz="1200" dirty="0"/>
-              <a:t>) + 48)</a:t>
-            </a:r>
-            <a:r>
-              <a:rPr lang="de-DE" sz="1200" dirty="0" smtClean="0"/>
-              <a:t>;</a:t>
-            </a:r>
-            <a:br>
-              <a:rPr lang="de-DE" sz="1200" dirty="0" smtClean="0"/>
-            </a:br>
-            <a:r>
-              <a:rPr lang="de-DE" sz="1200" dirty="0"/>
-              <a:t>                            </a:t>
-            </a:r>
-            <a:r>
-              <a:rPr lang="de-DE" sz="1200" dirty="0" smtClean="0"/>
-              <a:t>	-</a:t>
-            </a:r>
-            <a:r>
-              <a:rPr lang="de-DE" sz="1200" dirty="0"/>
-              <a:t>-</a:t>
-            </a:r>
-            <a:r>
-              <a:rPr lang="de-DE" sz="1200" dirty="0" err="1"/>
-              <a:t>dataSize</a:t>
-            </a:r>
-            <a:r>
-              <a:rPr lang="de-DE" sz="1200" dirty="0" smtClean="0"/>
-              <a:t>;</a:t>
-            </a:r>
-            <a:br>
-              <a:rPr lang="de-DE" sz="1200" dirty="0" smtClean="0"/>
-            </a:br>
-            <a:r>
-              <a:rPr lang="de-DE" sz="1200" dirty="0"/>
-              <a:t>             	</a:t>
-            </a:r>
-            <a:r>
-              <a:rPr lang="de-DE" sz="1200" dirty="0" smtClean="0"/>
-              <a:t>}</a:t>
-            </a:r>
-          </a:p>
-          <a:p>
-            <a:pPr marL="0" indent="0">
-              <a:buNone/>
-            </a:pPr>
-            <a:r>
-              <a:rPr lang="en-US" sz="1000" dirty="0"/>
-              <a:t>This pair is particularly nasty because the stack buffer overflow allows the address of the heap buffer to be partially overwritten, making it possible to write to other areas of memory, and because the stack is executable in certain libexiv2-based applications. With ASLR disabled, I can get full arbitrary code execution by using this to overwrite a </a:t>
-            </a:r>
-            <a:r>
-              <a:rPr lang="en-US" sz="1000" dirty="0" err="1"/>
-              <a:t>vtable</a:t>
-            </a:r>
-            <a:r>
-              <a:rPr lang="en-US" sz="1000" dirty="0"/>
-              <a:t> pointer, and I reckon it should be possible to exploit this on real systems with ASLR on (it's just really fiddly to do –</a:t>
-            </a:r>
-          </a:p>
-          <a:p>
-            <a:pPr marL="0" indent="0">
-              <a:spcBef>
-                <a:spcPts val="800"/>
-              </a:spcBef>
-              <a:buNone/>
-            </a:pPr>
-            <a:r>
-              <a:rPr lang="en-US" sz="1000" dirty="0"/>
-              <a:t>I believe there's another heap buffer overflow in the </a:t>
-            </a:r>
-            <a:r>
-              <a:rPr lang="en-US" sz="1000" dirty="0" err="1"/>
-              <a:t>AsfVideo</a:t>
-            </a:r>
-            <a:r>
-              <a:rPr lang="en-US" sz="1000" dirty="0"/>
-              <a:t>::</a:t>
-            </a:r>
-            <a:r>
-              <a:rPr lang="en-US" sz="1000" dirty="0" err="1"/>
-              <a:t>codecList</a:t>
-            </a:r>
-            <a:r>
-              <a:rPr lang="en-US" sz="1000" dirty="0"/>
-              <a:t> here:</a:t>
-            </a:r>
-          </a:p>
-          <a:p>
-            <a:pPr marL="0" indent="0">
-              <a:spcBef>
-                <a:spcPts val="800"/>
-              </a:spcBef>
-              <a:buNone/>
-            </a:pPr>
-            <a:r>
-              <a:rPr lang="en-US" sz="1000" dirty="0"/>
-              <a:t>            	</a:t>
-            </a:r>
-            <a:r>
-              <a:rPr lang="en-US" sz="1200" dirty="0" err="1"/>
-              <a:t>io</a:t>
-            </a:r>
-            <a:r>
-              <a:rPr lang="en-US" sz="1200" dirty="0"/>
-              <a:t>_-&gt;read(</a:t>
-            </a:r>
-            <a:r>
-              <a:rPr lang="en-US" sz="1200" dirty="0" err="1"/>
-              <a:t>buf.pData</a:t>
-            </a:r>
-            <a:r>
-              <a:rPr lang="en-US" sz="1200" dirty="0"/>
-              <a:t>_, 2);</a:t>
-            </a:r>
-            <a:br>
-              <a:rPr lang="en-US" sz="1200" dirty="0"/>
-            </a:br>
-            <a:r>
-              <a:rPr lang="en-US" sz="1200" dirty="0"/>
-              <a:t>            	</a:t>
-            </a:r>
-            <a:r>
-              <a:rPr lang="en-US" sz="1200" dirty="0" err="1"/>
-              <a:t>descLength</a:t>
-            </a:r>
-            <a:r>
-              <a:rPr lang="en-US" sz="1200" dirty="0"/>
-              <a:t> = Exiv2::</a:t>
-            </a:r>
-            <a:r>
-              <a:rPr lang="en-US" sz="1200" dirty="0" err="1"/>
-              <a:t>getUShort</a:t>
-            </a:r>
-            <a:r>
-              <a:rPr lang="en-US" sz="1200" dirty="0"/>
-              <a:t>(</a:t>
-            </a:r>
-            <a:r>
-              <a:rPr lang="en-US" sz="1200" dirty="0" err="1"/>
-              <a:t>buf.pData</a:t>
-            </a:r>
-            <a:r>
-              <a:rPr lang="en-US" sz="1200" dirty="0"/>
-              <a:t>_, </a:t>
-            </a:r>
-            <a:r>
-              <a:rPr lang="en-US" sz="1200" dirty="0" err="1"/>
-              <a:t>littleEndian</a:t>
-            </a:r>
-            <a:r>
-              <a:rPr lang="en-US" sz="1200" dirty="0"/>
-              <a:t>) * 2;</a:t>
-            </a:r>
-            <a:br>
-              <a:rPr lang="en-US" sz="1200" dirty="0"/>
-            </a:br>
-            <a:r>
-              <a:rPr lang="en-US" sz="1200" dirty="0"/>
-              <a:t>           	</a:t>
-            </a:r>
-            <a:r>
-              <a:rPr lang="en-US" sz="1200" dirty="0" err="1" smtClean="0"/>
-              <a:t>io</a:t>
-            </a:r>
-            <a:r>
-              <a:rPr lang="en-US" sz="1200" dirty="0" smtClean="0"/>
-              <a:t>_</a:t>
-            </a:r>
-            <a:r>
-              <a:rPr lang="en-US" sz="1200" dirty="0"/>
-              <a:t>-&gt;read(</a:t>
-            </a:r>
-            <a:r>
-              <a:rPr lang="en-US" sz="1200" dirty="0" err="1"/>
-              <a:t>buf.pData</a:t>
-            </a:r>
-            <a:r>
-              <a:rPr lang="en-US" sz="1200" dirty="0"/>
-              <a:t>_, </a:t>
-            </a:r>
-            <a:r>
-              <a:rPr lang="en-US" sz="1200" dirty="0" err="1"/>
-              <a:t>descLength</a:t>
-            </a:r>
-            <a:r>
-              <a:rPr lang="en-US" sz="1200" dirty="0"/>
-              <a:t>);</a:t>
-            </a:r>
-          </a:p>
-          <a:p>
-            <a:pPr marL="0" indent="0">
-              <a:spcBef>
-                <a:spcPts val="800"/>
-              </a:spcBef>
-              <a:buNone/>
-            </a:pPr>
-            <a:endParaRPr lang="en-US" sz="1000" dirty="0" smtClean="0"/>
-          </a:p>
-          <a:p>
-            <a:pPr marL="0" indent="0">
-              <a:spcBef>
-                <a:spcPts val="800"/>
-              </a:spcBef>
-              <a:buNone/>
-            </a:pPr>
-            <a:endParaRPr lang="en-US" dirty="0" smtClean="0"/>
+              <a:rPr lang="en-US" dirty="0" smtClean="0"/>
+              <a:t>	Robin</a:t>
+            </a:r>
+          </a:p>
+          <a:p>
+            <a:r>
+              <a:rPr lang="en-US" dirty="0"/>
+              <a:t>More features and bug </a:t>
+            </a:r>
+            <a:r>
+              <a:rPr lang="en-US" dirty="0" smtClean="0"/>
+              <a:t>fixes		Alan and Thomas S</a:t>
+            </a:r>
+            <a:endParaRPr lang="en-US" dirty="0"/>
+          </a:p>
+          <a:p>
+            <a:r>
+              <a:rPr lang="en-US" dirty="0" smtClean="0"/>
+              <a:t>Server &amp; Release Management		</a:t>
+            </a:r>
+            <a:r>
+              <a:rPr lang="en-US" dirty="0" err="1" smtClean="0"/>
+              <a:t>Nehal</a:t>
+            </a:r>
+            <a:r>
+              <a:rPr lang="en-US" dirty="0" smtClean="0"/>
+              <a:t> and Shawn</a:t>
+            </a:r>
+          </a:p>
+          <a:p>
+            <a:r>
+              <a:rPr lang="en-US" dirty="0" smtClean="0"/>
+              <a:t>Branding, Logo, Website Makeover	Ocean</a:t>
+            </a:r>
           </a:p>
         </p:txBody>
       </p:sp>
@@ -7678,1413 +9130,9 @@
           <a:bodyPr/>
           <a:lstStyle/>
           <a:p>
-            <a:fld id="{12824A3B-A608-3947-81FA-B42F5DA9341C}" type="datetime8">
-              <a:rPr lang="en-GB" smtClean="0"/>
-              <a:t>22-Apr-2015 20:18</a:t>
-            </a:fld>
-            <a:endParaRPr lang="en-US"/>
-          </a:p>
-        </p:txBody>
-      </p:sp>
-      <p:sp>
-        <p:nvSpPr>
-          <p:cNvPr id="7" name="Footer Placeholder 6"/>
-          <p:cNvSpPr>
-            <a:spLocks noGrp="1"/>
-          </p:cNvSpPr>
-          <p:nvPr>
-            <p:ph type="ftr" sz="quarter" idx="11"/>
-          </p:nvPr>
-        </p:nvSpPr>
-        <p:spPr/>
-        <p:txBody>
-          <a:bodyPr/>
-          <a:lstStyle/>
-          <a:p>
-            <a:r>
-              <a:rPr lang="en-US" smtClean="0"/>
-              <a:t>Exiv2-v0.24.1</a:t>
-            </a:r>
-            <a:endParaRPr lang="en-US"/>
-          </a:p>
-        </p:txBody>
-      </p:sp>
-      <p:sp>
-        <p:nvSpPr>
-          <p:cNvPr id="8" name="Slide Number Placeholder 7"/>
-          <p:cNvSpPr>
-            <a:spLocks noGrp="1"/>
-          </p:cNvSpPr>
-          <p:nvPr>
-            <p:ph type="sldNum" sz="quarter" idx="12"/>
-          </p:nvPr>
-        </p:nvSpPr>
-        <p:spPr/>
-        <p:txBody>
-          <a:bodyPr/>
-          <a:lstStyle/>
-          <a:p>
-            <a:fld id="{93E4AAA4-6363-4581-962D-1ACCC2D600C5}" type="slidenum">
-              <a:rPr lang="en-US" smtClean="0"/>
-              <a:t>4</a:t>
-            </a:fld>
-            <a:endParaRPr lang="en-US"/>
-          </a:p>
-        </p:txBody>
-      </p:sp>
-    </p:spTree>
-    <p:extLst>
-      <p:ext uri="{BB962C8B-B14F-4D97-AF65-F5344CB8AC3E}">
-        <p14:creationId xmlns:p14="http://schemas.microsoft.com/office/powerpoint/2010/main" val="98715557"/>
-      </p:ext>
-    </p:extLst>
-  </p:cSld>
-  <p:clrMapOvr>
-    <a:masterClrMapping/>
-  </p:clrMapOvr>
-</p:sld>
-</file>
-
-<file path=ppt/slides/slide5.xml><?xml version="1.0" encoding="utf-8"?>
-<p:sld xmlns:a="http://schemas.openxmlformats.org/drawingml/2006/main" xmlns:r="http://schemas.openxmlformats.org/officeDocument/2006/relationships" xmlns:p="http://schemas.openxmlformats.org/presentationml/2006/main">
-  <p:cSld>
-    <p:spTree>
-      <p:nvGrpSpPr>
-        <p:cNvPr id="1" name=""/>
-        <p:cNvGrpSpPr/>
-        <p:nvPr/>
-      </p:nvGrpSpPr>
-      <p:grpSpPr>
-        <a:xfrm>
-          <a:off x="0" y="0"/>
-          <a:ext cx="0" cy="0"/>
-          <a:chOff x="0" y="0"/>
-          <a:chExt cx="0" cy="0"/>
-        </a:xfrm>
-      </p:grpSpPr>
-      <p:sp>
-        <p:nvSpPr>
-          <p:cNvPr id="2" name="Title 1"/>
-          <p:cNvSpPr>
-            <a:spLocks noGrp="1"/>
-          </p:cNvSpPr>
-          <p:nvPr>
-            <p:ph type="title"/>
-          </p:nvPr>
-        </p:nvSpPr>
-        <p:spPr/>
-        <p:txBody>
-          <a:bodyPr/>
-          <a:lstStyle/>
-          <a:p>
-            <a:r>
-              <a:rPr lang="en-US" dirty="0" smtClean="0"/>
-              <a:t>Current Status</a:t>
-            </a:r>
-            <a:endParaRPr lang="en-US" dirty="0"/>
-          </a:p>
-        </p:txBody>
-      </p:sp>
-      <p:sp>
-        <p:nvSpPr>
-          <p:cNvPr id="3" name="Content Placeholder 2"/>
-          <p:cNvSpPr>
-            <a:spLocks noGrp="1"/>
-          </p:cNvSpPr>
-          <p:nvPr>
-            <p:ph idx="1"/>
-          </p:nvPr>
-        </p:nvSpPr>
-        <p:spPr/>
-        <p:txBody>
-          <a:bodyPr/>
-          <a:lstStyle/>
-          <a:p>
-            <a:r>
-              <a:rPr lang="en-US" dirty="0" smtClean="0"/>
-              <a:t>Robin has offered that Exiv2 will produce a dot release</a:t>
-            </a:r>
-          </a:p>
-          <a:p>
-            <a:r>
-              <a:rPr lang="en-US" dirty="0" smtClean="0"/>
-              <a:t>This meeting should decide on our actions:</a:t>
-            </a:r>
-            <a:br>
-              <a:rPr lang="en-US" dirty="0" smtClean="0"/>
-            </a:br>
-            <a:r>
-              <a:rPr lang="en-US" dirty="0" smtClean="0"/>
-              <a:t>1	Who will ‘own’ this matter</a:t>
-            </a:r>
-            <a:br>
-              <a:rPr lang="en-US" dirty="0" smtClean="0"/>
-            </a:br>
-            <a:r>
-              <a:rPr lang="en-US" dirty="0" smtClean="0"/>
-              <a:t>2	Who will conduct the discussion with KDE</a:t>
-            </a:r>
-            <a:br>
-              <a:rPr lang="en-US" dirty="0" smtClean="0"/>
-            </a:br>
-            <a:r>
-              <a:rPr lang="en-US" dirty="0" smtClean="0"/>
-              <a:t>3	Our options to address this matter</a:t>
-            </a:r>
-            <a:br>
-              <a:rPr lang="en-US" dirty="0" smtClean="0"/>
-            </a:br>
-            <a:r>
-              <a:rPr lang="en-US" dirty="0" smtClean="0"/>
-              <a:t>4	Assignments to Team Members</a:t>
-            </a:r>
-            <a:r>
-              <a:rPr lang="en-US" dirty="0"/>
-              <a:t/>
-            </a:r>
-            <a:br>
-              <a:rPr lang="en-US" dirty="0"/>
-            </a:br>
-            <a:r>
-              <a:rPr lang="en-US" dirty="0" smtClean="0"/>
-              <a:t>5	Schedule</a:t>
-            </a:r>
-          </a:p>
-          <a:p>
-            <a:r>
-              <a:rPr lang="en-US" dirty="0" smtClean="0"/>
-              <a:t>Caution:</a:t>
-            </a:r>
-            <a:br>
-              <a:rPr lang="en-US" dirty="0" smtClean="0"/>
-            </a:br>
-            <a:r>
-              <a:rPr lang="en-US" dirty="0" smtClean="0"/>
-              <a:t>Until we have a strong line of communication with KDE, assignments and schedule are preliminary</a:t>
-            </a:r>
-          </a:p>
-        </p:txBody>
-      </p:sp>
-      <p:pic>
-        <p:nvPicPr>
-          <p:cNvPr id="5" name="Picture 4" descr="Exiv2Logo.png"/>
-          <p:cNvPicPr>
-            <a:picLocks noChangeAspect="1"/>
-          </p:cNvPicPr>
-          <p:nvPr/>
-        </p:nvPicPr>
-        <p:blipFill>
-          <a:blip r:embed="rId2">
-            <a:extLst>
-              <a:ext uri="{28A0092B-C50C-407E-A947-70E740481C1C}">
-                <a14:useLocalDpi xmlns:a14="http://schemas.microsoft.com/office/drawing/2010/main" val="0"/>
-              </a:ext>
-            </a:extLst>
-          </a:blip>
-          <a:stretch>
-            <a:fillRect/>
-          </a:stretch>
-        </p:blipFill>
-        <p:spPr>
-          <a:xfrm>
-            <a:off x="6734049" y="420061"/>
-            <a:ext cx="2032000" cy="1231900"/>
-          </a:xfrm>
-          <a:prstGeom prst="rect">
-            <a:avLst/>
-          </a:prstGeom>
-        </p:spPr>
-      </p:pic>
-      <p:sp>
-        <p:nvSpPr>
-          <p:cNvPr id="6" name="Date Placeholder 5"/>
-          <p:cNvSpPr>
-            <a:spLocks noGrp="1"/>
-          </p:cNvSpPr>
-          <p:nvPr>
-            <p:ph type="dt" sz="half" idx="10"/>
-          </p:nvPr>
-        </p:nvSpPr>
-        <p:spPr/>
-        <p:txBody>
-          <a:bodyPr/>
-          <a:lstStyle/>
-          <a:p>
-            <a:fld id="{5379D298-6F44-4A45-8706-E97D04C346BD}" type="datetime8">
-              <a:rPr lang="en-GB" smtClean="0"/>
-              <a:t>22-Apr-2015 20:18</a:t>
-            </a:fld>
-            <a:endParaRPr lang="en-US"/>
-          </a:p>
-        </p:txBody>
-      </p:sp>
-      <p:sp>
-        <p:nvSpPr>
-          <p:cNvPr id="7" name="Footer Placeholder 6"/>
-          <p:cNvSpPr>
-            <a:spLocks noGrp="1"/>
-          </p:cNvSpPr>
-          <p:nvPr>
-            <p:ph type="ftr" sz="quarter" idx="11"/>
-          </p:nvPr>
-        </p:nvSpPr>
-        <p:spPr/>
-        <p:txBody>
-          <a:bodyPr/>
-          <a:lstStyle/>
-          <a:p>
-            <a:r>
-              <a:rPr lang="en-US" smtClean="0"/>
-              <a:t>Exiv2-v0.24.1</a:t>
-            </a:r>
-            <a:endParaRPr lang="en-US"/>
-          </a:p>
-        </p:txBody>
-      </p:sp>
-      <p:sp>
-        <p:nvSpPr>
-          <p:cNvPr id="8" name="Slide Number Placeholder 7"/>
-          <p:cNvSpPr>
-            <a:spLocks noGrp="1"/>
-          </p:cNvSpPr>
-          <p:nvPr>
-            <p:ph type="sldNum" sz="quarter" idx="12"/>
-          </p:nvPr>
-        </p:nvSpPr>
-        <p:spPr/>
-        <p:txBody>
-          <a:bodyPr/>
-          <a:lstStyle/>
-          <a:p>
-            <a:fld id="{93E4AAA4-6363-4581-962D-1ACCC2D600C5}" type="slidenum">
-              <a:rPr lang="en-US" smtClean="0"/>
-              <a:t>5</a:t>
-            </a:fld>
-            <a:endParaRPr lang="en-US"/>
-          </a:p>
-        </p:txBody>
-      </p:sp>
-    </p:spTree>
-    <p:extLst>
-      <p:ext uri="{BB962C8B-B14F-4D97-AF65-F5344CB8AC3E}">
-        <p14:creationId xmlns:p14="http://schemas.microsoft.com/office/powerpoint/2010/main" val="2648333421"/>
-      </p:ext>
-    </p:extLst>
-  </p:cSld>
-  <p:clrMapOvr>
-    <a:masterClrMapping/>
-  </p:clrMapOvr>
-</p:sld>
-</file>
-
-<file path=ppt/slides/slide6.xml><?xml version="1.0" encoding="utf-8"?>
-<p:sld xmlns:a="http://schemas.openxmlformats.org/drawingml/2006/main" xmlns:r="http://schemas.openxmlformats.org/officeDocument/2006/relationships" xmlns:p="http://schemas.openxmlformats.org/presentationml/2006/main">
-  <p:cSld>
-    <p:spTree>
-      <p:nvGrpSpPr>
-        <p:cNvPr id="1" name=""/>
-        <p:cNvGrpSpPr/>
-        <p:nvPr/>
-      </p:nvGrpSpPr>
-      <p:grpSpPr>
-        <a:xfrm>
-          <a:off x="0" y="0"/>
-          <a:ext cx="0" cy="0"/>
-          <a:chOff x="0" y="0"/>
-          <a:chExt cx="0" cy="0"/>
-        </a:xfrm>
-      </p:grpSpPr>
-      <p:sp>
-        <p:nvSpPr>
-          <p:cNvPr id="2" name="Title 1"/>
-          <p:cNvSpPr>
-            <a:spLocks noGrp="1"/>
-          </p:cNvSpPr>
-          <p:nvPr>
-            <p:ph type="title"/>
-          </p:nvPr>
-        </p:nvSpPr>
-        <p:spPr/>
-        <p:txBody>
-          <a:bodyPr/>
-          <a:lstStyle/>
-          <a:p>
-            <a:r>
-              <a:rPr lang="en-US" dirty="0" smtClean="0"/>
-              <a:t>Analysis of Security Issue</a:t>
-            </a:r>
-            <a:endParaRPr lang="en-US" dirty="0"/>
-          </a:p>
-        </p:txBody>
-      </p:sp>
-      <p:sp>
-        <p:nvSpPr>
-          <p:cNvPr id="3" name="Content Placeholder 2"/>
-          <p:cNvSpPr>
-            <a:spLocks noGrp="1"/>
-          </p:cNvSpPr>
-          <p:nvPr>
-            <p:ph idx="1"/>
-          </p:nvPr>
-        </p:nvSpPr>
-        <p:spPr/>
-        <p:txBody>
-          <a:bodyPr/>
-          <a:lstStyle/>
-          <a:p>
-            <a:r>
-              <a:rPr lang="en-US" dirty="0" smtClean="0"/>
-              <a:t>We must isolate the video code as a build option</a:t>
-            </a:r>
-            <a:br>
-              <a:rPr lang="en-US" dirty="0" smtClean="0"/>
-            </a:br>
-            <a:r>
-              <a:rPr lang="en-US" dirty="0" smtClean="0"/>
-              <a:t>(as already done for </a:t>
-            </a:r>
-            <a:r>
-              <a:rPr lang="en-US" dirty="0" err="1" smtClean="0"/>
-              <a:t>webready</a:t>
-            </a:r>
-            <a:r>
-              <a:rPr lang="en-US" dirty="0" smtClean="0"/>
-              <a:t> in v0.25)</a:t>
-            </a:r>
-          </a:p>
-          <a:p>
-            <a:r>
-              <a:rPr lang="en-US" dirty="0"/>
-              <a:t>V</a:t>
-            </a:r>
-            <a:r>
-              <a:rPr lang="en-US" dirty="0" smtClean="0"/>
-              <a:t>ideo </a:t>
-            </a:r>
-            <a:r>
-              <a:rPr lang="en-US" dirty="0" smtClean="0"/>
-              <a:t>code requires simplification:</a:t>
-            </a:r>
-            <a:br>
-              <a:rPr lang="en-US" dirty="0" smtClean="0"/>
-            </a:br>
-            <a:r>
-              <a:rPr lang="en-US" dirty="0" smtClean="0"/>
-              <a:t>- refactoring into functions</a:t>
-            </a:r>
-            <a:br>
-              <a:rPr lang="en-US" dirty="0" smtClean="0"/>
-            </a:br>
-            <a:r>
-              <a:rPr lang="en-US" dirty="0" smtClean="0"/>
-              <a:t>- constants defined with </a:t>
-            </a:r>
-            <a:r>
-              <a:rPr lang="en-US" dirty="0" err="1" smtClean="0"/>
-              <a:t>enums</a:t>
-            </a:r>
-            <a:r>
-              <a:rPr lang="en-US" dirty="0" smtClean="0"/>
-              <a:t> in headers</a:t>
-            </a:r>
-            <a:br>
-              <a:rPr lang="en-US" dirty="0" smtClean="0"/>
-            </a:br>
-            <a:r>
-              <a:rPr lang="en-US" dirty="0" smtClean="0"/>
-              <a:t>- code review recommendations to be implemented</a:t>
-            </a:r>
-            <a:r>
-              <a:rPr lang="en-US" dirty="0"/>
-              <a:t/>
-            </a:r>
-            <a:br>
-              <a:rPr lang="en-US" dirty="0"/>
-            </a:br>
-            <a:r>
-              <a:rPr lang="en-US" dirty="0" smtClean="0"/>
-              <a:t>- more and tougher tests</a:t>
-            </a:r>
-            <a:r>
-              <a:rPr lang="en-US" dirty="0"/>
-              <a:t> </a:t>
-            </a:r>
-            <a:r>
-              <a:rPr lang="en-US" dirty="0" smtClean="0"/>
-              <a:t>(5Gbyte video files over http)</a:t>
-            </a:r>
-          </a:p>
-          <a:p>
-            <a:r>
-              <a:rPr lang="en-US" dirty="0"/>
-              <a:t>The video code requires to be “hardened” to deal with suspect </a:t>
-            </a:r>
-            <a:r>
-              <a:rPr lang="en-US" dirty="0" smtClean="0"/>
-              <a:t>files</a:t>
-            </a:r>
-            <a:endParaRPr lang="en-US" dirty="0"/>
-          </a:p>
-        </p:txBody>
-      </p:sp>
-      <p:pic>
-        <p:nvPicPr>
-          <p:cNvPr id="4" name="Picture 3" descr="Exiv2Logo.png"/>
-          <p:cNvPicPr>
-            <a:picLocks noChangeAspect="1"/>
-          </p:cNvPicPr>
-          <p:nvPr/>
-        </p:nvPicPr>
-        <p:blipFill>
-          <a:blip r:embed="rId2">
-            <a:extLst>
-              <a:ext uri="{28A0092B-C50C-407E-A947-70E740481C1C}">
-                <a14:useLocalDpi xmlns:a14="http://schemas.microsoft.com/office/drawing/2010/main" val="0"/>
-              </a:ext>
-            </a:extLst>
-          </a:blip>
-          <a:stretch>
-            <a:fillRect/>
-          </a:stretch>
-        </p:blipFill>
-        <p:spPr>
-          <a:xfrm>
-            <a:off x="6734049" y="420061"/>
-            <a:ext cx="2032000" cy="1231900"/>
-          </a:xfrm>
-          <a:prstGeom prst="rect">
-            <a:avLst/>
-          </a:prstGeom>
-        </p:spPr>
-      </p:pic>
-      <p:sp>
-        <p:nvSpPr>
-          <p:cNvPr id="5" name="Date Placeholder 4"/>
-          <p:cNvSpPr>
-            <a:spLocks noGrp="1"/>
-          </p:cNvSpPr>
-          <p:nvPr>
-            <p:ph type="dt" sz="half" idx="10"/>
-          </p:nvPr>
-        </p:nvSpPr>
-        <p:spPr/>
-        <p:txBody>
-          <a:bodyPr/>
-          <a:lstStyle/>
-          <a:p>
-            <a:fld id="{A23348B8-C2FC-BD41-B270-BEDAFEEE35DB}" type="datetime8">
-              <a:rPr lang="en-GB" smtClean="0"/>
-              <a:t>22-Apr-2015 20:18</a:t>
-            </a:fld>
-            <a:endParaRPr lang="en-US"/>
-          </a:p>
-        </p:txBody>
-      </p:sp>
-      <p:sp>
-        <p:nvSpPr>
-          <p:cNvPr id="6" name="Footer Placeholder 5"/>
-          <p:cNvSpPr>
-            <a:spLocks noGrp="1"/>
-          </p:cNvSpPr>
-          <p:nvPr>
-            <p:ph type="ftr" sz="quarter" idx="11"/>
-          </p:nvPr>
-        </p:nvSpPr>
-        <p:spPr/>
-        <p:txBody>
-          <a:bodyPr/>
-          <a:lstStyle/>
-          <a:p>
-            <a:r>
-              <a:rPr lang="en-US" smtClean="0"/>
-              <a:t>Exiv2-v0.24.1</a:t>
-            </a:r>
-            <a:endParaRPr lang="en-US"/>
-          </a:p>
-        </p:txBody>
-      </p:sp>
-      <p:sp>
-        <p:nvSpPr>
-          <p:cNvPr id="7" name="Slide Number Placeholder 6"/>
-          <p:cNvSpPr>
-            <a:spLocks noGrp="1"/>
-          </p:cNvSpPr>
-          <p:nvPr>
-            <p:ph type="sldNum" sz="quarter" idx="12"/>
-          </p:nvPr>
-        </p:nvSpPr>
-        <p:spPr/>
-        <p:txBody>
-          <a:bodyPr/>
-          <a:lstStyle/>
-          <a:p>
-            <a:fld id="{93E4AAA4-6363-4581-962D-1ACCC2D600C5}" type="slidenum">
-              <a:rPr lang="en-US" smtClean="0"/>
-              <a:t>6</a:t>
-            </a:fld>
-            <a:endParaRPr lang="en-US"/>
-          </a:p>
-        </p:txBody>
-      </p:sp>
-    </p:spTree>
-    <p:extLst>
-      <p:ext uri="{BB962C8B-B14F-4D97-AF65-F5344CB8AC3E}">
-        <p14:creationId xmlns:p14="http://schemas.microsoft.com/office/powerpoint/2010/main" val="2085293242"/>
-      </p:ext>
-    </p:extLst>
-  </p:cSld>
-  <p:clrMapOvr>
-    <a:masterClrMapping/>
-  </p:clrMapOvr>
-</p:sld>
-</file>
-
-<file path=ppt/slides/slide7.xml><?xml version="1.0" encoding="utf-8"?>
-<p:sld xmlns:a="http://schemas.openxmlformats.org/drawingml/2006/main" xmlns:r="http://schemas.openxmlformats.org/officeDocument/2006/relationships" xmlns:p="http://schemas.openxmlformats.org/presentationml/2006/main">
-  <p:cSld>
-    <p:spTree>
-      <p:nvGrpSpPr>
-        <p:cNvPr id="1" name=""/>
-        <p:cNvGrpSpPr/>
-        <p:nvPr/>
-      </p:nvGrpSpPr>
-      <p:grpSpPr>
-        <a:xfrm>
-          <a:off x="0" y="0"/>
-          <a:ext cx="0" cy="0"/>
-          <a:chOff x="0" y="0"/>
-          <a:chExt cx="0" cy="0"/>
-        </a:xfrm>
-      </p:grpSpPr>
-      <p:sp>
-        <p:nvSpPr>
-          <p:cNvPr id="2" name="Title 1"/>
-          <p:cNvSpPr>
-            <a:spLocks noGrp="1"/>
-          </p:cNvSpPr>
-          <p:nvPr>
-            <p:ph type="title"/>
-          </p:nvPr>
-        </p:nvSpPr>
-        <p:spPr/>
-        <p:txBody>
-          <a:bodyPr/>
-          <a:lstStyle/>
-          <a:p>
-            <a:r>
-              <a:rPr lang="en-US" dirty="0" smtClean="0"/>
-              <a:t>Options for v0.24.1</a:t>
-            </a:r>
-            <a:endParaRPr lang="en-US" dirty="0"/>
-          </a:p>
-        </p:txBody>
-      </p:sp>
-      <p:sp>
-        <p:nvSpPr>
-          <p:cNvPr id="3" name="Content Placeholder 2"/>
-          <p:cNvSpPr>
-            <a:spLocks noGrp="1"/>
-          </p:cNvSpPr>
-          <p:nvPr>
-            <p:ph idx="1"/>
-          </p:nvPr>
-        </p:nvSpPr>
-        <p:spPr/>
-        <p:txBody>
-          <a:bodyPr>
-            <a:normAutofit fontScale="92500" lnSpcReduction="10000"/>
-          </a:bodyPr>
-          <a:lstStyle/>
-          <a:p>
-            <a:r>
-              <a:rPr lang="en-US" dirty="0"/>
-              <a:t>The video code should </a:t>
-            </a:r>
-            <a:r>
-              <a:rPr lang="en-US" dirty="0" smtClean="0"/>
-              <a:t>be either:</a:t>
-            </a:r>
-            <a:br>
-              <a:rPr lang="en-US" dirty="0" smtClean="0"/>
-            </a:br>
-            <a:r>
-              <a:rPr lang="en-US" dirty="0" smtClean="0"/>
-              <a:t>1) </a:t>
-            </a:r>
-            <a:r>
-              <a:rPr lang="en-US" dirty="0"/>
-              <a:t>declared “experimental” and not built by </a:t>
-            </a:r>
-            <a:r>
-              <a:rPr lang="en-US" dirty="0" smtClean="0"/>
-              <a:t>default</a:t>
-            </a:r>
-            <a:br>
-              <a:rPr lang="en-US" dirty="0" smtClean="0"/>
-            </a:br>
-            <a:r>
-              <a:rPr lang="en-US" dirty="0" smtClean="0"/>
-              <a:t>2) removed and reintroduced in v0.26 (or later)</a:t>
-            </a:r>
-          </a:p>
-          <a:p>
-            <a:r>
-              <a:rPr lang="en-US" dirty="0" smtClean="0"/>
-              <a:t>Start with v0.24</a:t>
-            </a:r>
-            <a:br>
-              <a:rPr lang="en-US" dirty="0" smtClean="0"/>
-            </a:br>
-            <a:r>
-              <a:rPr lang="en-US" dirty="0" smtClean="0"/>
-              <a:t>- do as little work as possible to isolate the video code</a:t>
-            </a:r>
-            <a:br>
-              <a:rPr lang="en-US" dirty="0" smtClean="0"/>
-            </a:br>
-            <a:r>
-              <a:rPr lang="en-US" dirty="0" smtClean="0"/>
-              <a:t>- add selected trunk fixes (such as maker notes)</a:t>
-            </a:r>
-            <a:br>
-              <a:rPr lang="en-US" dirty="0" smtClean="0"/>
-            </a:br>
-            <a:r>
-              <a:rPr lang="en-US" dirty="0" smtClean="0"/>
-              <a:t>This can be done quickly if the selection is small</a:t>
-            </a:r>
-            <a:br>
-              <a:rPr lang="en-US" dirty="0" smtClean="0"/>
-            </a:br>
-            <a:r>
-              <a:rPr lang="en-US" dirty="0" smtClean="0"/>
-              <a:t>Time Guestimate:	2 weeks </a:t>
-            </a:r>
-          </a:p>
-          <a:p>
-            <a:r>
-              <a:rPr lang="en-US" dirty="0" smtClean="0"/>
-              <a:t>Release v0.25</a:t>
-            </a:r>
-            <a:br>
-              <a:rPr lang="en-US" dirty="0" smtClean="0"/>
-            </a:br>
-            <a:r>
-              <a:rPr lang="en-US" dirty="0" smtClean="0"/>
-              <a:t>- isolate the video-read code</a:t>
-            </a:r>
-            <a:br>
-              <a:rPr lang="en-US" dirty="0" smtClean="0"/>
-            </a:br>
-            <a:r>
-              <a:rPr lang="en-US" dirty="0" smtClean="0"/>
-              <a:t>This cannot be done quickly.  v0.25 has a lot of new code (cloud-ready) and many bug fixes and new features</a:t>
-            </a:r>
-            <a:br>
-              <a:rPr lang="en-US" dirty="0" smtClean="0"/>
-            </a:br>
-            <a:r>
-              <a:rPr lang="en-US" dirty="0" smtClean="0"/>
-              <a:t>Time Guestimate: 	Unknown </a:t>
-            </a:r>
-            <a:endParaRPr lang="en-US" dirty="0"/>
-          </a:p>
-          <a:p>
-            <a:endParaRPr lang="en-US" dirty="0"/>
-          </a:p>
-        </p:txBody>
-      </p:sp>
-      <p:pic>
-        <p:nvPicPr>
-          <p:cNvPr id="4" name="Picture 3" descr="Exiv2Logo.png"/>
-          <p:cNvPicPr>
-            <a:picLocks noChangeAspect="1"/>
-          </p:cNvPicPr>
-          <p:nvPr/>
-        </p:nvPicPr>
-        <p:blipFill>
-          <a:blip r:embed="rId2">
-            <a:extLst>
-              <a:ext uri="{28A0092B-C50C-407E-A947-70E740481C1C}">
-                <a14:useLocalDpi xmlns:a14="http://schemas.microsoft.com/office/drawing/2010/main" val="0"/>
-              </a:ext>
-            </a:extLst>
-          </a:blip>
-          <a:stretch>
-            <a:fillRect/>
-          </a:stretch>
-        </p:blipFill>
-        <p:spPr>
-          <a:xfrm>
-            <a:off x="6734049" y="420061"/>
-            <a:ext cx="2032000" cy="1231900"/>
-          </a:xfrm>
-          <a:prstGeom prst="rect">
-            <a:avLst/>
-          </a:prstGeom>
-        </p:spPr>
-      </p:pic>
-      <p:sp>
-        <p:nvSpPr>
-          <p:cNvPr id="5" name="Date Placeholder 4"/>
-          <p:cNvSpPr>
-            <a:spLocks noGrp="1"/>
-          </p:cNvSpPr>
-          <p:nvPr>
-            <p:ph type="dt" sz="half" idx="10"/>
-          </p:nvPr>
-        </p:nvSpPr>
-        <p:spPr/>
-        <p:txBody>
-          <a:bodyPr/>
-          <a:lstStyle/>
-          <a:p>
-            <a:fld id="{0FE6EDA9-5A32-FE44-8CF4-C32B08FF5187}" type="datetime8">
-              <a:rPr lang="en-GB" smtClean="0"/>
-              <a:t>22-Apr-2015 20:18</a:t>
-            </a:fld>
-            <a:endParaRPr lang="en-US"/>
-          </a:p>
-        </p:txBody>
-      </p:sp>
-      <p:sp>
-        <p:nvSpPr>
-          <p:cNvPr id="6" name="Footer Placeholder 5"/>
-          <p:cNvSpPr>
-            <a:spLocks noGrp="1"/>
-          </p:cNvSpPr>
-          <p:nvPr>
-            <p:ph type="ftr" sz="quarter" idx="11"/>
-          </p:nvPr>
-        </p:nvSpPr>
-        <p:spPr/>
-        <p:txBody>
-          <a:bodyPr/>
-          <a:lstStyle/>
-          <a:p>
-            <a:r>
-              <a:rPr lang="en-US" smtClean="0"/>
-              <a:t>Exiv2-v0.24.1</a:t>
-            </a:r>
-            <a:endParaRPr lang="en-US"/>
-          </a:p>
-        </p:txBody>
-      </p:sp>
-      <p:sp>
-        <p:nvSpPr>
-          <p:cNvPr id="7" name="Slide Number Placeholder 6"/>
-          <p:cNvSpPr>
-            <a:spLocks noGrp="1"/>
-          </p:cNvSpPr>
-          <p:nvPr>
-            <p:ph type="sldNum" sz="quarter" idx="12"/>
-          </p:nvPr>
-        </p:nvSpPr>
-        <p:spPr/>
-        <p:txBody>
-          <a:bodyPr/>
-          <a:lstStyle/>
-          <a:p>
-            <a:fld id="{93E4AAA4-6363-4581-962D-1ACCC2D600C5}" type="slidenum">
-              <a:rPr lang="en-US" smtClean="0"/>
-              <a:t>7</a:t>
-            </a:fld>
-            <a:endParaRPr lang="en-US"/>
-          </a:p>
-        </p:txBody>
-      </p:sp>
-    </p:spTree>
-    <p:extLst>
-      <p:ext uri="{BB962C8B-B14F-4D97-AF65-F5344CB8AC3E}">
-        <p14:creationId xmlns:p14="http://schemas.microsoft.com/office/powerpoint/2010/main" val="842085545"/>
-      </p:ext>
-    </p:extLst>
-  </p:cSld>
-  <p:clrMapOvr>
-    <a:masterClrMapping/>
-  </p:clrMapOvr>
-</p:sld>
-</file>
-
-<file path=ppt/slides/slide8.xml><?xml version="1.0" encoding="utf-8"?>
-<p:sld xmlns:a="http://schemas.openxmlformats.org/drawingml/2006/main" xmlns:r="http://schemas.openxmlformats.org/officeDocument/2006/relationships" xmlns:p="http://schemas.openxmlformats.org/presentationml/2006/main">
-  <p:cSld>
-    <p:spTree>
-      <p:nvGrpSpPr>
-        <p:cNvPr id="1" name=""/>
-        <p:cNvGrpSpPr/>
-        <p:nvPr/>
-      </p:nvGrpSpPr>
-      <p:grpSpPr>
-        <a:xfrm>
-          <a:off x="0" y="0"/>
-          <a:ext cx="0" cy="0"/>
-          <a:chOff x="0" y="0"/>
-          <a:chExt cx="0" cy="0"/>
-        </a:xfrm>
-      </p:grpSpPr>
-      <p:sp>
-        <p:nvSpPr>
-          <p:cNvPr id="2" name="Title 1"/>
-          <p:cNvSpPr>
-            <a:spLocks noGrp="1"/>
-          </p:cNvSpPr>
-          <p:nvPr>
-            <p:ph type="title"/>
-          </p:nvPr>
-        </p:nvSpPr>
-        <p:spPr/>
-        <p:txBody>
-          <a:bodyPr/>
-          <a:lstStyle/>
-          <a:p>
-            <a:r>
-              <a:rPr lang="en-US" dirty="0" smtClean="0"/>
-              <a:t>Exiv2 Project Status</a:t>
-            </a:r>
-            <a:endParaRPr lang="en-US" dirty="0"/>
-          </a:p>
-        </p:txBody>
-      </p:sp>
-      <p:sp>
-        <p:nvSpPr>
-          <p:cNvPr id="3" name="Content Placeholder 2"/>
-          <p:cNvSpPr>
-            <a:spLocks noGrp="1"/>
-          </p:cNvSpPr>
-          <p:nvPr>
-            <p:ph idx="1"/>
-          </p:nvPr>
-        </p:nvSpPr>
-        <p:spPr/>
-        <p:txBody>
-          <a:bodyPr>
-            <a:normAutofit fontScale="92500" lnSpcReduction="20000"/>
-          </a:bodyPr>
-          <a:lstStyle/>
-          <a:p>
-            <a:r>
-              <a:rPr lang="en-US" dirty="0"/>
-              <a:t>e</a:t>
-            </a:r>
-            <a:r>
-              <a:rPr lang="en-US" dirty="0" smtClean="0"/>
-              <a:t>xiv2.org </a:t>
-            </a:r>
-            <a:r>
-              <a:rPr lang="en-US" dirty="0" err="1" smtClean="0"/>
-              <a:t>Redmine</a:t>
-            </a:r>
-            <a:r>
-              <a:rPr lang="en-US" dirty="0" smtClean="0"/>
-              <a:t> Forum/Wiki/Issues </a:t>
-            </a:r>
-            <a:r>
-              <a:rPr lang="en-US" dirty="0"/>
-              <a:t/>
-            </a:r>
-            <a:br>
-              <a:rPr lang="en-US" dirty="0"/>
-            </a:br>
-            <a:r>
-              <a:rPr lang="en-US" dirty="0" smtClean="0"/>
-              <a:t>- lots of user activity</a:t>
-            </a:r>
-            <a:br>
-              <a:rPr lang="en-US" dirty="0" smtClean="0"/>
-            </a:br>
-            <a:r>
-              <a:rPr lang="en-US" dirty="0" smtClean="0"/>
-              <a:t>- we are very responsive</a:t>
-            </a:r>
-          </a:p>
-          <a:p>
-            <a:r>
-              <a:rPr lang="en-US" dirty="0" smtClean="0"/>
-              <a:t>The code is widely used</a:t>
-            </a:r>
-          </a:p>
-          <a:p>
-            <a:r>
-              <a:rPr lang="en-US" dirty="0"/>
-              <a:t>e</a:t>
-            </a:r>
-            <a:r>
-              <a:rPr lang="en-US" dirty="0" smtClean="0"/>
-              <a:t>xiv2.dyndns.org:8080 Jenkins build server works well</a:t>
-            </a:r>
-          </a:p>
-          <a:p>
-            <a:r>
-              <a:rPr lang="en-US" dirty="0" smtClean="0"/>
-              <a:t>Our release interval is getting longer</a:t>
-            </a:r>
-          </a:p>
-          <a:p>
-            <a:r>
-              <a:rPr lang="en-US" dirty="0" smtClean="0"/>
-              <a:t>The team is growing.  3 new hires in 2015</a:t>
-            </a:r>
-            <a:br>
-              <a:rPr lang="en-US" dirty="0" smtClean="0"/>
-            </a:br>
-            <a:r>
-              <a:rPr lang="en-US" dirty="0" smtClean="0"/>
-              <a:t>Thomas S	Thomas B	Alan</a:t>
-            </a:r>
-          </a:p>
-          <a:p>
-            <a:r>
-              <a:rPr lang="en-US" dirty="0" smtClean="0"/>
-              <a:t>Islam’s </a:t>
-            </a:r>
-            <a:r>
-              <a:rPr lang="en-US" dirty="0" err="1" smtClean="0"/>
-              <a:t>GSoC</a:t>
-            </a:r>
-            <a:r>
-              <a:rPr lang="en-US" dirty="0" smtClean="0"/>
-              <a:t> 2015 </a:t>
-            </a:r>
-            <a:r>
-              <a:rPr lang="en-US" dirty="0" err="1" smtClean="0"/>
-              <a:t>webp</a:t>
-            </a:r>
-            <a:r>
-              <a:rPr lang="en-US" dirty="0" smtClean="0"/>
-              <a:t>/</a:t>
-            </a:r>
-            <a:r>
-              <a:rPr lang="en-US" dirty="0" err="1" smtClean="0"/>
-              <a:t>webm</a:t>
-            </a:r>
-            <a:r>
-              <a:rPr lang="en-US" dirty="0" smtClean="0"/>
-              <a:t> project</a:t>
-            </a:r>
-          </a:p>
-          <a:p>
-            <a:r>
-              <a:rPr lang="en-US" dirty="0" smtClean="0"/>
-              <a:t>Robin is overloaded</a:t>
-            </a:r>
-          </a:p>
-          <a:p>
-            <a:endParaRPr lang="en-US" dirty="0"/>
-          </a:p>
-        </p:txBody>
-      </p:sp>
-      <p:pic>
-        <p:nvPicPr>
-          <p:cNvPr id="4" name="Picture 3" descr="Exiv2Logo.png"/>
-          <p:cNvPicPr>
-            <a:picLocks noChangeAspect="1"/>
-          </p:cNvPicPr>
-          <p:nvPr/>
-        </p:nvPicPr>
-        <p:blipFill>
-          <a:blip r:embed="rId2">
-            <a:extLst>
-              <a:ext uri="{28A0092B-C50C-407E-A947-70E740481C1C}">
-                <a14:useLocalDpi xmlns:a14="http://schemas.microsoft.com/office/drawing/2010/main" val="0"/>
-              </a:ext>
-            </a:extLst>
-          </a:blip>
-          <a:stretch>
-            <a:fillRect/>
-          </a:stretch>
-        </p:blipFill>
-        <p:spPr>
-          <a:xfrm>
-            <a:off x="6734049" y="420061"/>
-            <a:ext cx="2032000" cy="1231900"/>
-          </a:xfrm>
-          <a:prstGeom prst="rect">
-            <a:avLst/>
-          </a:prstGeom>
-        </p:spPr>
-      </p:pic>
-      <p:sp>
-        <p:nvSpPr>
-          <p:cNvPr id="5" name="Date Placeholder 4"/>
-          <p:cNvSpPr>
-            <a:spLocks noGrp="1"/>
-          </p:cNvSpPr>
-          <p:nvPr>
-            <p:ph type="dt" sz="half" idx="10"/>
-          </p:nvPr>
-        </p:nvSpPr>
-        <p:spPr/>
-        <p:txBody>
-          <a:bodyPr/>
-          <a:lstStyle/>
-          <a:p>
-            <a:fld id="{E78FA98F-E1CA-5346-B70E-AE0F4504117E}" type="datetime8">
-              <a:rPr lang="en-GB" smtClean="0"/>
-              <a:t>22-Apr-2015 20:18</a:t>
-            </a:fld>
-            <a:endParaRPr lang="en-US"/>
-          </a:p>
-        </p:txBody>
-      </p:sp>
-      <p:sp>
-        <p:nvSpPr>
-          <p:cNvPr id="6" name="Footer Placeholder 5"/>
-          <p:cNvSpPr>
-            <a:spLocks noGrp="1"/>
-          </p:cNvSpPr>
-          <p:nvPr>
-            <p:ph type="ftr" sz="quarter" idx="11"/>
-          </p:nvPr>
-        </p:nvSpPr>
-        <p:spPr/>
-        <p:txBody>
-          <a:bodyPr/>
-          <a:lstStyle/>
-          <a:p>
-            <a:r>
-              <a:rPr lang="en-US" smtClean="0"/>
-              <a:t>Exiv2-v0.24.1</a:t>
-            </a:r>
-            <a:endParaRPr lang="en-US"/>
-          </a:p>
-        </p:txBody>
-      </p:sp>
-      <p:sp>
-        <p:nvSpPr>
-          <p:cNvPr id="7" name="Slide Number Placeholder 6"/>
-          <p:cNvSpPr>
-            <a:spLocks noGrp="1"/>
-          </p:cNvSpPr>
-          <p:nvPr>
-            <p:ph type="sldNum" sz="quarter" idx="12"/>
-          </p:nvPr>
-        </p:nvSpPr>
-        <p:spPr/>
-        <p:txBody>
-          <a:bodyPr/>
-          <a:lstStyle/>
-          <a:p>
-            <a:fld id="{93E4AAA4-6363-4581-962D-1ACCC2D600C5}" type="slidenum">
-              <a:rPr lang="en-US" smtClean="0"/>
-              <a:t>8</a:t>
-            </a:fld>
-            <a:endParaRPr lang="en-US"/>
-          </a:p>
-        </p:txBody>
-      </p:sp>
-    </p:spTree>
-    <p:extLst>
-      <p:ext uri="{BB962C8B-B14F-4D97-AF65-F5344CB8AC3E}">
-        <p14:creationId xmlns:p14="http://schemas.microsoft.com/office/powerpoint/2010/main" val="423556137"/>
-      </p:ext>
-    </p:extLst>
-  </p:cSld>
-  <p:clrMapOvr>
-    <a:masterClrMapping/>
-  </p:clrMapOvr>
-</p:sld>
-</file>
-
-<file path=ppt/slides/slide9.xml><?xml version="1.0" encoding="utf-8"?>
-<p:sld xmlns:a="http://schemas.openxmlformats.org/drawingml/2006/main" xmlns:r="http://schemas.openxmlformats.org/officeDocument/2006/relationships" xmlns:p="http://schemas.openxmlformats.org/presentationml/2006/main">
-  <p:cSld>
-    <p:spTree>
-      <p:nvGrpSpPr>
-        <p:cNvPr id="1" name=""/>
-        <p:cNvGrpSpPr/>
-        <p:nvPr/>
-      </p:nvGrpSpPr>
-      <p:grpSpPr>
-        <a:xfrm>
-          <a:off x="0" y="0"/>
-          <a:ext cx="0" cy="0"/>
-          <a:chOff x="0" y="0"/>
-          <a:chExt cx="0" cy="0"/>
-        </a:xfrm>
-      </p:grpSpPr>
-      <p:sp>
-        <p:nvSpPr>
-          <p:cNvPr id="2" name="Title 1"/>
-          <p:cNvSpPr>
-            <a:spLocks noGrp="1"/>
-          </p:cNvSpPr>
-          <p:nvPr>
-            <p:ph type="title"/>
-          </p:nvPr>
-        </p:nvSpPr>
-        <p:spPr/>
-        <p:txBody>
-          <a:bodyPr/>
-          <a:lstStyle/>
-          <a:p>
-            <a:r>
-              <a:rPr lang="en-US" dirty="0" smtClean="0"/>
-              <a:t>Exiv2 v0.26</a:t>
-            </a:r>
-            <a:endParaRPr lang="en-US" dirty="0"/>
-          </a:p>
-        </p:txBody>
-      </p:sp>
-      <p:sp>
-        <p:nvSpPr>
-          <p:cNvPr id="3" name="Content Placeholder 2"/>
-          <p:cNvSpPr>
-            <a:spLocks noGrp="1"/>
-          </p:cNvSpPr>
-          <p:nvPr>
-            <p:ph idx="1"/>
-          </p:nvPr>
-        </p:nvSpPr>
-        <p:spPr/>
-        <p:txBody>
-          <a:bodyPr>
-            <a:normAutofit fontScale="85000" lnSpcReduction="20000"/>
-          </a:bodyPr>
-          <a:lstStyle/>
-          <a:p>
-            <a:r>
-              <a:rPr lang="en-US" dirty="0" smtClean="0"/>
-              <a:t>Video </a:t>
-            </a:r>
-            <a:r>
-              <a:rPr lang="en-US" dirty="0" smtClean="0"/>
-              <a:t>Read and Write 			</a:t>
-            </a:r>
-            <a:r>
-              <a:rPr lang="en-US" dirty="0" err="1" smtClean="0"/>
-              <a:t>Abhinav</a:t>
-            </a:r>
-            <a:r>
-              <a:rPr lang="en-US" dirty="0" smtClean="0"/>
-              <a:t> and Mahesh</a:t>
-            </a:r>
-            <a:endParaRPr lang="en-US" dirty="0" smtClean="0"/>
-          </a:p>
-          <a:p>
-            <a:r>
-              <a:rPr lang="en-US" dirty="0" err="1"/>
-              <a:t>w</a:t>
-            </a:r>
-            <a:r>
-              <a:rPr lang="en-US" dirty="0" err="1" smtClean="0"/>
-              <a:t>ebp</a:t>
-            </a:r>
-            <a:r>
-              <a:rPr lang="en-US" dirty="0" smtClean="0"/>
-              <a:t>/</a:t>
-            </a:r>
-            <a:r>
-              <a:rPr lang="en-US" dirty="0" err="1" smtClean="0"/>
-              <a:t>webm</a:t>
-            </a:r>
-            <a:r>
-              <a:rPr lang="en-US" dirty="0" smtClean="0"/>
-              <a:t> </a:t>
-            </a:r>
-            <a:r>
-              <a:rPr lang="en-US" dirty="0" err="1" smtClean="0"/>
-              <a:t>GSoC</a:t>
-            </a:r>
-            <a:r>
-              <a:rPr lang="en-US" dirty="0" smtClean="0"/>
-              <a:t> 2015</a:t>
-            </a:r>
-            <a:r>
-              <a:rPr lang="en-US" dirty="0" smtClean="0"/>
-              <a:t> 		Islam</a:t>
-            </a:r>
-            <a:endParaRPr lang="en-US" dirty="0" smtClean="0"/>
-          </a:p>
-          <a:p>
-            <a:r>
-              <a:rPr lang="en-US" dirty="0" smtClean="0"/>
-              <a:t>Accessory ‘overflow’ file </a:t>
-            </a:r>
-            <a:r>
-              <a:rPr lang="en-US" dirty="0" smtClean="0"/>
-              <a:t>		Thomas B</a:t>
-            </a:r>
-            <a:endParaRPr lang="en-US" dirty="0" smtClean="0"/>
-          </a:p>
-          <a:p>
-            <a:r>
-              <a:rPr lang="en-US" dirty="0" err="1" smtClean="0"/>
-              <a:t>XMPsdk</a:t>
-            </a:r>
-            <a:r>
-              <a:rPr lang="en-US" dirty="0" smtClean="0"/>
-              <a:t> </a:t>
-            </a:r>
-            <a:r>
-              <a:rPr lang="en-US" dirty="0"/>
-              <a:t>as an external </a:t>
-            </a:r>
-            <a:r>
-              <a:rPr lang="en-US" dirty="0" smtClean="0"/>
-              <a:t>library </a:t>
-            </a:r>
-            <a:r>
-              <a:rPr lang="en-US" dirty="0"/>
-              <a:t>	</a:t>
-            </a:r>
-            <a:r>
-              <a:rPr lang="en-US" dirty="0" smtClean="0"/>
-              <a:t>	</a:t>
-            </a:r>
-            <a:r>
-              <a:rPr lang="en-US" dirty="0" smtClean="0"/>
-              <a:t>Andreas</a:t>
-            </a:r>
-          </a:p>
-          <a:p>
-            <a:r>
-              <a:rPr lang="en-US" dirty="0" err="1" smtClean="0"/>
-              <a:t>Coverity</a:t>
-            </a:r>
-            <a:r>
-              <a:rPr lang="en-US" dirty="0" smtClean="0"/>
-              <a:t> Scan				Mahesh</a:t>
-            </a:r>
-            <a:endParaRPr lang="en-US" dirty="0"/>
-          </a:p>
-          <a:p>
-            <a:r>
-              <a:rPr lang="en-US" dirty="0" err="1" smtClean="0"/>
-              <a:t>Cmake</a:t>
-            </a:r>
-            <a:r>
-              <a:rPr lang="en-US" dirty="0" smtClean="0"/>
-              <a:t>/MSVC Android </a:t>
-            </a:r>
-            <a:r>
-              <a:rPr lang="en-US" dirty="0" smtClean="0"/>
-              <a:t>and </a:t>
-            </a:r>
-            <a:r>
-              <a:rPr lang="en-US" dirty="0" err="1" smtClean="0"/>
-              <a:t>iOS</a:t>
-            </a:r>
-            <a:r>
-              <a:rPr lang="en-US" dirty="0" smtClean="0"/>
-              <a:t> </a:t>
-            </a:r>
-            <a:r>
-              <a:rPr lang="en-US" dirty="0"/>
-              <a:t>	</a:t>
-            </a:r>
-            <a:r>
-              <a:rPr lang="en-US" dirty="0" smtClean="0"/>
-              <a:t>	Robin</a:t>
-            </a:r>
-            <a:endParaRPr lang="en-US" dirty="0" smtClean="0"/>
-          </a:p>
-          <a:p>
-            <a:r>
-              <a:rPr lang="en-US" dirty="0"/>
-              <a:t>More features and bug </a:t>
-            </a:r>
-            <a:r>
-              <a:rPr lang="en-US" dirty="0" smtClean="0"/>
-              <a:t>fixes		Alan and Thomas S</a:t>
-            </a:r>
-            <a:endParaRPr lang="en-US" dirty="0"/>
-          </a:p>
-          <a:p>
-            <a:r>
-              <a:rPr lang="en-US" dirty="0" smtClean="0"/>
-              <a:t>Better </a:t>
-            </a:r>
-            <a:r>
-              <a:rPr lang="en-US" dirty="0" smtClean="0"/>
-              <a:t>Server </a:t>
-            </a:r>
-            <a:r>
-              <a:rPr lang="en-US" dirty="0" smtClean="0"/>
-              <a:t>&amp; </a:t>
-            </a:r>
-            <a:r>
-              <a:rPr lang="en-US" dirty="0" smtClean="0"/>
-              <a:t>Release Management </a:t>
-            </a:r>
-            <a:r>
-              <a:rPr lang="en-US" dirty="0"/>
-              <a:t>	</a:t>
-            </a:r>
-            <a:r>
-              <a:rPr lang="en-US" dirty="0" err="1" smtClean="0"/>
-              <a:t>Nehal</a:t>
-            </a:r>
-            <a:r>
-              <a:rPr lang="en-US" dirty="0" smtClean="0"/>
-              <a:t> and </a:t>
-            </a:r>
-            <a:r>
-              <a:rPr lang="en-US" dirty="0" smtClean="0"/>
-              <a:t>Shawn</a:t>
-            </a:r>
-          </a:p>
-          <a:p>
-            <a:r>
-              <a:rPr lang="en-US" dirty="0" smtClean="0"/>
-              <a:t>Branding, Logo and W</a:t>
-            </a:r>
-            <a:r>
-              <a:rPr lang="en-US" dirty="0" smtClean="0"/>
-              <a:t>eb-site		Ocean</a:t>
-            </a:r>
-            <a:endParaRPr lang="en-US" dirty="0" smtClean="0"/>
-          </a:p>
-        </p:txBody>
-      </p:sp>
-      <p:pic>
-        <p:nvPicPr>
-          <p:cNvPr id="5" name="Picture 4" descr="Exiv2Logo.png"/>
-          <p:cNvPicPr>
-            <a:picLocks noChangeAspect="1"/>
-          </p:cNvPicPr>
-          <p:nvPr/>
-        </p:nvPicPr>
-        <p:blipFill>
-          <a:blip r:embed="rId2">
-            <a:extLst>
-              <a:ext uri="{28A0092B-C50C-407E-A947-70E740481C1C}">
-                <a14:useLocalDpi xmlns:a14="http://schemas.microsoft.com/office/drawing/2010/main" val="0"/>
-              </a:ext>
-            </a:extLst>
-          </a:blip>
-          <a:stretch>
-            <a:fillRect/>
-          </a:stretch>
-        </p:blipFill>
-        <p:spPr>
-          <a:xfrm>
-            <a:off x="6734049" y="420061"/>
-            <a:ext cx="2032000" cy="1231900"/>
-          </a:xfrm>
-          <a:prstGeom prst="rect">
-            <a:avLst/>
-          </a:prstGeom>
-        </p:spPr>
-      </p:pic>
-      <p:sp>
-        <p:nvSpPr>
-          <p:cNvPr id="6" name="Date Placeholder 5"/>
-          <p:cNvSpPr>
-            <a:spLocks noGrp="1"/>
-          </p:cNvSpPr>
-          <p:nvPr>
-            <p:ph type="dt" sz="half" idx="10"/>
-          </p:nvPr>
-        </p:nvSpPr>
-        <p:spPr/>
-        <p:txBody>
-          <a:bodyPr/>
-          <a:lstStyle/>
-          <a:p>
             <a:fld id="{945609F1-927E-1F48-80C4-EDD35FD55285}" type="datetime8">
               <a:rPr lang="en-GB" smtClean="0"/>
-              <a:t>22-Apr-2015 20:18</a:t>
+              <a:t>22-Apr-2015 23:02</a:t>
             </a:fld>
             <a:endParaRPr lang="en-US"/>
           </a:p>
